--- a/architecture.pptx
+++ b/architecture.pptx
@@ -5,7 +5,15 @@
     <p:sldMasterId id="2147483797" r:id="rId1"/>
   </p:sldMasterIdLst>
   <p:sldIdLst>
-    <p:sldId id="256" r:id="rId2"/>
+    <p:sldId id="264" r:id="rId2"/>
+    <p:sldId id="256" r:id="rId3"/>
+    <p:sldId id="258" r:id="rId4"/>
+    <p:sldId id="257" r:id="rId5"/>
+    <p:sldId id="259" r:id="rId6"/>
+    <p:sldId id="260" r:id="rId7"/>
+    <p:sldId id="261" r:id="rId8"/>
+    <p:sldId id="262" r:id="rId9"/>
+    <p:sldId id="263" r:id="rId10"/>
   </p:sldIdLst>
   <p:sldSz cx="12192000" cy="6858000"/>
   <p:notesSz cx="6858000" cy="9144000"/>
@@ -438,7 +446,7 @@
           <a:p>
             <a:fld id="{0D9B93E0-5830-411C-ACD8-46C3646308D9}" type="datetimeFigureOut">
               <a:rPr lang="es-AR" smtClean="0"/>
-              <a:t>11/5/2020</a:t>
+              <a:t>28/8/2020</a:t>
             </a:fld>
             <a:endParaRPr lang="es-AR"/>
           </a:p>
@@ -729,7 +737,7 @@
           <a:p>
             <a:fld id="{0D9B93E0-5830-411C-ACD8-46C3646308D9}" type="datetimeFigureOut">
               <a:rPr lang="es-AR" smtClean="0"/>
-              <a:t>11/5/2020</a:t>
+              <a:t>28/8/2020</a:t>
             </a:fld>
             <a:endParaRPr lang="es-AR"/>
           </a:p>
@@ -988,7 +996,7 @@
           <a:p>
             <a:fld id="{0D9B93E0-5830-411C-ACD8-46C3646308D9}" type="datetimeFigureOut">
               <a:rPr lang="es-AR" smtClean="0"/>
-              <a:t>11/5/2020</a:t>
+              <a:t>28/8/2020</a:t>
             </a:fld>
             <a:endParaRPr lang="es-AR"/>
           </a:p>
@@ -1457,7 +1465,7 @@
           <a:p>
             <a:fld id="{0D9B93E0-5830-411C-ACD8-46C3646308D9}" type="datetimeFigureOut">
               <a:rPr lang="es-AR" smtClean="0"/>
-              <a:t>11/5/2020</a:t>
+              <a:t>28/8/2020</a:t>
             </a:fld>
             <a:endParaRPr lang="es-AR"/>
           </a:p>
@@ -1637,7 +1645,7 @@
           <a:p>
             <a:fld id="{0D9B93E0-5830-411C-ACD8-46C3646308D9}" type="datetimeFigureOut">
               <a:rPr lang="es-AR" smtClean="0"/>
-              <a:t>11/5/2020</a:t>
+              <a:t>28/8/2020</a:t>
             </a:fld>
             <a:endParaRPr lang="es-AR"/>
           </a:p>
@@ -2213,7 +2221,7 @@
           <a:p>
             <a:fld id="{0D9B93E0-5830-411C-ACD8-46C3646308D9}" type="datetimeFigureOut">
               <a:rPr lang="es-AR" smtClean="0"/>
-              <a:t>11/5/2020</a:t>
+              <a:t>28/8/2020</a:t>
             </a:fld>
             <a:endParaRPr lang="es-AR"/>
           </a:p>
@@ -2545,7 +2553,7 @@
           <a:p>
             <a:fld id="{0D9B93E0-5830-411C-ACD8-46C3646308D9}" type="datetimeFigureOut">
               <a:rPr lang="es-AR" smtClean="0"/>
-              <a:t>11/5/2020</a:t>
+              <a:t>28/8/2020</a:t>
             </a:fld>
             <a:endParaRPr lang="es-AR"/>
           </a:p>
@@ -2720,7 +2728,7 @@
           <a:p>
             <a:fld id="{0D9B93E0-5830-411C-ACD8-46C3646308D9}" type="datetimeFigureOut">
               <a:rPr lang="es-AR" smtClean="0"/>
-              <a:t>11/5/2020</a:t>
+              <a:t>28/8/2020</a:t>
             </a:fld>
             <a:endParaRPr lang="es-AR"/>
           </a:p>
@@ -2900,7 +2908,7 @@
           <a:p>
             <a:fld id="{0D9B93E0-5830-411C-ACD8-46C3646308D9}" type="datetimeFigureOut">
               <a:rPr lang="es-AR" smtClean="0"/>
-              <a:t>11/5/2020</a:t>
+              <a:t>28/8/2020</a:t>
             </a:fld>
             <a:endParaRPr lang="es-AR"/>
           </a:p>
@@ -3070,7 +3078,7 @@
           <a:p>
             <a:fld id="{0D9B93E0-5830-411C-ACD8-46C3646308D9}" type="datetimeFigureOut">
               <a:rPr lang="es-AR" smtClean="0"/>
-              <a:t>11/5/2020</a:t>
+              <a:t>28/8/2020</a:t>
             </a:fld>
             <a:endParaRPr lang="es-AR"/>
           </a:p>
@@ -3327,7 +3335,7 @@
           <a:p>
             <a:fld id="{0D9B93E0-5830-411C-ACD8-46C3646308D9}" type="datetimeFigureOut">
               <a:rPr lang="es-AR" smtClean="0"/>
-              <a:t>11/5/2020</a:t>
+              <a:t>28/8/2020</a:t>
             </a:fld>
             <a:endParaRPr lang="es-AR"/>
           </a:p>
@@ -3619,7 +3627,7 @@
           <a:p>
             <a:fld id="{0D9B93E0-5830-411C-ACD8-46C3646308D9}" type="datetimeFigureOut">
               <a:rPr lang="es-AR" smtClean="0"/>
-              <a:t>11/5/2020</a:t>
+              <a:t>28/8/2020</a:t>
             </a:fld>
             <a:endParaRPr lang="es-AR"/>
           </a:p>
@@ -4049,7 +4057,7 @@
           <a:p>
             <a:fld id="{0D9B93E0-5830-411C-ACD8-46C3646308D9}" type="datetimeFigureOut">
               <a:rPr lang="es-AR" smtClean="0"/>
-              <a:t>11/5/2020</a:t>
+              <a:t>28/8/2020</a:t>
             </a:fld>
             <a:endParaRPr lang="es-AR"/>
           </a:p>
@@ -4167,7 +4175,7 @@
           <a:p>
             <a:fld id="{0D9B93E0-5830-411C-ACD8-46C3646308D9}" type="datetimeFigureOut">
               <a:rPr lang="es-AR" smtClean="0"/>
-              <a:t>11/5/2020</a:t>
+              <a:t>28/8/2020</a:t>
             </a:fld>
             <a:endParaRPr lang="es-AR"/>
           </a:p>
@@ -4262,7 +4270,7 @@
           <a:p>
             <a:fld id="{0D9B93E0-5830-411C-ACD8-46C3646308D9}" type="datetimeFigureOut">
               <a:rPr lang="es-AR" smtClean="0"/>
-              <a:t>11/5/2020</a:t>
+              <a:t>28/8/2020</a:t>
             </a:fld>
             <a:endParaRPr lang="es-AR"/>
           </a:p>
@@ -4545,7 +4553,7 @@
           <a:p>
             <a:fld id="{0D9B93E0-5830-411C-ACD8-46C3646308D9}" type="datetimeFigureOut">
               <a:rPr lang="es-AR" smtClean="0"/>
-              <a:t>11/5/2020</a:t>
+              <a:t>28/8/2020</a:t>
             </a:fld>
             <a:endParaRPr lang="es-AR"/>
           </a:p>
@@ -4836,7 +4844,7 @@
           <a:p>
             <a:fld id="{0D9B93E0-5830-411C-ACD8-46C3646308D9}" type="datetimeFigureOut">
               <a:rPr lang="es-AR" smtClean="0"/>
-              <a:t>11/5/2020</a:t>
+              <a:t>28/8/2020</a:t>
             </a:fld>
             <a:endParaRPr lang="es-AR"/>
           </a:p>
@@ -5067,7 +5075,7 @@
           <a:p>
             <a:fld id="{0D9B93E0-5830-411C-ACD8-46C3646308D9}" type="datetimeFigureOut">
               <a:rPr lang="es-AR" smtClean="0"/>
-              <a:t>11/5/2020</a:t>
+              <a:t>28/8/2020</a:t>
             </a:fld>
             <a:endParaRPr lang="es-AR"/>
           </a:p>
@@ -5836,6 +5844,71 @@
           <a:chExt cx="0" cy="0"/>
         </a:xfrm>
       </p:grpSpPr>
+      <p:sp>
+        <p:nvSpPr>
+          <p:cNvPr id="116" name="CuadroTexto 115">
+            <a:extLst>
+              <a:ext uri="{FF2B5EF4-FFF2-40B4-BE49-F238E27FC236}">
+                <a16:creationId xmlns:a16="http://schemas.microsoft.com/office/drawing/2014/main" id="{94B3AF33-A62A-4943-9794-C58DA8ED8D1C}"/>
+              </a:ext>
+            </a:extLst>
+          </p:cNvPr>
+          <p:cNvSpPr txBox="1"/>
+          <p:nvPr/>
+        </p:nvSpPr>
+        <p:spPr>
+          <a:xfrm>
+            <a:off x="3211256" y="2767280"/>
+            <a:ext cx="6014788" cy="1323439"/>
+          </a:xfrm>
+          <a:prstGeom prst="rect">
+            <a:avLst/>
+          </a:prstGeom>
+          <a:noFill/>
+        </p:spPr>
+        <p:txBody>
+          <a:bodyPr wrap="none" rtlCol="0">
+            <a:spAutoFit/>
+          </a:bodyPr>
+          <a:lstStyle/>
+          <a:p>
+            <a:r>
+              <a:rPr lang="es-AR" sz="8000" dirty="0"/>
+              <a:t>SecDevOps</a:t>
+            </a:r>
+          </a:p>
+        </p:txBody>
+      </p:sp>
+    </p:spTree>
+    <p:extLst>
+      <p:ext uri="{BB962C8B-B14F-4D97-AF65-F5344CB8AC3E}">
+        <p14:creationId xmlns:p14="http://schemas.microsoft.com/office/powerpoint/2010/main" val="3366629716"/>
+      </p:ext>
+    </p:extLst>
+  </p:cSld>
+  <p:clrMapOvr>
+    <a:masterClrMapping/>
+  </p:clrMapOvr>
+</p:sld>
+</file>
+
+<file path=ppt/slides/slide2.xml><?xml version="1.0" encoding="utf-8"?>
+<p:sld xmlns:a="http://schemas.openxmlformats.org/drawingml/2006/main" xmlns:r="http://schemas.openxmlformats.org/officeDocument/2006/relationships" xmlns:p="http://schemas.openxmlformats.org/presentationml/2006/main">
+  <p:cSld>
+    <p:spTree>
+      <p:nvGrpSpPr>
+        <p:cNvPr id="1" name=""/>
+        <p:cNvGrpSpPr/>
+        <p:nvPr/>
+      </p:nvGrpSpPr>
+      <p:grpSpPr>
+        <a:xfrm>
+          <a:off x="0" y="0"/>
+          <a:ext cx="0" cy="0"/>
+          <a:chOff x="0" y="0"/>
+          <a:chExt cx="0" cy="0"/>
+        </a:xfrm>
+      </p:grpSpPr>
       <p:pic>
         <p:nvPicPr>
           <p:cNvPr id="1056" name="Picture 32">
@@ -5907,121 +5980,100 @@
           </a:extLst>
         </p:spPr>
       </p:pic>
-      <p:grpSp>
-        <p:nvGrpSpPr>
-          <p:cNvPr id="59" name="Grupo 58">
+      <p:pic>
+        <p:nvPicPr>
+          <p:cNvPr id="121" name="Picture 51" descr="Data Server Icon of Isometric style - Available in SVG, PNG, EPS ...">
             <a:extLst>
               <a:ext uri="{FF2B5EF4-FFF2-40B4-BE49-F238E27FC236}">
-                <a16:creationId xmlns:a16="http://schemas.microsoft.com/office/drawing/2014/main" id="{279B0C2F-B960-4102-91CE-4C3983EA5D73}"/>
+                <a16:creationId xmlns:a16="http://schemas.microsoft.com/office/drawing/2014/main" id="{7A26F1C5-AFC6-4E90-9DBC-C9B2C27A66B8}"/>
               </a:ext>
             </a:extLst>
           </p:cNvPr>
-          <p:cNvGrpSpPr/>
+          <p:cNvPicPr>
+            <a:picLocks noChangeAspect="1" noChangeArrowheads="1"/>
+          </p:cNvPicPr>
           <p:nvPr/>
-        </p:nvGrpSpPr>
-        <p:grpSpPr>
+        </p:nvPicPr>
+        <p:blipFill>
+          <a:blip r:embed="rId3">
+            <a:extLst>
+              <a:ext uri="{28A0092B-C50C-407E-A947-70E740481C1C}">
+                <a14:useLocalDpi xmlns:a14="http://schemas.microsoft.com/office/drawing/2010/main" val="0"/>
+              </a:ext>
+            </a:extLst>
+          </a:blip>
+          <a:srcRect/>
+          <a:stretch>
+            <a:fillRect/>
+          </a:stretch>
+        </p:blipFill>
+        <p:spPr bwMode="auto">
           <a:xfrm>
             <a:off x="7574574" y="4936801"/>
             <a:ext cx="1906002" cy="1906002"/>
-            <a:chOff x="1473963" y="-12369"/>
-            <a:chExt cx="1906002" cy="1906002"/>
           </a:xfrm>
-        </p:grpSpPr>
-        <p:pic>
-          <p:nvPicPr>
-            <p:cNvPr id="121" name="Picture 51" descr="Data Server Icon of Isometric style - Available in SVG, PNG, EPS ...">
-              <a:extLst>
-                <a:ext uri="{FF2B5EF4-FFF2-40B4-BE49-F238E27FC236}">
-                  <a16:creationId xmlns:a16="http://schemas.microsoft.com/office/drawing/2014/main" id="{7A26F1C5-AFC6-4E90-9DBC-C9B2C27A66B8}"/>
-                </a:ext>
-              </a:extLst>
-            </p:cNvPr>
-            <p:cNvPicPr>
-              <a:picLocks noChangeAspect="1" noChangeArrowheads="1"/>
-            </p:cNvPicPr>
-            <p:nvPr/>
-          </p:nvPicPr>
-          <p:blipFill>
-            <a:blip r:embed="rId3">
-              <a:extLst>
-                <a:ext uri="{28A0092B-C50C-407E-A947-70E740481C1C}">
-                  <a14:useLocalDpi xmlns:a14="http://schemas.microsoft.com/office/drawing/2010/main" val="0"/>
-                </a:ext>
-              </a:extLst>
-            </a:blip>
-            <a:srcRect/>
-            <a:stretch>
-              <a:fillRect/>
-            </a:stretch>
-          </p:blipFill>
-          <p:spPr bwMode="auto">
-            <a:xfrm>
-              <a:off x="1473963" y="-12369"/>
-              <a:ext cx="1906002" cy="1906002"/>
-            </a:xfrm>
-            <a:prstGeom prst="rect">
-              <a:avLst/>
-            </a:prstGeom>
-            <a:noFill/>
-            <a:extLst>
-              <a:ext uri="{909E8E84-426E-40DD-AFC4-6F175D3DCCD1}">
-                <a14:hiddenFill xmlns:a14="http://schemas.microsoft.com/office/drawing/2010/main">
-                  <a:solidFill>
-                    <a:srgbClr val="FFFFFF"/>
-                  </a:solidFill>
-                </a14:hiddenFill>
-              </a:ext>
-            </a:extLst>
-          </p:spPr>
-        </p:pic>
-        <p:pic>
-          <p:nvPicPr>
-            <p:cNvPr id="1077" name="Picture 53" descr="Interface, layout, page, ui, web, website icon">
-              <a:extLst>
-                <a:ext uri="{FF2B5EF4-FFF2-40B4-BE49-F238E27FC236}">
-                  <a16:creationId xmlns:a16="http://schemas.microsoft.com/office/drawing/2014/main" id="{CFAA500B-6C18-45D8-A7D4-898DE591A530}"/>
-                </a:ext>
-              </a:extLst>
-            </p:cNvPr>
-            <p:cNvPicPr>
-              <a:picLocks noChangeAspect="1" noChangeArrowheads="1"/>
-            </p:cNvPicPr>
-            <p:nvPr/>
-          </p:nvPicPr>
-          <p:blipFill>
-            <a:blip r:embed="rId4">
-              <a:extLst>
-                <a:ext uri="{28A0092B-C50C-407E-A947-70E740481C1C}">
-                  <a14:useLocalDpi xmlns:a14="http://schemas.microsoft.com/office/drawing/2010/main" val="0"/>
-                </a:ext>
-              </a:extLst>
-            </a:blip>
-            <a:srcRect/>
-            <a:stretch>
-              <a:fillRect/>
-            </a:stretch>
-          </p:blipFill>
-          <p:spPr bwMode="auto">
-            <a:xfrm>
-              <a:off x="2098521" y="627513"/>
-              <a:ext cx="893852" cy="893852"/>
-            </a:xfrm>
-            <a:prstGeom prst="rect">
-              <a:avLst/>
-            </a:prstGeom>
-            <a:noFill/>
-            <a:extLst>
-              <a:ext uri="{909E8E84-426E-40DD-AFC4-6F175D3DCCD1}">
-                <a14:hiddenFill xmlns:a14="http://schemas.microsoft.com/office/drawing/2010/main">
-                  <a:solidFill>
-                    <a:srgbClr val="FFFFFF"/>
-                  </a:solidFill>
-                </a14:hiddenFill>
-              </a:ext>
-            </a:extLst>
-          </p:spPr>
-        </p:pic>
-      </p:grpSp>
+          <a:prstGeom prst="rect">
+            <a:avLst/>
+          </a:prstGeom>
+          <a:noFill/>
+          <a:extLst>
+            <a:ext uri="{909E8E84-426E-40DD-AFC4-6F175D3DCCD1}">
+              <a14:hiddenFill xmlns:a14="http://schemas.microsoft.com/office/drawing/2010/main">
+                <a:solidFill>
+                  <a:srgbClr val="FFFFFF"/>
+                </a:solidFill>
+              </a14:hiddenFill>
+            </a:ext>
+          </a:extLst>
+        </p:spPr>
+      </p:pic>
+      <p:pic>
+        <p:nvPicPr>
+          <p:cNvPr id="1077" name="Picture 53" descr="Interface, layout, page, ui, web, website icon">
+            <a:extLst>
+              <a:ext uri="{FF2B5EF4-FFF2-40B4-BE49-F238E27FC236}">
+                <a16:creationId xmlns:a16="http://schemas.microsoft.com/office/drawing/2014/main" id="{CFAA500B-6C18-45D8-A7D4-898DE591A530}"/>
+              </a:ext>
+            </a:extLst>
+          </p:cNvPr>
+          <p:cNvPicPr>
+            <a:picLocks noChangeAspect="1" noChangeArrowheads="1"/>
+          </p:cNvPicPr>
+          <p:nvPr/>
+        </p:nvPicPr>
+        <p:blipFill>
+          <a:blip r:embed="rId4">
+            <a:extLst>
+              <a:ext uri="{28A0092B-C50C-407E-A947-70E740481C1C}">
+                <a14:useLocalDpi xmlns:a14="http://schemas.microsoft.com/office/drawing/2010/main" val="0"/>
+              </a:ext>
+            </a:extLst>
+          </a:blip>
+          <a:srcRect/>
+          <a:stretch>
+            <a:fillRect/>
+          </a:stretch>
+        </p:blipFill>
+        <p:spPr bwMode="auto">
+          <a:xfrm>
+            <a:off x="8199132" y="5576683"/>
+            <a:ext cx="893852" cy="893852"/>
+          </a:xfrm>
+          <a:prstGeom prst="rect">
+            <a:avLst/>
+          </a:prstGeom>
+          <a:noFill/>
+          <a:extLst>
+            <a:ext uri="{909E8E84-426E-40DD-AFC4-6F175D3DCCD1}">
+              <a14:hiddenFill xmlns:a14="http://schemas.microsoft.com/office/drawing/2010/main">
+                <a:solidFill>
+                  <a:srgbClr val="FFFFFF"/>
+                </a:solidFill>
+              </a14:hiddenFill>
+            </a:ext>
+          </a:extLst>
+        </p:spPr>
+      </p:pic>
       <p:cxnSp>
         <p:nvCxnSpPr>
           <p:cNvPr id="38" name="Conector recto 37">
@@ -7891,119 +7943,98 @@
           </p:spPr>
         </p:pic>
       </p:grpSp>
-      <p:grpSp>
-        <p:nvGrpSpPr>
-          <p:cNvPr id="55" name="Grupo 54">
+      <p:pic>
+        <p:nvPicPr>
+          <p:cNvPr id="1069" name="Picture 45" descr="Redmine Logo - LogoDix">
             <a:extLst>
               <a:ext uri="{FF2B5EF4-FFF2-40B4-BE49-F238E27FC236}">
-                <a16:creationId xmlns:a16="http://schemas.microsoft.com/office/drawing/2014/main" id="{FE488E49-390A-4A3F-BA1C-13E7F26186DA}"/>
+                <a16:creationId xmlns:a16="http://schemas.microsoft.com/office/drawing/2014/main" id="{1F66D71B-161D-4089-8EEE-C7498A919A43}"/>
               </a:ext>
             </a:extLst>
           </p:cNvPr>
-          <p:cNvGrpSpPr/>
+          <p:cNvPicPr>
+            <a:picLocks noChangeAspect="1" noChangeArrowheads="1"/>
+          </p:cNvPicPr>
           <p:nvPr/>
-        </p:nvGrpSpPr>
-        <p:grpSpPr>
+        </p:nvPicPr>
+        <p:blipFill>
+          <a:blip r:embed="rId23">
+            <a:extLst>
+              <a:ext uri="{28A0092B-C50C-407E-A947-70E740481C1C}">
+                <a14:useLocalDpi xmlns:a14="http://schemas.microsoft.com/office/drawing/2010/main" val="0"/>
+              </a:ext>
+            </a:extLst>
+          </a:blip>
+          <a:srcRect/>
+          <a:stretch>
+            <a:fillRect/>
+          </a:stretch>
+        </p:blipFill>
+        <p:spPr bwMode="auto">
           <a:xfrm>
             <a:off x="-164549" y="3162118"/>
             <a:ext cx="1903106" cy="1268737"/>
-            <a:chOff x="-142970" y="4515542"/>
-            <a:chExt cx="1903106" cy="1268737"/>
           </a:xfrm>
-        </p:grpSpPr>
-        <p:pic>
-          <p:nvPicPr>
-            <p:cNvPr id="1069" name="Picture 45" descr="Redmine Logo - LogoDix">
-              <a:extLst>
-                <a:ext uri="{FF2B5EF4-FFF2-40B4-BE49-F238E27FC236}">
-                  <a16:creationId xmlns:a16="http://schemas.microsoft.com/office/drawing/2014/main" id="{1F66D71B-161D-4089-8EEE-C7498A919A43}"/>
-                </a:ext>
-              </a:extLst>
-            </p:cNvPr>
-            <p:cNvPicPr>
-              <a:picLocks noChangeAspect="1" noChangeArrowheads="1"/>
-            </p:cNvPicPr>
-            <p:nvPr/>
-          </p:nvPicPr>
-          <p:blipFill>
-            <a:blip r:embed="rId23">
-              <a:extLst>
-                <a:ext uri="{28A0092B-C50C-407E-A947-70E740481C1C}">
-                  <a14:useLocalDpi xmlns:a14="http://schemas.microsoft.com/office/drawing/2010/main" val="0"/>
-                </a:ext>
-              </a:extLst>
-            </a:blip>
-            <a:srcRect/>
-            <a:stretch>
-              <a:fillRect/>
-            </a:stretch>
-          </p:blipFill>
-          <p:spPr bwMode="auto">
-            <a:xfrm>
-              <a:off x="-142970" y="4515542"/>
-              <a:ext cx="1903106" cy="1268737"/>
-            </a:xfrm>
-            <a:prstGeom prst="rect">
-              <a:avLst/>
-            </a:prstGeom>
-            <a:noFill/>
-            <a:extLst>
-              <a:ext uri="{909E8E84-426E-40DD-AFC4-6F175D3DCCD1}">
-                <a14:hiddenFill xmlns:a14="http://schemas.microsoft.com/office/drawing/2010/main">
-                  <a:solidFill>
-                    <a:srgbClr val="FFFFFF"/>
-                  </a:solidFill>
-                </a14:hiddenFill>
-              </a:ext>
-            </a:extLst>
-          </p:spPr>
-        </p:pic>
-        <p:pic>
-          <p:nvPicPr>
-            <p:cNvPr id="107" name="Picture 49" descr="Jira Software – Logos Download">
-              <a:extLst>
-                <a:ext uri="{FF2B5EF4-FFF2-40B4-BE49-F238E27FC236}">
-                  <a16:creationId xmlns:a16="http://schemas.microsoft.com/office/drawing/2014/main" id="{ECFFCC39-AA92-4A7A-80C7-E546E7A3058A}"/>
-                </a:ext>
-              </a:extLst>
-            </p:cNvPr>
-            <p:cNvPicPr>
-              <a:picLocks noChangeAspect="1" noChangeArrowheads="1"/>
-            </p:cNvPicPr>
-            <p:nvPr/>
-          </p:nvPicPr>
-          <p:blipFill rotWithShape="1">
-            <a:blip r:embed="rId24">
-              <a:extLst>
-                <a:ext uri="{28A0092B-C50C-407E-A947-70E740481C1C}">
-                  <a14:useLocalDpi xmlns:a14="http://schemas.microsoft.com/office/drawing/2010/main" val="0"/>
-                </a:ext>
-              </a:extLst>
-            </a:blip>
-            <a:srcRect r="69109"/>
-            <a:stretch/>
-          </p:blipFill>
-          <p:spPr bwMode="auto">
-            <a:xfrm>
-              <a:off x="854308" y="4969340"/>
-              <a:ext cx="634220" cy="796910"/>
-            </a:xfrm>
-            <a:prstGeom prst="rect">
-              <a:avLst/>
-            </a:prstGeom>
-            <a:noFill/>
-            <a:extLst>
-              <a:ext uri="{909E8E84-426E-40DD-AFC4-6F175D3DCCD1}">
-                <a14:hiddenFill xmlns:a14="http://schemas.microsoft.com/office/drawing/2010/main">
-                  <a:solidFill>
-                    <a:srgbClr val="FFFFFF"/>
-                  </a:solidFill>
-                </a14:hiddenFill>
-              </a:ext>
-            </a:extLst>
-          </p:spPr>
-        </p:pic>
-      </p:grpSp>
+          <a:prstGeom prst="rect">
+            <a:avLst/>
+          </a:prstGeom>
+          <a:noFill/>
+          <a:extLst>
+            <a:ext uri="{909E8E84-426E-40DD-AFC4-6F175D3DCCD1}">
+              <a14:hiddenFill xmlns:a14="http://schemas.microsoft.com/office/drawing/2010/main">
+                <a:solidFill>
+                  <a:srgbClr val="FFFFFF"/>
+                </a:solidFill>
+              </a14:hiddenFill>
+            </a:ext>
+          </a:extLst>
+        </p:spPr>
+      </p:pic>
+      <p:pic>
+        <p:nvPicPr>
+          <p:cNvPr id="107" name="Picture 49" descr="Jira Software – Logos Download">
+            <a:extLst>
+              <a:ext uri="{FF2B5EF4-FFF2-40B4-BE49-F238E27FC236}">
+                <a16:creationId xmlns:a16="http://schemas.microsoft.com/office/drawing/2014/main" id="{ECFFCC39-AA92-4A7A-80C7-E546E7A3058A}"/>
+              </a:ext>
+            </a:extLst>
+          </p:cNvPr>
+          <p:cNvPicPr>
+            <a:picLocks noChangeAspect="1" noChangeArrowheads="1"/>
+          </p:cNvPicPr>
+          <p:nvPr/>
+        </p:nvPicPr>
+        <p:blipFill rotWithShape="1">
+          <a:blip r:embed="rId24">
+            <a:extLst>
+              <a:ext uri="{28A0092B-C50C-407E-A947-70E740481C1C}">
+                <a14:useLocalDpi xmlns:a14="http://schemas.microsoft.com/office/drawing/2010/main" val="0"/>
+              </a:ext>
+            </a:extLst>
+          </a:blip>
+          <a:srcRect r="69109"/>
+          <a:stretch/>
+        </p:blipFill>
+        <p:spPr bwMode="auto">
+          <a:xfrm>
+            <a:off x="832729" y="3615916"/>
+            <a:ext cx="634220" cy="796910"/>
+          </a:xfrm>
+          <a:prstGeom prst="rect">
+            <a:avLst/>
+          </a:prstGeom>
+          <a:noFill/>
+          <a:extLst>
+            <a:ext uri="{909E8E84-426E-40DD-AFC4-6F175D3DCCD1}">
+              <a14:hiddenFill xmlns:a14="http://schemas.microsoft.com/office/drawing/2010/main">
+                <a:solidFill>
+                  <a:srgbClr val="FFFFFF"/>
+                </a:solidFill>
+              </a14:hiddenFill>
+            </a:ext>
+          </a:extLst>
+        </p:spPr>
+      </p:pic>
       <p:sp>
         <p:nvSpPr>
           <p:cNvPr id="108" name="CuadroTexto 107">
@@ -8387,6 +8418,5750 @@
     <p:extLst>
       <p:ext uri="{BB962C8B-B14F-4D97-AF65-F5344CB8AC3E}">
         <p14:creationId xmlns:p14="http://schemas.microsoft.com/office/powerpoint/2010/main" val="1742962954"/>
+      </p:ext>
+    </p:extLst>
+  </p:cSld>
+  <p:clrMapOvr>
+    <a:masterClrMapping/>
+  </p:clrMapOvr>
+</p:sld>
+</file>
+
+<file path=ppt/slides/slide3.xml><?xml version="1.0" encoding="utf-8"?>
+<p:sld xmlns:a="http://schemas.openxmlformats.org/drawingml/2006/main" xmlns:r="http://schemas.openxmlformats.org/officeDocument/2006/relationships" xmlns:p="http://schemas.openxmlformats.org/presentationml/2006/main">
+  <p:cSld>
+    <p:spTree>
+      <p:nvGrpSpPr>
+        <p:cNvPr id="1" name=""/>
+        <p:cNvGrpSpPr/>
+        <p:nvPr/>
+      </p:nvGrpSpPr>
+      <p:grpSpPr>
+        <a:xfrm>
+          <a:off x="0" y="0"/>
+          <a:ext cx="0" cy="0"/>
+          <a:chOff x="0" y="0"/>
+          <a:chExt cx="0" cy="0"/>
+        </a:xfrm>
+      </p:grpSpPr>
+      <p:grpSp>
+        <p:nvGrpSpPr>
+          <p:cNvPr id="16" name="Grupo 15">
+            <a:extLst>
+              <a:ext uri="{FF2B5EF4-FFF2-40B4-BE49-F238E27FC236}">
+                <a16:creationId xmlns:a16="http://schemas.microsoft.com/office/drawing/2014/main" id="{57369D0D-A6E8-4889-923C-ABF09BDAC3F4}"/>
+              </a:ext>
+            </a:extLst>
+          </p:cNvPr>
+          <p:cNvGrpSpPr/>
+          <p:nvPr/>
+        </p:nvGrpSpPr>
+        <p:grpSpPr>
+          <a:xfrm>
+            <a:off x="5191812" y="836723"/>
+            <a:ext cx="1340652" cy="1340652"/>
+            <a:chOff x="4902241" y="2303696"/>
+            <a:chExt cx="1340652" cy="1340652"/>
+          </a:xfrm>
+        </p:grpSpPr>
+        <p:pic>
+          <p:nvPicPr>
+            <p:cNvPr id="5" name="Picture 51" descr="Data Server Icon of Isometric style - Available in SVG, PNG, EPS ...">
+              <a:extLst>
+                <a:ext uri="{FF2B5EF4-FFF2-40B4-BE49-F238E27FC236}">
+                  <a16:creationId xmlns:a16="http://schemas.microsoft.com/office/drawing/2014/main" id="{C3A14E3B-958D-49CE-86CA-3BFF7E93A661}"/>
+                </a:ext>
+              </a:extLst>
+            </p:cNvPr>
+            <p:cNvPicPr>
+              <a:picLocks noChangeAspect="1" noChangeArrowheads="1"/>
+            </p:cNvPicPr>
+            <p:nvPr/>
+          </p:nvPicPr>
+          <p:blipFill>
+            <a:blip r:embed="rId2">
+              <a:extLst>
+                <a:ext uri="{28A0092B-C50C-407E-A947-70E740481C1C}">
+                  <a14:useLocalDpi xmlns:a14="http://schemas.microsoft.com/office/drawing/2010/main" val="0"/>
+                </a:ext>
+              </a:extLst>
+            </a:blip>
+            <a:srcRect/>
+            <a:stretch>
+              <a:fillRect/>
+            </a:stretch>
+          </p:blipFill>
+          <p:spPr bwMode="auto">
+            <a:xfrm>
+              <a:off x="4902241" y="2303696"/>
+              <a:ext cx="1340652" cy="1340652"/>
+            </a:xfrm>
+            <a:prstGeom prst="rect">
+              <a:avLst/>
+            </a:prstGeom>
+            <a:noFill/>
+            <a:extLst>
+              <a:ext uri="{909E8E84-426E-40DD-AFC4-6F175D3DCCD1}">
+                <a14:hiddenFill xmlns:a14="http://schemas.microsoft.com/office/drawing/2010/main">
+                  <a:solidFill>
+                    <a:srgbClr val="FFFFFF"/>
+                  </a:solidFill>
+                </a14:hiddenFill>
+              </a:ext>
+            </a:extLst>
+          </p:spPr>
+        </p:pic>
+        <p:pic>
+          <p:nvPicPr>
+            <p:cNvPr id="7" name="Picture 15">
+              <a:extLst>
+                <a:ext uri="{FF2B5EF4-FFF2-40B4-BE49-F238E27FC236}">
+                  <a16:creationId xmlns:a16="http://schemas.microsoft.com/office/drawing/2014/main" id="{9A0E11CE-1E73-43AF-9000-905480AB402C}"/>
+                </a:ext>
+              </a:extLst>
+            </p:cNvPr>
+            <p:cNvPicPr>
+              <a:picLocks noChangeAspect="1" noChangeArrowheads="1"/>
+            </p:cNvPicPr>
+            <p:nvPr/>
+          </p:nvPicPr>
+          <p:blipFill>
+            <a:blip r:embed="rId3">
+              <a:extLst>
+                <a:ext uri="{28A0092B-C50C-407E-A947-70E740481C1C}">
+                  <a14:useLocalDpi xmlns:a14="http://schemas.microsoft.com/office/drawing/2010/main" val="0"/>
+                </a:ext>
+              </a:extLst>
+            </a:blip>
+            <a:srcRect/>
+            <a:stretch>
+              <a:fillRect/>
+            </a:stretch>
+          </p:blipFill>
+          <p:spPr bwMode="auto">
+            <a:xfrm>
+              <a:off x="5097664" y="2561707"/>
+              <a:ext cx="1145229" cy="824630"/>
+            </a:xfrm>
+            <a:prstGeom prst="rect">
+              <a:avLst/>
+            </a:prstGeom>
+            <a:noFill/>
+            <a:ln>
+              <a:noFill/>
+            </a:ln>
+            <a:effectLst/>
+            <a:extLst>
+              <a:ext uri="{909E8E84-426E-40DD-AFC4-6F175D3DCCD1}">
+                <a14:hiddenFill xmlns:a14="http://schemas.microsoft.com/office/drawing/2010/main">
+                  <a:solidFill>
+                    <a:srgbClr val="5B9BD5"/>
+                  </a:solidFill>
+                </a14:hiddenFill>
+              </a:ext>
+              <a:ext uri="{91240B29-F687-4F45-9708-019B960494DF}">
+                <a14:hiddenLine xmlns:a14="http://schemas.microsoft.com/office/drawing/2010/main" w="25400" algn="ctr">
+                  <a:solidFill>
+                    <a:srgbClr val="000000"/>
+                  </a:solidFill>
+                  <a:miter lim="800000"/>
+                  <a:headEnd/>
+                  <a:tailEnd/>
+                </a14:hiddenLine>
+              </a:ext>
+              <a:ext uri="{AF507438-7753-43E0-B8FC-AC1667EBCBE1}">
+                <a14:hiddenEffects xmlns:a14="http://schemas.microsoft.com/office/drawing/2010/main">
+                  <a:effectLst>
+                    <a:outerShdw dist="35921" dir="2700000" algn="ctr" rotWithShape="0">
+                      <a:srgbClr val="000000"/>
+                    </a:outerShdw>
+                  </a:effectLst>
+                </a14:hiddenEffects>
+              </a:ext>
+            </a:extLst>
+          </p:spPr>
+        </p:pic>
+      </p:grpSp>
+      <p:grpSp>
+        <p:nvGrpSpPr>
+          <p:cNvPr id="21" name="Grupo 20">
+            <a:extLst>
+              <a:ext uri="{FF2B5EF4-FFF2-40B4-BE49-F238E27FC236}">
+                <a16:creationId xmlns:a16="http://schemas.microsoft.com/office/drawing/2014/main" id="{7ECB1576-2FFB-4EFC-8190-393AE2AD7F6E}"/>
+              </a:ext>
+            </a:extLst>
+          </p:cNvPr>
+          <p:cNvGrpSpPr/>
+          <p:nvPr/>
+        </p:nvGrpSpPr>
+        <p:grpSpPr>
+          <a:xfrm>
+            <a:off x="6302286" y="4020720"/>
+            <a:ext cx="1903106" cy="1340652"/>
+            <a:chOff x="1944075" y="4318027"/>
+            <a:chExt cx="1903106" cy="1340652"/>
+          </a:xfrm>
+        </p:grpSpPr>
+        <p:pic>
+          <p:nvPicPr>
+            <p:cNvPr id="18" name="Picture 51" descr="Data Server Icon of Isometric style - Available in SVG, PNG, EPS ...">
+              <a:extLst>
+                <a:ext uri="{FF2B5EF4-FFF2-40B4-BE49-F238E27FC236}">
+                  <a16:creationId xmlns:a16="http://schemas.microsoft.com/office/drawing/2014/main" id="{FF7B1B98-1978-4D90-A1D9-F9046D392637}"/>
+                </a:ext>
+              </a:extLst>
+            </p:cNvPr>
+            <p:cNvPicPr>
+              <a:picLocks noChangeAspect="1" noChangeArrowheads="1"/>
+            </p:cNvPicPr>
+            <p:nvPr/>
+          </p:nvPicPr>
+          <p:blipFill>
+            <a:blip r:embed="rId2">
+              <a:extLst>
+                <a:ext uri="{28A0092B-C50C-407E-A947-70E740481C1C}">
+                  <a14:useLocalDpi xmlns:a14="http://schemas.microsoft.com/office/drawing/2010/main" val="0"/>
+                </a:ext>
+              </a:extLst>
+            </a:blip>
+            <a:srcRect/>
+            <a:stretch>
+              <a:fillRect/>
+            </a:stretch>
+          </p:blipFill>
+          <p:spPr bwMode="auto">
+            <a:xfrm>
+              <a:off x="2225302" y="4318027"/>
+              <a:ext cx="1340652" cy="1340652"/>
+            </a:xfrm>
+            <a:prstGeom prst="rect">
+              <a:avLst/>
+            </a:prstGeom>
+            <a:noFill/>
+            <a:extLst>
+              <a:ext uri="{909E8E84-426E-40DD-AFC4-6F175D3DCCD1}">
+                <a14:hiddenFill xmlns:a14="http://schemas.microsoft.com/office/drawing/2010/main">
+                  <a:solidFill>
+                    <a:srgbClr val="FFFFFF"/>
+                  </a:solidFill>
+                </a14:hiddenFill>
+              </a:ext>
+            </a:extLst>
+          </p:spPr>
+        </p:pic>
+        <p:pic>
+          <p:nvPicPr>
+            <p:cNvPr id="20" name="Picture 45" descr="Redmine Logo - LogoDix">
+              <a:extLst>
+                <a:ext uri="{FF2B5EF4-FFF2-40B4-BE49-F238E27FC236}">
+                  <a16:creationId xmlns:a16="http://schemas.microsoft.com/office/drawing/2014/main" id="{659FA94C-1122-48AE-934E-D2A58AD5F6F6}"/>
+                </a:ext>
+              </a:extLst>
+            </p:cNvPr>
+            <p:cNvPicPr>
+              <a:picLocks noChangeAspect="1" noChangeArrowheads="1"/>
+            </p:cNvPicPr>
+            <p:nvPr/>
+          </p:nvPicPr>
+          <p:blipFill>
+            <a:blip r:embed="rId4">
+              <a:extLst>
+                <a:ext uri="{28A0092B-C50C-407E-A947-70E740481C1C}">
+                  <a14:useLocalDpi xmlns:a14="http://schemas.microsoft.com/office/drawing/2010/main" val="0"/>
+                </a:ext>
+              </a:extLst>
+            </a:blip>
+            <a:srcRect/>
+            <a:stretch>
+              <a:fillRect/>
+            </a:stretch>
+          </p:blipFill>
+          <p:spPr bwMode="auto">
+            <a:xfrm>
+              <a:off x="1944075" y="4353984"/>
+              <a:ext cx="1903106" cy="1268737"/>
+            </a:xfrm>
+            <a:prstGeom prst="rect">
+              <a:avLst/>
+            </a:prstGeom>
+            <a:noFill/>
+            <a:extLst>
+              <a:ext uri="{909E8E84-426E-40DD-AFC4-6F175D3DCCD1}">
+                <a14:hiddenFill xmlns:a14="http://schemas.microsoft.com/office/drawing/2010/main">
+                  <a:solidFill>
+                    <a:srgbClr val="FFFFFF"/>
+                  </a:solidFill>
+                </a14:hiddenFill>
+              </a:ext>
+            </a:extLst>
+          </p:spPr>
+        </p:pic>
+      </p:grpSp>
+      <p:grpSp>
+        <p:nvGrpSpPr>
+          <p:cNvPr id="26" name="Grupo 25">
+            <a:extLst>
+              <a:ext uri="{FF2B5EF4-FFF2-40B4-BE49-F238E27FC236}">
+                <a16:creationId xmlns:a16="http://schemas.microsoft.com/office/drawing/2014/main" id="{0FDA81C2-BF6B-4F39-8115-79001770F09B}"/>
+              </a:ext>
+            </a:extLst>
+          </p:cNvPr>
+          <p:cNvGrpSpPr/>
+          <p:nvPr/>
+        </p:nvGrpSpPr>
+        <p:grpSpPr>
+          <a:xfrm>
+            <a:off x="1725343" y="925629"/>
+            <a:ext cx="1340652" cy="1340652"/>
+            <a:chOff x="2470467" y="2204305"/>
+            <a:chExt cx="1340652" cy="1340652"/>
+          </a:xfrm>
+        </p:grpSpPr>
+        <p:pic>
+          <p:nvPicPr>
+            <p:cNvPr id="15" name="Picture 51" descr="Data Server Icon of Isometric style - Available in SVG, PNG, EPS ...">
+              <a:extLst>
+                <a:ext uri="{FF2B5EF4-FFF2-40B4-BE49-F238E27FC236}">
+                  <a16:creationId xmlns:a16="http://schemas.microsoft.com/office/drawing/2014/main" id="{BFDB4BC2-4CA5-4AC8-9E89-3EB4640CEBCA}"/>
+                </a:ext>
+              </a:extLst>
+            </p:cNvPr>
+            <p:cNvPicPr>
+              <a:picLocks noChangeAspect="1" noChangeArrowheads="1"/>
+            </p:cNvPicPr>
+            <p:nvPr/>
+          </p:nvPicPr>
+          <p:blipFill>
+            <a:blip r:embed="rId2">
+              <a:extLst>
+                <a:ext uri="{28A0092B-C50C-407E-A947-70E740481C1C}">
+                  <a14:useLocalDpi xmlns:a14="http://schemas.microsoft.com/office/drawing/2010/main" val="0"/>
+                </a:ext>
+              </a:extLst>
+            </a:blip>
+            <a:srcRect/>
+            <a:stretch>
+              <a:fillRect/>
+            </a:stretch>
+          </p:blipFill>
+          <p:spPr bwMode="auto">
+            <a:xfrm>
+              <a:off x="2470467" y="2204305"/>
+              <a:ext cx="1340652" cy="1340652"/>
+            </a:xfrm>
+            <a:prstGeom prst="rect">
+              <a:avLst/>
+            </a:prstGeom>
+            <a:noFill/>
+            <a:extLst>
+              <a:ext uri="{909E8E84-426E-40DD-AFC4-6F175D3DCCD1}">
+                <a14:hiddenFill xmlns:a14="http://schemas.microsoft.com/office/drawing/2010/main">
+                  <a:solidFill>
+                    <a:srgbClr val="FFFFFF"/>
+                  </a:solidFill>
+                </a14:hiddenFill>
+              </a:ext>
+            </a:extLst>
+          </p:spPr>
+        </p:pic>
+        <p:pic>
+          <p:nvPicPr>
+            <p:cNvPr id="23" name="Picture 13">
+              <a:extLst>
+                <a:ext uri="{FF2B5EF4-FFF2-40B4-BE49-F238E27FC236}">
+                  <a16:creationId xmlns:a16="http://schemas.microsoft.com/office/drawing/2014/main" id="{6BA7AD01-57F3-4E9E-BCDF-9B16AEDCF26F}"/>
+                </a:ext>
+              </a:extLst>
+            </p:cNvPr>
+            <p:cNvPicPr>
+              <a:picLocks noChangeAspect="1" noChangeArrowheads="1"/>
+            </p:cNvPicPr>
+            <p:nvPr/>
+          </p:nvPicPr>
+          <p:blipFill>
+            <a:blip r:embed="rId5">
+              <a:extLst>
+                <a:ext uri="{28A0092B-C50C-407E-A947-70E740481C1C}">
+                  <a14:useLocalDpi xmlns:a14="http://schemas.microsoft.com/office/drawing/2010/main" val="0"/>
+                </a:ext>
+              </a:extLst>
+            </a:blip>
+            <a:srcRect/>
+            <a:stretch>
+              <a:fillRect/>
+            </a:stretch>
+          </p:blipFill>
+          <p:spPr bwMode="auto">
+            <a:xfrm>
+              <a:off x="2740073" y="2583734"/>
+              <a:ext cx="799726" cy="872317"/>
+            </a:xfrm>
+            <a:prstGeom prst="rect">
+              <a:avLst/>
+            </a:prstGeom>
+            <a:noFill/>
+            <a:ln>
+              <a:noFill/>
+            </a:ln>
+            <a:effectLst/>
+            <a:extLst>
+              <a:ext uri="{909E8E84-426E-40DD-AFC4-6F175D3DCCD1}">
+                <a14:hiddenFill xmlns:a14="http://schemas.microsoft.com/office/drawing/2010/main">
+                  <a:solidFill>
+                    <a:srgbClr val="5B9BD5"/>
+                  </a:solidFill>
+                </a14:hiddenFill>
+              </a:ext>
+              <a:ext uri="{91240B29-F687-4F45-9708-019B960494DF}">
+                <a14:hiddenLine xmlns:a14="http://schemas.microsoft.com/office/drawing/2010/main" w="25400" algn="ctr">
+                  <a:solidFill>
+                    <a:srgbClr val="000000"/>
+                  </a:solidFill>
+                  <a:miter lim="800000"/>
+                  <a:headEnd/>
+                  <a:tailEnd/>
+                </a14:hiddenLine>
+              </a:ext>
+              <a:ext uri="{AF507438-7753-43E0-B8FC-AC1667EBCBE1}">
+                <a14:hiddenEffects xmlns:a14="http://schemas.microsoft.com/office/drawing/2010/main">
+                  <a:effectLst>
+                    <a:outerShdw dist="35921" dir="2700000" algn="ctr" rotWithShape="0">
+                      <a:srgbClr val="000000"/>
+                    </a:outerShdw>
+                  </a:effectLst>
+                </a14:hiddenEffects>
+              </a:ext>
+            </a:extLst>
+          </p:spPr>
+        </p:pic>
+      </p:grpSp>
+      <p:cxnSp>
+        <p:nvCxnSpPr>
+          <p:cNvPr id="27" name="Conector recto de flecha 26">
+            <a:extLst>
+              <a:ext uri="{FF2B5EF4-FFF2-40B4-BE49-F238E27FC236}">
+                <a16:creationId xmlns:a16="http://schemas.microsoft.com/office/drawing/2014/main" id="{ACF8B1FA-C788-4350-9841-3BA7B0D18897}"/>
+              </a:ext>
+            </a:extLst>
+          </p:cNvPr>
+          <p:cNvCxnSpPr>
+            <a:cxnSpLocks/>
+          </p:cNvCxnSpPr>
+          <p:nvPr/>
+        </p:nvCxnSpPr>
+        <p:spPr>
+          <a:xfrm>
+            <a:off x="3379516" y="1224358"/>
+            <a:ext cx="1649458" cy="12333"/>
+          </a:xfrm>
+          <a:prstGeom prst="straightConnector1">
+            <a:avLst/>
+          </a:prstGeom>
+          <a:ln>
+            <a:solidFill>
+              <a:schemeClr val="tx1"/>
+            </a:solidFill>
+            <a:tailEnd type="triangle"/>
+          </a:ln>
+        </p:spPr>
+        <p:style>
+          <a:lnRef idx="1">
+            <a:schemeClr val="accent1"/>
+          </a:lnRef>
+          <a:fillRef idx="0">
+            <a:schemeClr val="accent1"/>
+          </a:fillRef>
+          <a:effectRef idx="0">
+            <a:schemeClr val="accent1"/>
+          </a:effectRef>
+          <a:fontRef idx="minor">
+            <a:schemeClr val="tx1"/>
+          </a:fontRef>
+        </p:style>
+      </p:cxnSp>
+      <p:cxnSp>
+        <p:nvCxnSpPr>
+          <p:cNvPr id="28" name="Conector recto de flecha 27">
+            <a:extLst>
+              <a:ext uri="{FF2B5EF4-FFF2-40B4-BE49-F238E27FC236}">
+                <a16:creationId xmlns:a16="http://schemas.microsoft.com/office/drawing/2014/main" id="{E3D73575-35D6-428C-8946-5B1F594CCEBA}"/>
+              </a:ext>
+            </a:extLst>
+          </p:cNvPr>
+          <p:cNvCxnSpPr>
+            <a:cxnSpLocks/>
+          </p:cNvCxnSpPr>
+          <p:nvPr/>
+        </p:nvCxnSpPr>
+        <p:spPr>
+          <a:xfrm flipH="1">
+            <a:off x="3379516" y="1814961"/>
+            <a:ext cx="1649458" cy="7628"/>
+          </a:xfrm>
+          <a:prstGeom prst="straightConnector1">
+            <a:avLst/>
+          </a:prstGeom>
+          <a:ln>
+            <a:solidFill>
+              <a:schemeClr val="tx1"/>
+            </a:solidFill>
+            <a:tailEnd type="triangle"/>
+          </a:ln>
+        </p:spPr>
+        <p:style>
+          <a:lnRef idx="1">
+            <a:schemeClr val="accent1"/>
+          </a:lnRef>
+          <a:fillRef idx="0">
+            <a:schemeClr val="accent1"/>
+          </a:fillRef>
+          <a:effectRef idx="0">
+            <a:schemeClr val="accent1"/>
+          </a:effectRef>
+          <a:fontRef idx="minor">
+            <a:schemeClr val="tx1"/>
+          </a:fontRef>
+        </p:style>
+      </p:cxnSp>
+      <p:grpSp>
+        <p:nvGrpSpPr>
+          <p:cNvPr id="40" name="Grupo 39">
+            <a:extLst>
+              <a:ext uri="{FF2B5EF4-FFF2-40B4-BE49-F238E27FC236}">
+                <a16:creationId xmlns:a16="http://schemas.microsoft.com/office/drawing/2014/main" id="{E48D84E5-7639-4D1D-A3AF-55259D1D1BE6}"/>
+              </a:ext>
+            </a:extLst>
+          </p:cNvPr>
+          <p:cNvGrpSpPr/>
+          <p:nvPr/>
+        </p:nvGrpSpPr>
+        <p:grpSpPr>
+          <a:xfrm>
+            <a:off x="7999627" y="1717555"/>
+            <a:ext cx="1239335" cy="1147031"/>
+            <a:chOff x="7850946" y="4338516"/>
+            <a:chExt cx="1906002" cy="1906002"/>
+          </a:xfrm>
+        </p:grpSpPr>
+        <p:pic>
+          <p:nvPicPr>
+            <p:cNvPr id="41" name="Picture 51" descr="Data Server Icon of Isometric style - Available in SVG, PNG, EPS ...">
+              <a:extLst>
+                <a:ext uri="{FF2B5EF4-FFF2-40B4-BE49-F238E27FC236}">
+                  <a16:creationId xmlns:a16="http://schemas.microsoft.com/office/drawing/2014/main" id="{EA7DE993-2FE0-4EDA-A747-2C7D3F844CF5}"/>
+                </a:ext>
+              </a:extLst>
+            </p:cNvPr>
+            <p:cNvPicPr>
+              <a:picLocks noChangeAspect="1" noChangeArrowheads="1"/>
+            </p:cNvPicPr>
+            <p:nvPr/>
+          </p:nvPicPr>
+          <p:blipFill>
+            <a:blip r:embed="rId2">
+              <a:extLst>
+                <a:ext uri="{28A0092B-C50C-407E-A947-70E740481C1C}">
+                  <a14:useLocalDpi xmlns:a14="http://schemas.microsoft.com/office/drawing/2010/main" val="0"/>
+                </a:ext>
+              </a:extLst>
+            </a:blip>
+            <a:srcRect/>
+            <a:stretch>
+              <a:fillRect/>
+            </a:stretch>
+          </p:blipFill>
+          <p:spPr bwMode="auto">
+            <a:xfrm>
+              <a:off x="7850946" y="4338516"/>
+              <a:ext cx="1906002" cy="1906002"/>
+            </a:xfrm>
+            <a:prstGeom prst="rect">
+              <a:avLst/>
+            </a:prstGeom>
+            <a:noFill/>
+            <a:extLst>
+              <a:ext uri="{909E8E84-426E-40DD-AFC4-6F175D3DCCD1}">
+                <a14:hiddenFill xmlns:a14="http://schemas.microsoft.com/office/drawing/2010/main">
+                  <a:solidFill>
+                    <a:srgbClr val="FFFFFF"/>
+                  </a:solidFill>
+                </a14:hiddenFill>
+              </a:ext>
+            </a:extLst>
+          </p:spPr>
+        </p:pic>
+        <p:grpSp>
+          <p:nvGrpSpPr>
+            <p:cNvPr id="42" name="Grupo 41">
+              <a:extLst>
+                <a:ext uri="{FF2B5EF4-FFF2-40B4-BE49-F238E27FC236}">
+                  <a16:creationId xmlns:a16="http://schemas.microsoft.com/office/drawing/2014/main" id="{452A54CC-F14F-49CB-9424-1BF525BC5AA7}"/>
+                </a:ext>
+              </a:extLst>
+            </p:cNvPr>
+            <p:cNvGrpSpPr/>
+            <p:nvPr/>
+          </p:nvGrpSpPr>
+          <p:grpSpPr>
+            <a:xfrm>
+              <a:off x="8017415" y="4756541"/>
+              <a:ext cx="1351669" cy="1310965"/>
+              <a:chOff x="9699813" y="3155636"/>
+              <a:chExt cx="1460305" cy="1602827"/>
+            </a:xfrm>
+          </p:grpSpPr>
+          <p:pic>
+            <p:nvPicPr>
+              <p:cNvPr id="43" name="Picture 41" descr="Kubernetes - Wikipedia">
+                <a:extLst>
+                  <a:ext uri="{FF2B5EF4-FFF2-40B4-BE49-F238E27FC236}">
+                    <a16:creationId xmlns:a16="http://schemas.microsoft.com/office/drawing/2014/main" id="{21F69477-64C1-4806-B7A2-036A620C3EFD}"/>
+                  </a:ext>
+                </a:extLst>
+              </p:cNvPr>
+              <p:cNvPicPr>
+                <a:picLocks noChangeAspect="1" noChangeArrowheads="1"/>
+              </p:cNvPicPr>
+              <p:nvPr/>
+            </p:nvPicPr>
+            <p:blipFill>
+              <a:blip r:embed="rId6">
+                <a:extLst>
+                  <a:ext uri="{28A0092B-C50C-407E-A947-70E740481C1C}">
+                    <a14:useLocalDpi xmlns:a14="http://schemas.microsoft.com/office/drawing/2010/main" val="0"/>
+                  </a:ext>
+                </a:extLst>
+              </a:blip>
+              <a:srcRect/>
+              <a:stretch>
+                <a:fillRect/>
+              </a:stretch>
+            </p:blipFill>
+            <p:spPr bwMode="auto">
+              <a:xfrm>
+                <a:off x="10408264" y="3155636"/>
+                <a:ext cx="751854" cy="729891"/>
+              </a:xfrm>
+              <a:prstGeom prst="rect">
+                <a:avLst/>
+              </a:prstGeom>
+              <a:noFill/>
+              <a:extLst>
+                <a:ext uri="{909E8E84-426E-40DD-AFC4-6F175D3DCCD1}">
+                  <a14:hiddenFill xmlns:a14="http://schemas.microsoft.com/office/drawing/2010/main">
+                    <a:solidFill>
+                      <a:srgbClr val="FFFFFF"/>
+                    </a:solidFill>
+                  </a14:hiddenFill>
+                </a:ext>
+              </a:extLst>
+            </p:spPr>
+          </p:pic>
+          <p:pic>
+            <p:nvPicPr>
+              <p:cNvPr id="44" name="Picture 23">
+                <a:extLst>
+                  <a:ext uri="{FF2B5EF4-FFF2-40B4-BE49-F238E27FC236}">
+                    <a16:creationId xmlns:a16="http://schemas.microsoft.com/office/drawing/2014/main" id="{6D30D4EF-A45F-46BD-AEEE-67429481AC00}"/>
+                  </a:ext>
+                </a:extLst>
+              </p:cNvPr>
+              <p:cNvPicPr>
+                <a:picLocks noChangeAspect="1" noChangeArrowheads="1"/>
+              </p:cNvPicPr>
+              <p:nvPr/>
+            </p:nvPicPr>
+            <p:blipFill>
+              <a:blip r:embed="rId7">
+                <a:extLst>
+                  <a:ext uri="{28A0092B-C50C-407E-A947-70E740481C1C}">
+                    <a14:useLocalDpi xmlns:a14="http://schemas.microsoft.com/office/drawing/2010/main" val="0"/>
+                  </a:ext>
+                </a:extLst>
+              </a:blip>
+              <a:srcRect/>
+              <a:stretch>
+                <a:fillRect/>
+              </a:stretch>
+            </p:blipFill>
+            <p:spPr bwMode="auto">
+              <a:xfrm>
+                <a:off x="9699813" y="3826529"/>
+                <a:ext cx="1011887" cy="931934"/>
+              </a:xfrm>
+              <a:prstGeom prst="rect">
+                <a:avLst/>
+              </a:prstGeom>
+              <a:noFill/>
+              <a:ln>
+                <a:noFill/>
+              </a:ln>
+              <a:effectLst/>
+              <a:extLst>
+                <a:ext uri="{909E8E84-426E-40DD-AFC4-6F175D3DCCD1}">
+                  <a14:hiddenFill xmlns:a14="http://schemas.microsoft.com/office/drawing/2010/main">
+                    <a:solidFill>
+                      <a:srgbClr val="5B9BD5"/>
+                    </a:solidFill>
+                  </a14:hiddenFill>
+                </a:ext>
+                <a:ext uri="{91240B29-F687-4F45-9708-019B960494DF}">
+                  <a14:hiddenLine xmlns:a14="http://schemas.microsoft.com/office/drawing/2010/main" w="25400" algn="ctr">
+                    <a:solidFill>
+                      <a:srgbClr val="000000"/>
+                    </a:solidFill>
+                    <a:miter lim="800000"/>
+                    <a:headEnd/>
+                    <a:tailEnd/>
+                  </a14:hiddenLine>
+                </a:ext>
+                <a:ext uri="{AF507438-7753-43E0-B8FC-AC1667EBCBE1}">
+                  <a14:hiddenEffects xmlns:a14="http://schemas.microsoft.com/office/drawing/2010/main">
+                    <a:effectLst>
+                      <a:outerShdw dist="35921" dir="2700000" algn="ctr" rotWithShape="0">
+                        <a:srgbClr val="000000"/>
+                      </a:outerShdw>
+                    </a:effectLst>
+                  </a14:hiddenEffects>
+                </a:ext>
+              </a:extLst>
+            </p:spPr>
+          </p:pic>
+        </p:grpSp>
+      </p:grpSp>
+      <p:grpSp>
+        <p:nvGrpSpPr>
+          <p:cNvPr id="45" name="Grupo 44">
+            <a:extLst>
+              <a:ext uri="{FF2B5EF4-FFF2-40B4-BE49-F238E27FC236}">
+                <a16:creationId xmlns:a16="http://schemas.microsoft.com/office/drawing/2014/main" id="{9D65EE66-544B-4CFD-9EAF-3CB8453DB7DF}"/>
+              </a:ext>
+            </a:extLst>
+          </p:cNvPr>
+          <p:cNvGrpSpPr/>
+          <p:nvPr/>
+        </p:nvGrpSpPr>
+        <p:grpSpPr>
+          <a:xfrm>
+            <a:off x="8030083" y="516834"/>
+            <a:ext cx="1239335" cy="1211025"/>
+            <a:chOff x="10035407" y="4234213"/>
+            <a:chExt cx="1906002" cy="2012339"/>
+          </a:xfrm>
+        </p:grpSpPr>
+        <p:pic>
+          <p:nvPicPr>
+            <p:cNvPr id="46" name="Picture 51" descr="Data Server Icon of Isometric style - Available in SVG, PNG, EPS ...">
+              <a:extLst>
+                <a:ext uri="{FF2B5EF4-FFF2-40B4-BE49-F238E27FC236}">
+                  <a16:creationId xmlns:a16="http://schemas.microsoft.com/office/drawing/2014/main" id="{50A76843-1789-4E94-9CE9-055BF70E9B26}"/>
+                </a:ext>
+              </a:extLst>
+            </p:cNvPr>
+            <p:cNvPicPr>
+              <a:picLocks noChangeAspect="1" noChangeArrowheads="1"/>
+            </p:cNvPicPr>
+            <p:nvPr/>
+          </p:nvPicPr>
+          <p:blipFill>
+            <a:blip r:embed="rId2">
+              <a:extLst>
+                <a:ext uri="{28A0092B-C50C-407E-A947-70E740481C1C}">
+                  <a14:useLocalDpi xmlns:a14="http://schemas.microsoft.com/office/drawing/2010/main" val="0"/>
+                </a:ext>
+              </a:extLst>
+            </a:blip>
+            <a:srcRect/>
+            <a:stretch>
+              <a:fillRect/>
+            </a:stretch>
+          </p:blipFill>
+          <p:spPr bwMode="auto">
+            <a:xfrm>
+              <a:off x="10035407" y="4234213"/>
+              <a:ext cx="1906002" cy="1906002"/>
+            </a:xfrm>
+            <a:prstGeom prst="rect">
+              <a:avLst/>
+            </a:prstGeom>
+            <a:noFill/>
+            <a:extLst>
+              <a:ext uri="{909E8E84-426E-40DD-AFC4-6F175D3DCCD1}">
+                <a14:hiddenFill xmlns:a14="http://schemas.microsoft.com/office/drawing/2010/main">
+                  <a:solidFill>
+                    <a:srgbClr val="FFFFFF"/>
+                  </a:solidFill>
+                </a14:hiddenFill>
+              </a:ext>
+            </a:extLst>
+          </p:spPr>
+        </p:pic>
+        <p:pic>
+          <p:nvPicPr>
+            <p:cNvPr id="47" name="Picture 3">
+              <a:extLst>
+                <a:ext uri="{FF2B5EF4-FFF2-40B4-BE49-F238E27FC236}">
+                  <a16:creationId xmlns:a16="http://schemas.microsoft.com/office/drawing/2014/main" id="{A1FDF1F4-AA85-4216-8DCB-FA7ED90A315F}"/>
+                </a:ext>
+              </a:extLst>
+            </p:cNvPr>
+            <p:cNvPicPr>
+              <a:picLocks noChangeAspect="1" noChangeArrowheads="1"/>
+            </p:cNvPicPr>
+            <p:nvPr/>
+          </p:nvPicPr>
+          <p:blipFill rotWithShape="1">
+            <a:blip r:embed="rId8">
+              <a:extLst>
+                <a:ext uri="{28A0092B-C50C-407E-A947-70E740481C1C}">
+                  <a14:useLocalDpi xmlns:a14="http://schemas.microsoft.com/office/drawing/2010/main" val="0"/>
+                </a:ext>
+              </a:extLst>
+            </a:blip>
+            <a:srcRect r="68528"/>
+            <a:stretch/>
+          </p:blipFill>
+          <p:spPr bwMode="auto">
+            <a:xfrm>
+              <a:off x="10344215" y="5597433"/>
+              <a:ext cx="597356" cy="572249"/>
+            </a:xfrm>
+            <a:prstGeom prst="rect">
+              <a:avLst/>
+            </a:prstGeom>
+            <a:noFill/>
+            <a:ln>
+              <a:noFill/>
+            </a:ln>
+            <a:effectLst/>
+            <a:extLst>
+              <a:ext uri="{909E8E84-426E-40DD-AFC4-6F175D3DCCD1}">
+                <a14:hiddenFill xmlns:a14="http://schemas.microsoft.com/office/drawing/2010/main">
+                  <a:solidFill>
+                    <a:srgbClr val="5B9BD5"/>
+                  </a:solidFill>
+                </a14:hiddenFill>
+              </a:ext>
+              <a:ext uri="{91240B29-F687-4F45-9708-019B960494DF}">
+                <a14:hiddenLine xmlns:a14="http://schemas.microsoft.com/office/drawing/2010/main" w="25400" algn="ctr">
+                  <a:solidFill>
+                    <a:srgbClr val="000000"/>
+                  </a:solidFill>
+                  <a:miter lim="800000"/>
+                  <a:headEnd/>
+                  <a:tailEnd/>
+                </a14:hiddenLine>
+              </a:ext>
+              <a:ext uri="{AF507438-7753-43E0-B8FC-AC1667EBCBE1}">
+                <a14:hiddenEffects xmlns:a14="http://schemas.microsoft.com/office/drawing/2010/main">
+                  <a:effectLst>
+                    <a:outerShdw dist="35921" dir="2700000" algn="ctr" rotWithShape="0">
+                      <a:srgbClr val="000000"/>
+                    </a:outerShdw>
+                  </a:effectLst>
+                </a14:hiddenEffects>
+              </a:ext>
+            </a:extLst>
+          </p:spPr>
+        </p:pic>
+        <p:pic>
+          <p:nvPicPr>
+            <p:cNvPr id="48" name="Picture 4">
+              <a:extLst>
+                <a:ext uri="{FF2B5EF4-FFF2-40B4-BE49-F238E27FC236}">
+                  <a16:creationId xmlns:a16="http://schemas.microsoft.com/office/drawing/2014/main" id="{8536831A-AD1A-4671-8B3B-BF8A4F60B3D3}"/>
+                </a:ext>
+              </a:extLst>
+            </p:cNvPr>
+            <p:cNvPicPr>
+              <a:picLocks noChangeAspect="1" noChangeArrowheads="1"/>
+            </p:cNvPicPr>
+            <p:nvPr/>
+          </p:nvPicPr>
+          <p:blipFill>
+            <a:blip r:embed="rId9">
+              <a:extLst>
+                <a:ext uri="{28A0092B-C50C-407E-A947-70E740481C1C}">
+                  <a14:useLocalDpi xmlns:a14="http://schemas.microsoft.com/office/drawing/2010/main" val="0"/>
+                </a:ext>
+              </a:extLst>
+            </a:blip>
+            <a:srcRect/>
+            <a:stretch>
+              <a:fillRect/>
+            </a:stretch>
+          </p:blipFill>
+          <p:spPr bwMode="auto">
+            <a:xfrm>
+              <a:off x="10617985" y="4515542"/>
+              <a:ext cx="829692" cy="331664"/>
+            </a:xfrm>
+            <a:prstGeom prst="rect">
+              <a:avLst/>
+            </a:prstGeom>
+            <a:noFill/>
+            <a:ln>
+              <a:noFill/>
+            </a:ln>
+            <a:effectLst/>
+            <a:extLst>
+              <a:ext uri="{909E8E84-426E-40DD-AFC4-6F175D3DCCD1}">
+                <a14:hiddenFill xmlns:a14="http://schemas.microsoft.com/office/drawing/2010/main">
+                  <a:solidFill>
+                    <a:srgbClr val="5B9BD5"/>
+                  </a:solidFill>
+                </a14:hiddenFill>
+              </a:ext>
+              <a:ext uri="{91240B29-F687-4F45-9708-019B960494DF}">
+                <a14:hiddenLine xmlns:a14="http://schemas.microsoft.com/office/drawing/2010/main" w="25400" algn="ctr">
+                  <a:solidFill>
+                    <a:srgbClr val="000000"/>
+                  </a:solidFill>
+                  <a:miter lim="800000"/>
+                  <a:headEnd/>
+                  <a:tailEnd/>
+                </a14:hiddenLine>
+              </a:ext>
+              <a:ext uri="{AF507438-7753-43E0-B8FC-AC1667EBCBE1}">
+                <a14:hiddenEffects xmlns:a14="http://schemas.microsoft.com/office/drawing/2010/main">
+                  <a:effectLst>
+                    <a:outerShdw dist="35921" dir="2700000" algn="ctr" rotWithShape="0">
+                      <a:srgbClr val="000000"/>
+                    </a:outerShdw>
+                  </a:effectLst>
+                </a14:hiddenEffects>
+              </a:ext>
+            </a:extLst>
+          </p:spPr>
+        </p:pic>
+        <p:pic>
+          <p:nvPicPr>
+            <p:cNvPr id="49" name="Picture 5">
+              <a:extLst>
+                <a:ext uri="{FF2B5EF4-FFF2-40B4-BE49-F238E27FC236}">
+                  <a16:creationId xmlns:a16="http://schemas.microsoft.com/office/drawing/2014/main" id="{7F1C5F33-DDA9-46F9-9F0C-482ECE6D2072}"/>
+                </a:ext>
+              </a:extLst>
+            </p:cNvPr>
+            <p:cNvPicPr>
+              <a:picLocks noChangeAspect="1" noChangeArrowheads="1"/>
+            </p:cNvPicPr>
+            <p:nvPr/>
+          </p:nvPicPr>
+          <p:blipFill>
+            <a:blip r:embed="rId10">
+              <a:extLst>
+                <a:ext uri="{28A0092B-C50C-407E-A947-70E740481C1C}">
+                  <a14:useLocalDpi xmlns:a14="http://schemas.microsoft.com/office/drawing/2010/main" val="0"/>
+                </a:ext>
+              </a:extLst>
+            </a:blip>
+            <a:srcRect/>
+            <a:stretch>
+              <a:fillRect/>
+            </a:stretch>
+          </p:blipFill>
+          <p:spPr bwMode="auto">
+            <a:xfrm>
+              <a:off x="10941571" y="4746274"/>
+              <a:ext cx="682580" cy="649854"/>
+            </a:xfrm>
+            <a:prstGeom prst="rect">
+              <a:avLst/>
+            </a:prstGeom>
+            <a:noFill/>
+            <a:ln>
+              <a:noFill/>
+            </a:ln>
+            <a:effectLst/>
+            <a:extLst>
+              <a:ext uri="{909E8E84-426E-40DD-AFC4-6F175D3DCCD1}">
+                <a14:hiddenFill xmlns:a14="http://schemas.microsoft.com/office/drawing/2010/main">
+                  <a:solidFill>
+                    <a:srgbClr val="5B9BD5"/>
+                  </a:solidFill>
+                </a14:hiddenFill>
+              </a:ext>
+              <a:ext uri="{91240B29-F687-4F45-9708-019B960494DF}">
+                <a14:hiddenLine xmlns:a14="http://schemas.microsoft.com/office/drawing/2010/main" w="25400" algn="ctr">
+                  <a:solidFill>
+                    <a:srgbClr val="000000"/>
+                  </a:solidFill>
+                  <a:miter lim="800000"/>
+                  <a:headEnd/>
+                  <a:tailEnd/>
+                </a14:hiddenLine>
+              </a:ext>
+              <a:ext uri="{AF507438-7753-43E0-B8FC-AC1667EBCBE1}">
+                <a14:hiddenEffects xmlns:a14="http://schemas.microsoft.com/office/drawing/2010/main">
+                  <a:effectLst>
+                    <a:outerShdw dist="35921" dir="2700000" algn="ctr" rotWithShape="0">
+                      <a:srgbClr val="000000"/>
+                    </a:outerShdw>
+                  </a:effectLst>
+                </a14:hiddenEffects>
+              </a:ext>
+            </a:extLst>
+          </p:spPr>
+        </p:pic>
+        <p:pic>
+          <p:nvPicPr>
+            <p:cNvPr id="50" name="Imagen 49">
+              <a:extLst>
+                <a:ext uri="{FF2B5EF4-FFF2-40B4-BE49-F238E27FC236}">
+                  <a16:creationId xmlns:a16="http://schemas.microsoft.com/office/drawing/2014/main" id="{2C94E29E-797D-40E8-9E7E-72A5D13291DC}"/>
+                </a:ext>
+              </a:extLst>
+            </p:cNvPr>
+            <p:cNvPicPr>
+              <a:picLocks noChangeAspect="1"/>
+            </p:cNvPicPr>
+            <p:nvPr/>
+          </p:nvPicPr>
+          <p:blipFill>
+            <a:blip r:embed="rId11"/>
+            <a:stretch>
+              <a:fillRect/>
+            </a:stretch>
+          </p:blipFill>
+          <p:spPr>
+            <a:xfrm>
+              <a:off x="11159271" y="5705788"/>
+              <a:ext cx="564438" cy="540764"/>
+            </a:xfrm>
+            <a:prstGeom prst="rect">
+              <a:avLst/>
+            </a:prstGeom>
+          </p:spPr>
+        </p:pic>
+      </p:grpSp>
+      <p:cxnSp>
+        <p:nvCxnSpPr>
+          <p:cNvPr id="52" name="Conector recto de flecha 51">
+            <a:extLst>
+              <a:ext uri="{FF2B5EF4-FFF2-40B4-BE49-F238E27FC236}">
+                <a16:creationId xmlns:a16="http://schemas.microsoft.com/office/drawing/2014/main" id="{A30BD5CE-3651-4D50-B21F-F1049F5210B8}"/>
+              </a:ext>
+            </a:extLst>
+          </p:cNvPr>
+          <p:cNvCxnSpPr>
+            <a:cxnSpLocks/>
+          </p:cNvCxnSpPr>
+          <p:nvPr/>
+        </p:nvCxnSpPr>
+        <p:spPr>
+          <a:xfrm>
+            <a:off x="6532464" y="1098020"/>
+            <a:ext cx="1649458" cy="12333"/>
+          </a:xfrm>
+          <a:prstGeom prst="straightConnector1">
+            <a:avLst/>
+          </a:prstGeom>
+          <a:ln>
+            <a:solidFill>
+              <a:schemeClr val="tx1"/>
+            </a:solidFill>
+            <a:tailEnd type="triangle"/>
+          </a:ln>
+        </p:spPr>
+        <p:style>
+          <a:lnRef idx="1">
+            <a:schemeClr val="accent1"/>
+          </a:lnRef>
+          <a:fillRef idx="0">
+            <a:schemeClr val="accent1"/>
+          </a:fillRef>
+          <a:effectRef idx="0">
+            <a:schemeClr val="accent1"/>
+          </a:effectRef>
+          <a:fontRef idx="minor">
+            <a:schemeClr val="tx1"/>
+          </a:fontRef>
+        </p:style>
+      </p:cxnSp>
+      <p:cxnSp>
+        <p:nvCxnSpPr>
+          <p:cNvPr id="53" name="Conector recto de flecha 52">
+            <a:extLst>
+              <a:ext uri="{FF2B5EF4-FFF2-40B4-BE49-F238E27FC236}">
+                <a16:creationId xmlns:a16="http://schemas.microsoft.com/office/drawing/2014/main" id="{57401C7C-F12F-4EDF-8BEB-1E79AD2387E4}"/>
+              </a:ext>
+            </a:extLst>
+          </p:cNvPr>
+          <p:cNvCxnSpPr>
+            <a:cxnSpLocks/>
+          </p:cNvCxnSpPr>
+          <p:nvPr/>
+        </p:nvCxnSpPr>
+        <p:spPr>
+          <a:xfrm>
+            <a:off x="6494944" y="1919364"/>
+            <a:ext cx="1686978" cy="34323"/>
+          </a:xfrm>
+          <a:prstGeom prst="straightConnector1">
+            <a:avLst/>
+          </a:prstGeom>
+          <a:ln>
+            <a:solidFill>
+              <a:schemeClr val="tx1"/>
+            </a:solidFill>
+            <a:tailEnd type="triangle"/>
+          </a:ln>
+        </p:spPr>
+        <p:style>
+          <a:lnRef idx="1">
+            <a:schemeClr val="accent1"/>
+          </a:lnRef>
+          <a:fillRef idx="0">
+            <a:schemeClr val="accent1"/>
+          </a:fillRef>
+          <a:effectRef idx="0">
+            <a:schemeClr val="accent1"/>
+          </a:effectRef>
+          <a:fontRef idx="minor">
+            <a:schemeClr val="tx1"/>
+          </a:fontRef>
+        </p:style>
+      </p:cxnSp>
+      <p:grpSp>
+        <p:nvGrpSpPr>
+          <p:cNvPr id="54" name="Grupo 53">
+            <a:extLst>
+              <a:ext uri="{FF2B5EF4-FFF2-40B4-BE49-F238E27FC236}">
+                <a16:creationId xmlns:a16="http://schemas.microsoft.com/office/drawing/2014/main" id="{028472C0-E0BA-43C7-8F23-5297D5BD5F45}"/>
+              </a:ext>
+            </a:extLst>
+          </p:cNvPr>
+          <p:cNvGrpSpPr/>
+          <p:nvPr/>
+        </p:nvGrpSpPr>
+        <p:grpSpPr>
+          <a:xfrm>
+            <a:off x="3974741" y="4060063"/>
+            <a:ext cx="1412494" cy="1340652"/>
+            <a:chOff x="3482282" y="1610584"/>
+            <a:chExt cx="1412494" cy="1340652"/>
+          </a:xfrm>
+        </p:grpSpPr>
+        <p:pic>
+          <p:nvPicPr>
+            <p:cNvPr id="25" name="Picture 51" descr="Data Server Icon of Isometric style - Available in SVG, PNG, EPS ...">
+              <a:extLst>
+                <a:ext uri="{FF2B5EF4-FFF2-40B4-BE49-F238E27FC236}">
+                  <a16:creationId xmlns:a16="http://schemas.microsoft.com/office/drawing/2014/main" id="{77B9F2F7-98FA-44B2-9534-524DFA1B3F74}"/>
+                </a:ext>
+              </a:extLst>
+            </p:cNvPr>
+            <p:cNvPicPr>
+              <a:picLocks noChangeAspect="1" noChangeArrowheads="1"/>
+            </p:cNvPicPr>
+            <p:nvPr/>
+          </p:nvPicPr>
+          <p:blipFill>
+            <a:blip r:embed="rId2">
+              <a:extLst>
+                <a:ext uri="{28A0092B-C50C-407E-A947-70E740481C1C}">
+                  <a14:useLocalDpi xmlns:a14="http://schemas.microsoft.com/office/drawing/2010/main" val="0"/>
+                </a:ext>
+              </a:extLst>
+            </a:blip>
+            <a:srcRect/>
+            <a:stretch>
+              <a:fillRect/>
+            </a:stretch>
+          </p:blipFill>
+          <p:spPr bwMode="auto">
+            <a:xfrm>
+              <a:off x="3482282" y="1610584"/>
+              <a:ext cx="1340652" cy="1340652"/>
+            </a:xfrm>
+            <a:prstGeom prst="rect">
+              <a:avLst/>
+            </a:prstGeom>
+            <a:noFill/>
+            <a:extLst>
+              <a:ext uri="{909E8E84-426E-40DD-AFC4-6F175D3DCCD1}">
+                <a14:hiddenFill xmlns:a14="http://schemas.microsoft.com/office/drawing/2010/main">
+                  <a:solidFill>
+                    <a:srgbClr val="FFFFFF"/>
+                  </a:solidFill>
+                </a14:hiddenFill>
+              </a:ext>
+            </a:extLst>
+          </p:spPr>
+        </p:pic>
+        <p:pic>
+          <p:nvPicPr>
+            <p:cNvPr id="39" name="Picture 53" descr="Interface, layout, page, ui, web, website icon">
+              <a:extLst>
+                <a:ext uri="{FF2B5EF4-FFF2-40B4-BE49-F238E27FC236}">
+                  <a16:creationId xmlns:a16="http://schemas.microsoft.com/office/drawing/2014/main" id="{409188DA-B5D9-43E3-AE2E-EA31A03B933E}"/>
+                </a:ext>
+              </a:extLst>
+            </p:cNvPr>
+            <p:cNvPicPr>
+              <a:picLocks noChangeAspect="1" noChangeArrowheads="1"/>
+            </p:cNvPicPr>
+            <p:nvPr/>
+          </p:nvPicPr>
+          <p:blipFill>
+            <a:blip r:embed="rId12">
+              <a:extLst>
+                <a:ext uri="{28A0092B-C50C-407E-A947-70E740481C1C}">
+                  <a14:useLocalDpi xmlns:a14="http://schemas.microsoft.com/office/drawing/2010/main" val="0"/>
+                </a:ext>
+              </a:extLst>
+            </a:blip>
+            <a:srcRect/>
+            <a:stretch>
+              <a:fillRect/>
+            </a:stretch>
+          </p:blipFill>
+          <p:spPr bwMode="auto">
+            <a:xfrm>
+              <a:off x="3521949" y="1840567"/>
+              <a:ext cx="693077" cy="693077"/>
+            </a:xfrm>
+            <a:prstGeom prst="rect">
+              <a:avLst/>
+            </a:prstGeom>
+            <a:noFill/>
+            <a:extLst>
+              <a:ext uri="{909E8E84-426E-40DD-AFC4-6F175D3DCCD1}">
+                <a14:hiddenFill xmlns:a14="http://schemas.microsoft.com/office/drawing/2010/main">
+                  <a:solidFill>
+                    <a:srgbClr val="FFFFFF"/>
+                  </a:solidFill>
+                </a14:hiddenFill>
+              </a:ext>
+            </a:extLst>
+          </p:spPr>
+        </p:pic>
+        <p:pic>
+          <p:nvPicPr>
+            <p:cNvPr id="1032" name="Picture 8">
+              <a:extLst>
+                <a:ext uri="{FF2B5EF4-FFF2-40B4-BE49-F238E27FC236}">
+                  <a16:creationId xmlns:a16="http://schemas.microsoft.com/office/drawing/2014/main" id="{F30A326B-24EE-437F-8984-C980A6EFE9DA}"/>
+                </a:ext>
+              </a:extLst>
+            </p:cNvPr>
+            <p:cNvPicPr>
+              <a:picLocks noChangeAspect="1" noChangeArrowheads="1"/>
+            </p:cNvPicPr>
+            <p:nvPr/>
+          </p:nvPicPr>
+          <p:blipFill>
+            <a:blip r:embed="rId13">
+              <a:extLst>
+                <a:ext uri="{28A0092B-C50C-407E-A947-70E740481C1C}">
+                  <a14:useLocalDpi xmlns:a14="http://schemas.microsoft.com/office/drawing/2010/main" val="0"/>
+                </a:ext>
+              </a:extLst>
+            </a:blip>
+            <a:srcRect/>
+            <a:stretch>
+              <a:fillRect/>
+            </a:stretch>
+          </p:blipFill>
+          <p:spPr bwMode="auto">
+            <a:xfrm>
+              <a:off x="4172533" y="2144011"/>
+              <a:ext cx="722243" cy="722243"/>
+            </a:xfrm>
+            <a:prstGeom prst="rect">
+              <a:avLst/>
+            </a:prstGeom>
+            <a:noFill/>
+            <a:extLst>
+              <a:ext uri="{909E8E84-426E-40DD-AFC4-6F175D3DCCD1}">
+                <a14:hiddenFill xmlns:a14="http://schemas.microsoft.com/office/drawing/2010/main">
+                  <a:solidFill>
+                    <a:srgbClr val="FFFFFF"/>
+                  </a:solidFill>
+                </a14:hiddenFill>
+              </a:ext>
+            </a:extLst>
+          </p:spPr>
+        </p:pic>
+      </p:grpSp>
+      <p:grpSp>
+        <p:nvGrpSpPr>
+          <p:cNvPr id="56" name="Grupo 55">
+            <a:extLst>
+              <a:ext uri="{FF2B5EF4-FFF2-40B4-BE49-F238E27FC236}">
+                <a16:creationId xmlns:a16="http://schemas.microsoft.com/office/drawing/2014/main" id="{7D98DD9F-AE6A-4953-AE23-28167DEE3450}"/>
+              </a:ext>
+            </a:extLst>
+          </p:cNvPr>
+          <p:cNvGrpSpPr/>
+          <p:nvPr/>
+        </p:nvGrpSpPr>
+        <p:grpSpPr>
+          <a:xfrm>
+            <a:off x="5075806" y="2319271"/>
+            <a:ext cx="1572663" cy="1525318"/>
+            <a:chOff x="3428694" y="4181932"/>
+            <a:chExt cx="1572663" cy="1525318"/>
+          </a:xfrm>
+        </p:grpSpPr>
+        <p:pic>
+          <p:nvPicPr>
+            <p:cNvPr id="37" name="Picture 51" descr="Data Server Icon of Isometric style - Available in SVG, PNG, EPS ...">
+              <a:extLst>
+                <a:ext uri="{FF2B5EF4-FFF2-40B4-BE49-F238E27FC236}">
+                  <a16:creationId xmlns:a16="http://schemas.microsoft.com/office/drawing/2014/main" id="{9C65787C-6660-40BB-ABB4-F8A52950E022}"/>
+                </a:ext>
+              </a:extLst>
+            </p:cNvPr>
+            <p:cNvPicPr>
+              <a:picLocks noChangeAspect="1" noChangeArrowheads="1"/>
+            </p:cNvPicPr>
+            <p:nvPr/>
+          </p:nvPicPr>
+          <p:blipFill>
+            <a:blip r:embed="rId2">
+              <a:extLst>
+                <a:ext uri="{28A0092B-C50C-407E-A947-70E740481C1C}">
+                  <a14:useLocalDpi xmlns:a14="http://schemas.microsoft.com/office/drawing/2010/main" val="0"/>
+                </a:ext>
+              </a:extLst>
+            </a:blip>
+            <a:srcRect/>
+            <a:stretch>
+              <a:fillRect/>
+            </a:stretch>
+          </p:blipFill>
+          <p:spPr bwMode="auto">
+            <a:xfrm>
+              <a:off x="3544700" y="4181932"/>
+              <a:ext cx="1340652" cy="1340652"/>
+            </a:xfrm>
+            <a:prstGeom prst="rect">
+              <a:avLst/>
+            </a:prstGeom>
+            <a:noFill/>
+            <a:extLst>
+              <a:ext uri="{909E8E84-426E-40DD-AFC4-6F175D3DCCD1}">
+                <a14:hiddenFill xmlns:a14="http://schemas.microsoft.com/office/drawing/2010/main">
+                  <a:solidFill>
+                    <a:srgbClr val="FFFFFF"/>
+                  </a:solidFill>
+                </a14:hiddenFill>
+              </a:ext>
+            </a:extLst>
+          </p:spPr>
+        </p:pic>
+        <p:grpSp>
+          <p:nvGrpSpPr>
+            <p:cNvPr id="55" name="Grupo 54">
+              <a:extLst>
+                <a:ext uri="{FF2B5EF4-FFF2-40B4-BE49-F238E27FC236}">
+                  <a16:creationId xmlns:a16="http://schemas.microsoft.com/office/drawing/2014/main" id="{3518D7C2-7BAA-46AA-9C73-3D0405C22A23}"/>
+                </a:ext>
+              </a:extLst>
+            </p:cNvPr>
+            <p:cNvGrpSpPr/>
+            <p:nvPr/>
+          </p:nvGrpSpPr>
+          <p:grpSpPr>
+            <a:xfrm>
+              <a:off x="3428694" y="4452118"/>
+              <a:ext cx="1572663" cy="1255132"/>
+              <a:chOff x="3428694" y="4452118"/>
+              <a:chExt cx="1572663" cy="1255132"/>
+            </a:xfrm>
+          </p:grpSpPr>
+          <p:pic>
+            <p:nvPicPr>
+              <p:cNvPr id="1028" name="Picture 4">
+                <a:extLst>
+                  <a:ext uri="{FF2B5EF4-FFF2-40B4-BE49-F238E27FC236}">
+                    <a16:creationId xmlns:a16="http://schemas.microsoft.com/office/drawing/2014/main" id="{F3826172-CF2E-4E13-8FD9-03BCE7154E1B}"/>
+                  </a:ext>
+                </a:extLst>
+              </p:cNvPr>
+              <p:cNvPicPr>
+                <a:picLocks noChangeAspect="1" noChangeArrowheads="1"/>
+              </p:cNvPicPr>
+              <p:nvPr/>
+            </p:nvPicPr>
+            <p:blipFill>
+              <a:blip r:embed="rId14">
+                <a:extLst>
+                  <a:ext uri="{28A0092B-C50C-407E-A947-70E740481C1C}">
+                    <a14:useLocalDpi xmlns:a14="http://schemas.microsoft.com/office/drawing/2010/main" val="0"/>
+                  </a:ext>
+                </a:extLst>
+              </a:blip>
+              <a:srcRect/>
+              <a:stretch>
+                <a:fillRect/>
+              </a:stretch>
+            </p:blipFill>
+            <p:spPr bwMode="auto">
+              <a:xfrm>
+                <a:off x="4152608" y="4452118"/>
+                <a:ext cx="844334" cy="989486"/>
+              </a:xfrm>
+              <a:prstGeom prst="rect">
+                <a:avLst/>
+              </a:prstGeom>
+              <a:noFill/>
+              <a:extLst>
+                <a:ext uri="{909E8E84-426E-40DD-AFC4-6F175D3DCCD1}">
+                  <a14:hiddenFill xmlns:a14="http://schemas.microsoft.com/office/drawing/2010/main">
+                    <a:solidFill>
+                      <a:srgbClr val="FFFFFF"/>
+                    </a:solidFill>
+                  </a14:hiddenFill>
+                </a:ext>
+              </a:extLst>
+            </p:spPr>
+          </p:pic>
+          <p:sp>
+            <p:nvSpPr>
+              <p:cNvPr id="58" name="CuadroTexto 57">
+                <a:extLst>
+                  <a:ext uri="{FF2B5EF4-FFF2-40B4-BE49-F238E27FC236}">
+                    <a16:creationId xmlns:a16="http://schemas.microsoft.com/office/drawing/2014/main" id="{90F5C6B8-29F0-46C1-9EEA-B4E63F02337B}"/>
+                  </a:ext>
+                </a:extLst>
+              </p:cNvPr>
+              <p:cNvSpPr txBox="1"/>
+              <p:nvPr/>
+            </p:nvSpPr>
+            <p:spPr>
+              <a:xfrm>
+                <a:off x="3428694" y="5337918"/>
+                <a:ext cx="1572663" cy="369332"/>
+              </a:xfrm>
+              <a:prstGeom prst="rect">
+                <a:avLst/>
+              </a:prstGeom>
+              <a:noFill/>
+            </p:spPr>
+            <p:txBody>
+              <a:bodyPr wrap="square">
+                <a:spAutoFit/>
+              </a:bodyPr>
+              <a:lstStyle/>
+              <a:p>
+                <a:r>
+                  <a:rPr lang="es-AR" dirty="0" err="1"/>
+                  <a:t>Orchestrator</a:t>
+                </a:r>
+                <a:endParaRPr lang="es-AR" dirty="0"/>
+              </a:p>
+            </p:txBody>
+          </p:sp>
+        </p:grpSp>
+      </p:grpSp>
+      <p:pic>
+        <p:nvPicPr>
+          <p:cNvPr id="5122" name="Picture 2" descr="Activity, control, procedure, process, system icon">
+            <a:extLst>
+              <a:ext uri="{FF2B5EF4-FFF2-40B4-BE49-F238E27FC236}">
+                <a16:creationId xmlns:a16="http://schemas.microsoft.com/office/drawing/2014/main" id="{E23BBF3D-0E1D-4F92-A5AB-B3FA98AD789E}"/>
+              </a:ext>
+            </a:extLst>
+          </p:cNvPr>
+          <p:cNvPicPr>
+            <a:picLocks noChangeAspect="1" noChangeArrowheads="1"/>
+          </p:cNvPicPr>
+          <p:nvPr/>
+        </p:nvPicPr>
+        <p:blipFill>
+          <a:blip r:embed="rId15">
+            <a:extLst>
+              <a:ext uri="{28A0092B-C50C-407E-A947-70E740481C1C}">
+                <a14:useLocalDpi xmlns:a14="http://schemas.microsoft.com/office/drawing/2010/main" val="0"/>
+              </a:ext>
+            </a:extLst>
+          </a:blip>
+          <a:srcRect/>
+          <a:stretch>
+            <a:fillRect/>
+          </a:stretch>
+        </p:blipFill>
+        <p:spPr bwMode="auto">
+          <a:xfrm>
+            <a:off x="5542101" y="3804917"/>
+            <a:ext cx="722243" cy="722243"/>
+          </a:xfrm>
+          <a:prstGeom prst="rect">
+            <a:avLst/>
+          </a:prstGeom>
+          <a:noFill/>
+          <a:extLst>
+            <a:ext uri="{909E8E84-426E-40DD-AFC4-6F175D3DCCD1}">
+              <a14:hiddenFill xmlns:a14="http://schemas.microsoft.com/office/drawing/2010/main">
+                <a:solidFill>
+                  <a:srgbClr val="FFFFFF"/>
+                </a:solidFill>
+              </a14:hiddenFill>
+            </a:ext>
+          </a:extLst>
+        </p:spPr>
+      </p:pic>
+      <p:sp>
+        <p:nvSpPr>
+          <p:cNvPr id="2" name="CuadroTexto 1">
+            <a:extLst>
+              <a:ext uri="{FF2B5EF4-FFF2-40B4-BE49-F238E27FC236}">
+                <a16:creationId xmlns:a16="http://schemas.microsoft.com/office/drawing/2014/main" id="{4443ECAE-63E3-4AE0-A374-EA65EF71EDAB}"/>
+              </a:ext>
+            </a:extLst>
+          </p:cNvPr>
+          <p:cNvSpPr txBox="1"/>
+          <p:nvPr/>
+        </p:nvSpPr>
+        <p:spPr>
+          <a:xfrm>
+            <a:off x="5546158" y="4462949"/>
+            <a:ext cx="1075296" cy="369332"/>
+          </a:xfrm>
+          <a:prstGeom prst="rect">
+            <a:avLst/>
+          </a:prstGeom>
+          <a:noFill/>
+        </p:spPr>
+        <p:txBody>
+          <a:bodyPr wrap="square">
+            <a:spAutoFit/>
+          </a:bodyPr>
+          <a:lstStyle/>
+          <a:p>
+            <a:r>
+              <a:rPr lang="es-AR" dirty="0" err="1"/>
+              <a:t>Sync</a:t>
+            </a:r>
+            <a:endParaRPr lang="es-AR" dirty="0"/>
+          </a:p>
+        </p:txBody>
+      </p:sp>
+    </p:spTree>
+    <p:extLst>
+      <p:ext uri="{BB962C8B-B14F-4D97-AF65-F5344CB8AC3E}">
+        <p14:creationId xmlns:p14="http://schemas.microsoft.com/office/powerpoint/2010/main" val="1964659524"/>
+      </p:ext>
+    </p:extLst>
+  </p:cSld>
+  <p:clrMapOvr>
+    <a:masterClrMapping/>
+  </p:clrMapOvr>
+</p:sld>
+</file>
+
+<file path=ppt/slides/slide4.xml><?xml version="1.0" encoding="utf-8"?>
+<p:sld xmlns:a="http://schemas.openxmlformats.org/drawingml/2006/main" xmlns:r="http://schemas.openxmlformats.org/officeDocument/2006/relationships" xmlns:p="http://schemas.openxmlformats.org/presentationml/2006/main">
+  <p:cSld>
+    <p:spTree>
+      <p:nvGrpSpPr>
+        <p:cNvPr id="1" name=""/>
+        <p:cNvGrpSpPr/>
+        <p:nvPr/>
+      </p:nvGrpSpPr>
+      <p:grpSpPr>
+        <a:xfrm>
+          <a:off x="0" y="0"/>
+          <a:ext cx="0" cy="0"/>
+          <a:chOff x="0" y="0"/>
+          <a:chExt cx="0" cy="0"/>
+        </a:xfrm>
+      </p:grpSpPr>
+      <p:grpSp>
+        <p:nvGrpSpPr>
+          <p:cNvPr id="16" name="Grupo 15">
+            <a:extLst>
+              <a:ext uri="{FF2B5EF4-FFF2-40B4-BE49-F238E27FC236}">
+                <a16:creationId xmlns:a16="http://schemas.microsoft.com/office/drawing/2014/main" id="{57369D0D-A6E8-4889-923C-ABF09BDAC3F4}"/>
+              </a:ext>
+            </a:extLst>
+          </p:cNvPr>
+          <p:cNvGrpSpPr/>
+          <p:nvPr/>
+        </p:nvGrpSpPr>
+        <p:grpSpPr>
+          <a:xfrm>
+            <a:off x="7094301" y="2691365"/>
+            <a:ext cx="1340652" cy="1340652"/>
+            <a:chOff x="4902241" y="2303696"/>
+            <a:chExt cx="1340652" cy="1340652"/>
+          </a:xfrm>
+        </p:grpSpPr>
+        <p:pic>
+          <p:nvPicPr>
+            <p:cNvPr id="5" name="Picture 51" descr="Data Server Icon of Isometric style - Available in SVG, PNG, EPS ...">
+              <a:extLst>
+                <a:ext uri="{FF2B5EF4-FFF2-40B4-BE49-F238E27FC236}">
+                  <a16:creationId xmlns:a16="http://schemas.microsoft.com/office/drawing/2014/main" id="{C3A14E3B-958D-49CE-86CA-3BFF7E93A661}"/>
+                </a:ext>
+              </a:extLst>
+            </p:cNvPr>
+            <p:cNvPicPr>
+              <a:picLocks noChangeAspect="1" noChangeArrowheads="1"/>
+            </p:cNvPicPr>
+            <p:nvPr/>
+          </p:nvPicPr>
+          <p:blipFill>
+            <a:blip r:embed="rId2">
+              <a:extLst>
+                <a:ext uri="{28A0092B-C50C-407E-A947-70E740481C1C}">
+                  <a14:useLocalDpi xmlns:a14="http://schemas.microsoft.com/office/drawing/2010/main" val="0"/>
+                </a:ext>
+              </a:extLst>
+            </a:blip>
+            <a:srcRect/>
+            <a:stretch>
+              <a:fillRect/>
+            </a:stretch>
+          </p:blipFill>
+          <p:spPr bwMode="auto">
+            <a:xfrm>
+              <a:off x="4902241" y="2303696"/>
+              <a:ext cx="1340652" cy="1340652"/>
+            </a:xfrm>
+            <a:prstGeom prst="rect">
+              <a:avLst/>
+            </a:prstGeom>
+            <a:noFill/>
+            <a:extLst>
+              <a:ext uri="{909E8E84-426E-40DD-AFC4-6F175D3DCCD1}">
+                <a14:hiddenFill xmlns:a14="http://schemas.microsoft.com/office/drawing/2010/main">
+                  <a:solidFill>
+                    <a:srgbClr val="FFFFFF"/>
+                  </a:solidFill>
+                </a14:hiddenFill>
+              </a:ext>
+            </a:extLst>
+          </p:spPr>
+        </p:pic>
+        <p:pic>
+          <p:nvPicPr>
+            <p:cNvPr id="7" name="Picture 15">
+              <a:extLst>
+                <a:ext uri="{FF2B5EF4-FFF2-40B4-BE49-F238E27FC236}">
+                  <a16:creationId xmlns:a16="http://schemas.microsoft.com/office/drawing/2014/main" id="{9A0E11CE-1E73-43AF-9000-905480AB402C}"/>
+                </a:ext>
+              </a:extLst>
+            </p:cNvPr>
+            <p:cNvPicPr>
+              <a:picLocks noChangeAspect="1" noChangeArrowheads="1"/>
+            </p:cNvPicPr>
+            <p:nvPr/>
+          </p:nvPicPr>
+          <p:blipFill>
+            <a:blip r:embed="rId3">
+              <a:extLst>
+                <a:ext uri="{28A0092B-C50C-407E-A947-70E740481C1C}">
+                  <a14:useLocalDpi xmlns:a14="http://schemas.microsoft.com/office/drawing/2010/main" val="0"/>
+                </a:ext>
+              </a:extLst>
+            </a:blip>
+            <a:srcRect/>
+            <a:stretch>
+              <a:fillRect/>
+            </a:stretch>
+          </p:blipFill>
+          <p:spPr bwMode="auto">
+            <a:xfrm>
+              <a:off x="5097664" y="2561707"/>
+              <a:ext cx="1145229" cy="824630"/>
+            </a:xfrm>
+            <a:prstGeom prst="rect">
+              <a:avLst/>
+            </a:prstGeom>
+            <a:noFill/>
+            <a:ln>
+              <a:noFill/>
+            </a:ln>
+            <a:effectLst/>
+            <a:extLst>
+              <a:ext uri="{909E8E84-426E-40DD-AFC4-6F175D3DCCD1}">
+                <a14:hiddenFill xmlns:a14="http://schemas.microsoft.com/office/drawing/2010/main">
+                  <a:solidFill>
+                    <a:srgbClr val="5B9BD5"/>
+                  </a:solidFill>
+                </a14:hiddenFill>
+              </a:ext>
+              <a:ext uri="{91240B29-F687-4F45-9708-019B960494DF}">
+                <a14:hiddenLine xmlns:a14="http://schemas.microsoft.com/office/drawing/2010/main" w="25400" algn="ctr">
+                  <a:solidFill>
+                    <a:srgbClr val="000000"/>
+                  </a:solidFill>
+                  <a:miter lim="800000"/>
+                  <a:headEnd/>
+                  <a:tailEnd/>
+                </a14:hiddenLine>
+              </a:ext>
+              <a:ext uri="{AF507438-7753-43E0-B8FC-AC1667EBCBE1}">
+                <a14:hiddenEffects xmlns:a14="http://schemas.microsoft.com/office/drawing/2010/main">
+                  <a:effectLst>
+                    <a:outerShdw dist="35921" dir="2700000" algn="ctr" rotWithShape="0">
+                      <a:srgbClr val="000000"/>
+                    </a:outerShdw>
+                  </a:effectLst>
+                </a14:hiddenEffects>
+              </a:ext>
+            </a:extLst>
+          </p:spPr>
+        </p:pic>
+      </p:grpSp>
+      <p:grpSp>
+        <p:nvGrpSpPr>
+          <p:cNvPr id="26" name="Grupo 25">
+            <a:extLst>
+              <a:ext uri="{FF2B5EF4-FFF2-40B4-BE49-F238E27FC236}">
+                <a16:creationId xmlns:a16="http://schemas.microsoft.com/office/drawing/2014/main" id="{0FDA81C2-BF6B-4F39-8115-79001770F09B}"/>
+              </a:ext>
+            </a:extLst>
+          </p:cNvPr>
+          <p:cNvGrpSpPr/>
+          <p:nvPr/>
+        </p:nvGrpSpPr>
+        <p:grpSpPr>
+          <a:xfrm>
+            <a:off x="3236090" y="2728770"/>
+            <a:ext cx="1340652" cy="1340652"/>
+            <a:chOff x="2470467" y="2204305"/>
+            <a:chExt cx="1340652" cy="1340652"/>
+          </a:xfrm>
+        </p:grpSpPr>
+        <p:pic>
+          <p:nvPicPr>
+            <p:cNvPr id="15" name="Picture 51" descr="Data Server Icon of Isometric style - Available in SVG, PNG, EPS ...">
+              <a:extLst>
+                <a:ext uri="{FF2B5EF4-FFF2-40B4-BE49-F238E27FC236}">
+                  <a16:creationId xmlns:a16="http://schemas.microsoft.com/office/drawing/2014/main" id="{BFDB4BC2-4CA5-4AC8-9E89-3EB4640CEBCA}"/>
+                </a:ext>
+              </a:extLst>
+            </p:cNvPr>
+            <p:cNvPicPr>
+              <a:picLocks noChangeAspect="1" noChangeArrowheads="1"/>
+            </p:cNvPicPr>
+            <p:nvPr/>
+          </p:nvPicPr>
+          <p:blipFill>
+            <a:blip r:embed="rId2">
+              <a:extLst>
+                <a:ext uri="{28A0092B-C50C-407E-A947-70E740481C1C}">
+                  <a14:useLocalDpi xmlns:a14="http://schemas.microsoft.com/office/drawing/2010/main" val="0"/>
+                </a:ext>
+              </a:extLst>
+            </a:blip>
+            <a:srcRect/>
+            <a:stretch>
+              <a:fillRect/>
+            </a:stretch>
+          </p:blipFill>
+          <p:spPr bwMode="auto">
+            <a:xfrm>
+              <a:off x="2470467" y="2204305"/>
+              <a:ext cx="1340652" cy="1340652"/>
+            </a:xfrm>
+            <a:prstGeom prst="rect">
+              <a:avLst/>
+            </a:prstGeom>
+            <a:noFill/>
+            <a:extLst>
+              <a:ext uri="{909E8E84-426E-40DD-AFC4-6F175D3DCCD1}">
+                <a14:hiddenFill xmlns:a14="http://schemas.microsoft.com/office/drawing/2010/main">
+                  <a:solidFill>
+                    <a:srgbClr val="FFFFFF"/>
+                  </a:solidFill>
+                </a14:hiddenFill>
+              </a:ext>
+            </a:extLst>
+          </p:spPr>
+        </p:pic>
+        <p:pic>
+          <p:nvPicPr>
+            <p:cNvPr id="23" name="Picture 13">
+              <a:extLst>
+                <a:ext uri="{FF2B5EF4-FFF2-40B4-BE49-F238E27FC236}">
+                  <a16:creationId xmlns:a16="http://schemas.microsoft.com/office/drawing/2014/main" id="{6BA7AD01-57F3-4E9E-BCDF-9B16AEDCF26F}"/>
+                </a:ext>
+              </a:extLst>
+            </p:cNvPr>
+            <p:cNvPicPr>
+              <a:picLocks noChangeAspect="1" noChangeArrowheads="1"/>
+            </p:cNvPicPr>
+            <p:nvPr/>
+          </p:nvPicPr>
+          <p:blipFill>
+            <a:blip r:embed="rId4">
+              <a:extLst>
+                <a:ext uri="{28A0092B-C50C-407E-A947-70E740481C1C}">
+                  <a14:useLocalDpi xmlns:a14="http://schemas.microsoft.com/office/drawing/2010/main" val="0"/>
+                </a:ext>
+              </a:extLst>
+            </a:blip>
+            <a:srcRect/>
+            <a:stretch>
+              <a:fillRect/>
+            </a:stretch>
+          </p:blipFill>
+          <p:spPr bwMode="auto">
+            <a:xfrm>
+              <a:off x="2740073" y="2583734"/>
+              <a:ext cx="799726" cy="872317"/>
+            </a:xfrm>
+            <a:prstGeom prst="rect">
+              <a:avLst/>
+            </a:prstGeom>
+            <a:noFill/>
+            <a:ln>
+              <a:noFill/>
+            </a:ln>
+            <a:effectLst/>
+            <a:extLst>
+              <a:ext uri="{909E8E84-426E-40DD-AFC4-6F175D3DCCD1}">
+                <a14:hiddenFill xmlns:a14="http://schemas.microsoft.com/office/drawing/2010/main">
+                  <a:solidFill>
+                    <a:srgbClr val="5B9BD5"/>
+                  </a:solidFill>
+                </a14:hiddenFill>
+              </a:ext>
+              <a:ext uri="{91240B29-F687-4F45-9708-019B960494DF}">
+                <a14:hiddenLine xmlns:a14="http://schemas.microsoft.com/office/drawing/2010/main" w="25400" algn="ctr">
+                  <a:solidFill>
+                    <a:srgbClr val="000000"/>
+                  </a:solidFill>
+                  <a:miter lim="800000"/>
+                  <a:headEnd/>
+                  <a:tailEnd/>
+                </a14:hiddenLine>
+              </a:ext>
+              <a:ext uri="{AF507438-7753-43E0-B8FC-AC1667EBCBE1}">
+                <a14:hiddenEffects xmlns:a14="http://schemas.microsoft.com/office/drawing/2010/main">
+                  <a:effectLst>
+                    <a:outerShdw dist="35921" dir="2700000" algn="ctr" rotWithShape="0">
+                      <a:srgbClr val="000000"/>
+                    </a:outerShdw>
+                  </a:effectLst>
+                </a14:hiddenEffects>
+              </a:ext>
+            </a:extLst>
+          </p:spPr>
+        </p:pic>
+      </p:grpSp>
+      <p:cxnSp>
+        <p:nvCxnSpPr>
+          <p:cNvPr id="27" name="Conector recto de flecha 26">
+            <a:extLst>
+              <a:ext uri="{FF2B5EF4-FFF2-40B4-BE49-F238E27FC236}">
+                <a16:creationId xmlns:a16="http://schemas.microsoft.com/office/drawing/2014/main" id="{ACF8B1FA-C788-4350-9841-3BA7B0D18897}"/>
+              </a:ext>
+            </a:extLst>
+          </p:cNvPr>
+          <p:cNvCxnSpPr>
+            <a:cxnSpLocks/>
+          </p:cNvCxnSpPr>
+          <p:nvPr/>
+        </p:nvCxnSpPr>
+        <p:spPr>
+          <a:xfrm>
+            <a:off x="4969776" y="2827871"/>
+            <a:ext cx="1649458" cy="12333"/>
+          </a:xfrm>
+          <a:prstGeom prst="straightConnector1">
+            <a:avLst/>
+          </a:prstGeom>
+          <a:ln>
+            <a:solidFill>
+              <a:schemeClr val="tx1"/>
+            </a:solidFill>
+            <a:tailEnd type="triangle"/>
+          </a:ln>
+        </p:spPr>
+        <p:style>
+          <a:lnRef idx="1">
+            <a:schemeClr val="accent1"/>
+          </a:lnRef>
+          <a:fillRef idx="0">
+            <a:schemeClr val="accent1"/>
+          </a:fillRef>
+          <a:effectRef idx="0">
+            <a:schemeClr val="accent1"/>
+          </a:effectRef>
+          <a:fontRef idx="minor">
+            <a:schemeClr val="tx1"/>
+          </a:fontRef>
+        </p:style>
+      </p:cxnSp>
+      <p:cxnSp>
+        <p:nvCxnSpPr>
+          <p:cNvPr id="28" name="Conector recto de flecha 27">
+            <a:extLst>
+              <a:ext uri="{FF2B5EF4-FFF2-40B4-BE49-F238E27FC236}">
+                <a16:creationId xmlns:a16="http://schemas.microsoft.com/office/drawing/2014/main" id="{E3D73575-35D6-428C-8946-5B1F594CCEBA}"/>
+              </a:ext>
+            </a:extLst>
+          </p:cNvPr>
+          <p:cNvCxnSpPr>
+            <a:cxnSpLocks/>
+          </p:cNvCxnSpPr>
+          <p:nvPr/>
+        </p:nvCxnSpPr>
+        <p:spPr>
+          <a:xfrm flipH="1">
+            <a:off x="4969776" y="3540891"/>
+            <a:ext cx="1649458" cy="0"/>
+          </a:xfrm>
+          <a:prstGeom prst="straightConnector1">
+            <a:avLst/>
+          </a:prstGeom>
+          <a:ln>
+            <a:solidFill>
+              <a:schemeClr val="tx1"/>
+            </a:solidFill>
+            <a:tailEnd type="triangle"/>
+          </a:ln>
+        </p:spPr>
+        <p:style>
+          <a:lnRef idx="1">
+            <a:schemeClr val="accent1"/>
+          </a:lnRef>
+          <a:fillRef idx="0">
+            <a:schemeClr val="accent1"/>
+          </a:fillRef>
+          <a:effectRef idx="0">
+            <a:schemeClr val="accent1"/>
+          </a:effectRef>
+          <a:fontRef idx="minor">
+            <a:schemeClr val="tx1"/>
+          </a:fontRef>
+        </p:style>
+      </p:cxnSp>
+      <p:sp>
+        <p:nvSpPr>
+          <p:cNvPr id="29" name="CuadroTexto 28">
+            <a:extLst>
+              <a:ext uri="{FF2B5EF4-FFF2-40B4-BE49-F238E27FC236}">
+                <a16:creationId xmlns:a16="http://schemas.microsoft.com/office/drawing/2014/main" id="{2F18DCC2-B4B4-461C-8FAD-70621D0F1ADE}"/>
+              </a:ext>
+            </a:extLst>
+          </p:cNvPr>
+          <p:cNvSpPr txBox="1"/>
+          <p:nvPr/>
+        </p:nvSpPr>
+        <p:spPr>
+          <a:xfrm>
+            <a:off x="5100870" y="3067090"/>
+            <a:ext cx="1508746" cy="369332"/>
+          </a:xfrm>
+          <a:prstGeom prst="rect">
+            <a:avLst/>
+          </a:prstGeom>
+          <a:noFill/>
+        </p:spPr>
+        <p:txBody>
+          <a:bodyPr wrap="square" rtlCol="0">
+            <a:spAutoFit/>
+          </a:bodyPr>
+          <a:lstStyle/>
+          <a:p>
+            <a:r>
+              <a:rPr lang="es-AR" dirty="0"/>
+              <a:t>2. Git Clone</a:t>
+            </a:r>
+          </a:p>
+        </p:txBody>
+      </p:sp>
+      <p:sp>
+        <p:nvSpPr>
+          <p:cNvPr id="30" name="CuadroTexto 29">
+            <a:extLst>
+              <a:ext uri="{FF2B5EF4-FFF2-40B4-BE49-F238E27FC236}">
+                <a16:creationId xmlns:a16="http://schemas.microsoft.com/office/drawing/2014/main" id="{BC3B49BD-23ED-4AD2-B170-8F3EFB776A85}"/>
+              </a:ext>
+            </a:extLst>
+          </p:cNvPr>
+          <p:cNvSpPr txBox="1"/>
+          <p:nvPr/>
+        </p:nvSpPr>
+        <p:spPr>
+          <a:xfrm>
+            <a:off x="5091252" y="2385733"/>
+            <a:ext cx="1527982" cy="369332"/>
+          </a:xfrm>
+          <a:prstGeom prst="rect">
+            <a:avLst/>
+          </a:prstGeom>
+          <a:noFill/>
+        </p:spPr>
+        <p:txBody>
+          <a:bodyPr wrap="square" rtlCol="0">
+            <a:spAutoFit/>
+          </a:bodyPr>
+          <a:lstStyle/>
+          <a:p>
+            <a:r>
+              <a:rPr lang="es-AR" dirty="0"/>
+              <a:t>1. </a:t>
+            </a:r>
+            <a:r>
+              <a:rPr lang="es-AR" dirty="0" err="1"/>
+              <a:t>Webhook</a:t>
+            </a:r>
+            <a:endParaRPr lang="es-AR" dirty="0"/>
+          </a:p>
+        </p:txBody>
+      </p:sp>
+      <p:cxnSp>
+        <p:nvCxnSpPr>
+          <p:cNvPr id="62" name="Conector recto de flecha 61">
+            <a:extLst>
+              <a:ext uri="{FF2B5EF4-FFF2-40B4-BE49-F238E27FC236}">
+                <a16:creationId xmlns:a16="http://schemas.microsoft.com/office/drawing/2014/main" id="{C5E3368B-B9A1-4B5E-9493-90814D77CEC2}"/>
+              </a:ext>
+            </a:extLst>
+          </p:cNvPr>
+          <p:cNvCxnSpPr>
+            <a:cxnSpLocks/>
+          </p:cNvCxnSpPr>
+          <p:nvPr/>
+        </p:nvCxnSpPr>
+        <p:spPr>
+          <a:xfrm>
+            <a:off x="5009533" y="4332423"/>
+            <a:ext cx="1649458" cy="12333"/>
+          </a:xfrm>
+          <a:prstGeom prst="straightConnector1">
+            <a:avLst/>
+          </a:prstGeom>
+          <a:ln>
+            <a:solidFill>
+              <a:schemeClr val="tx1"/>
+            </a:solidFill>
+            <a:tailEnd type="triangle"/>
+          </a:ln>
+        </p:spPr>
+        <p:style>
+          <a:lnRef idx="1">
+            <a:schemeClr val="accent1"/>
+          </a:lnRef>
+          <a:fillRef idx="0">
+            <a:schemeClr val="accent1"/>
+          </a:fillRef>
+          <a:effectRef idx="0">
+            <a:schemeClr val="accent1"/>
+          </a:effectRef>
+          <a:fontRef idx="minor">
+            <a:schemeClr val="tx1"/>
+          </a:fontRef>
+        </p:style>
+      </p:cxnSp>
+      <p:sp>
+        <p:nvSpPr>
+          <p:cNvPr id="57" name="CuadroTexto 56">
+            <a:extLst>
+              <a:ext uri="{FF2B5EF4-FFF2-40B4-BE49-F238E27FC236}">
+                <a16:creationId xmlns:a16="http://schemas.microsoft.com/office/drawing/2014/main" id="{ACD1301E-EEAA-448F-918E-B6385ABF0081}"/>
+              </a:ext>
+            </a:extLst>
+          </p:cNvPr>
+          <p:cNvSpPr txBox="1"/>
+          <p:nvPr/>
+        </p:nvSpPr>
+        <p:spPr>
+          <a:xfrm>
+            <a:off x="5060385" y="3815407"/>
+            <a:ext cx="1761443" cy="369332"/>
+          </a:xfrm>
+          <a:prstGeom prst="rect">
+            <a:avLst/>
+          </a:prstGeom>
+          <a:noFill/>
+        </p:spPr>
+        <p:txBody>
+          <a:bodyPr wrap="square" rtlCol="0">
+            <a:spAutoFit/>
+          </a:bodyPr>
+          <a:lstStyle/>
+          <a:p>
+            <a:r>
+              <a:rPr lang="es-AR" dirty="0"/>
+              <a:t>3. </a:t>
+            </a:r>
+            <a:r>
+              <a:rPr lang="es-AR" dirty="0" err="1"/>
+              <a:t>Get</a:t>
+            </a:r>
+            <a:r>
+              <a:rPr lang="es-AR" dirty="0"/>
+              <a:t> Repo</a:t>
+            </a:r>
+          </a:p>
+        </p:txBody>
+      </p:sp>
+    </p:spTree>
+    <p:extLst>
+      <p:ext uri="{BB962C8B-B14F-4D97-AF65-F5344CB8AC3E}">
+        <p14:creationId xmlns:p14="http://schemas.microsoft.com/office/powerpoint/2010/main" val="1800866393"/>
+      </p:ext>
+    </p:extLst>
+  </p:cSld>
+  <p:clrMapOvr>
+    <a:masterClrMapping/>
+  </p:clrMapOvr>
+</p:sld>
+</file>
+
+<file path=ppt/slides/slide5.xml><?xml version="1.0" encoding="utf-8"?>
+<p:sld xmlns:a="http://schemas.openxmlformats.org/drawingml/2006/main" xmlns:r="http://schemas.openxmlformats.org/officeDocument/2006/relationships" xmlns:p="http://schemas.openxmlformats.org/presentationml/2006/main">
+  <p:cSld>
+    <p:spTree>
+      <p:nvGrpSpPr>
+        <p:cNvPr id="1" name=""/>
+        <p:cNvGrpSpPr/>
+        <p:nvPr/>
+      </p:nvGrpSpPr>
+      <p:grpSpPr>
+        <a:xfrm>
+          <a:off x="0" y="0"/>
+          <a:ext cx="0" cy="0"/>
+          <a:chOff x="0" y="0"/>
+          <a:chExt cx="0" cy="0"/>
+        </a:xfrm>
+      </p:grpSpPr>
+      <p:grpSp>
+        <p:nvGrpSpPr>
+          <p:cNvPr id="16" name="Grupo 15">
+            <a:extLst>
+              <a:ext uri="{FF2B5EF4-FFF2-40B4-BE49-F238E27FC236}">
+                <a16:creationId xmlns:a16="http://schemas.microsoft.com/office/drawing/2014/main" id="{57369D0D-A6E8-4889-923C-ABF09BDAC3F4}"/>
+              </a:ext>
+            </a:extLst>
+          </p:cNvPr>
+          <p:cNvGrpSpPr/>
+          <p:nvPr/>
+        </p:nvGrpSpPr>
+        <p:grpSpPr>
+          <a:xfrm>
+            <a:off x="3332623" y="2480505"/>
+            <a:ext cx="1340652" cy="1340652"/>
+            <a:chOff x="4902241" y="2303696"/>
+            <a:chExt cx="1340652" cy="1340652"/>
+          </a:xfrm>
+        </p:grpSpPr>
+        <p:pic>
+          <p:nvPicPr>
+            <p:cNvPr id="5" name="Picture 51" descr="Data Server Icon of Isometric style - Available in SVG, PNG, EPS ...">
+              <a:extLst>
+                <a:ext uri="{FF2B5EF4-FFF2-40B4-BE49-F238E27FC236}">
+                  <a16:creationId xmlns:a16="http://schemas.microsoft.com/office/drawing/2014/main" id="{C3A14E3B-958D-49CE-86CA-3BFF7E93A661}"/>
+                </a:ext>
+              </a:extLst>
+            </p:cNvPr>
+            <p:cNvPicPr>
+              <a:picLocks noChangeAspect="1" noChangeArrowheads="1"/>
+            </p:cNvPicPr>
+            <p:nvPr/>
+          </p:nvPicPr>
+          <p:blipFill>
+            <a:blip r:embed="rId2">
+              <a:extLst>
+                <a:ext uri="{28A0092B-C50C-407E-A947-70E740481C1C}">
+                  <a14:useLocalDpi xmlns:a14="http://schemas.microsoft.com/office/drawing/2010/main" val="0"/>
+                </a:ext>
+              </a:extLst>
+            </a:blip>
+            <a:srcRect/>
+            <a:stretch>
+              <a:fillRect/>
+            </a:stretch>
+          </p:blipFill>
+          <p:spPr bwMode="auto">
+            <a:xfrm>
+              <a:off x="4902241" y="2303696"/>
+              <a:ext cx="1340652" cy="1340652"/>
+            </a:xfrm>
+            <a:prstGeom prst="rect">
+              <a:avLst/>
+            </a:prstGeom>
+            <a:noFill/>
+            <a:extLst>
+              <a:ext uri="{909E8E84-426E-40DD-AFC4-6F175D3DCCD1}">
+                <a14:hiddenFill xmlns:a14="http://schemas.microsoft.com/office/drawing/2010/main">
+                  <a:solidFill>
+                    <a:srgbClr val="FFFFFF"/>
+                  </a:solidFill>
+                </a14:hiddenFill>
+              </a:ext>
+            </a:extLst>
+          </p:spPr>
+        </p:pic>
+        <p:pic>
+          <p:nvPicPr>
+            <p:cNvPr id="7" name="Picture 15">
+              <a:extLst>
+                <a:ext uri="{FF2B5EF4-FFF2-40B4-BE49-F238E27FC236}">
+                  <a16:creationId xmlns:a16="http://schemas.microsoft.com/office/drawing/2014/main" id="{9A0E11CE-1E73-43AF-9000-905480AB402C}"/>
+                </a:ext>
+              </a:extLst>
+            </p:cNvPr>
+            <p:cNvPicPr>
+              <a:picLocks noChangeAspect="1" noChangeArrowheads="1"/>
+            </p:cNvPicPr>
+            <p:nvPr/>
+          </p:nvPicPr>
+          <p:blipFill>
+            <a:blip r:embed="rId3">
+              <a:extLst>
+                <a:ext uri="{28A0092B-C50C-407E-A947-70E740481C1C}">
+                  <a14:useLocalDpi xmlns:a14="http://schemas.microsoft.com/office/drawing/2010/main" val="0"/>
+                </a:ext>
+              </a:extLst>
+            </a:blip>
+            <a:srcRect/>
+            <a:stretch>
+              <a:fillRect/>
+            </a:stretch>
+          </p:blipFill>
+          <p:spPr bwMode="auto">
+            <a:xfrm>
+              <a:off x="5097664" y="2561707"/>
+              <a:ext cx="1145229" cy="824630"/>
+            </a:xfrm>
+            <a:prstGeom prst="rect">
+              <a:avLst/>
+            </a:prstGeom>
+            <a:noFill/>
+            <a:ln>
+              <a:noFill/>
+            </a:ln>
+            <a:effectLst/>
+            <a:extLst>
+              <a:ext uri="{909E8E84-426E-40DD-AFC4-6F175D3DCCD1}">
+                <a14:hiddenFill xmlns:a14="http://schemas.microsoft.com/office/drawing/2010/main">
+                  <a:solidFill>
+                    <a:srgbClr val="5B9BD5"/>
+                  </a:solidFill>
+                </a14:hiddenFill>
+              </a:ext>
+              <a:ext uri="{91240B29-F687-4F45-9708-019B960494DF}">
+                <a14:hiddenLine xmlns:a14="http://schemas.microsoft.com/office/drawing/2010/main" w="25400" algn="ctr">
+                  <a:solidFill>
+                    <a:srgbClr val="000000"/>
+                  </a:solidFill>
+                  <a:miter lim="800000"/>
+                  <a:headEnd/>
+                  <a:tailEnd/>
+                </a14:hiddenLine>
+              </a:ext>
+              <a:ext uri="{AF507438-7753-43E0-B8FC-AC1667EBCBE1}">
+                <a14:hiddenEffects xmlns:a14="http://schemas.microsoft.com/office/drawing/2010/main">
+                  <a:effectLst>
+                    <a:outerShdw dist="35921" dir="2700000" algn="ctr" rotWithShape="0">
+                      <a:srgbClr val="000000"/>
+                    </a:outerShdw>
+                  </a:effectLst>
+                </a14:hiddenEffects>
+              </a:ext>
+            </a:extLst>
+          </p:spPr>
+        </p:pic>
+      </p:grpSp>
+      <p:sp>
+        <p:nvSpPr>
+          <p:cNvPr id="29" name="CuadroTexto 28">
+            <a:extLst>
+              <a:ext uri="{FF2B5EF4-FFF2-40B4-BE49-F238E27FC236}">
+                <a16:creationId xmlns:a16="http://schemas.microsoft.com/office/drawing/2014/main" id="{2F18DCC2-B4B4-461C-8FAD-70621D0F1ADE}"/>
+              </a:ext>
+            </a:extLst>
+          </p:cNvPr>
+          <p:cNvSpPr txBox="1"/>
+          <p:nvPr/>
+        </p:nvSpPr>
+        <p:spPr>
+          <a:xfrm>
+            <a:off x="5326157" y="2993408"/>
+            <a:ext cx="2045575" cy="369332"/>
+          </a:xfrm>
+          <a:prstGeom prst="rect">
+            <a:avLst/>
+          </a:prstGeom>
+          <a:noFill/>
+        </p:spPr>
+        <p:txBody>
+          <a:bodyPr wrap="square" rtlCol="0">
+            <a:spAutoFit/>
+          </a:bodyPr>
+          <a:lstStyle/>
+          <a:p>
+            <a:r>
+              <a:rPr lang="es-AR" dirty="0"/>
+              <a:t>2. Build</a:t>
+            </a:r>
+          </a:p>
+        </p:txBody>
+      </p:sp>
+      <p:sp>
+        <p:nvSpPr>
+          <p:cNvPr id="30" name="CuadroTexto 29">
+            <a:extLst>
+              <a:ext uri="{FF2B5EF4-FFF2-40B4-BE49-F238E27FC236}">
+                <a16:creationId xmlns:a16="http://schemas.microsoft.com/office/drawing/2014/main" id="{BC3B49BD-23ED-4AD2-B170-8F3EFB776A85}"/>
+              </a:ext>
+            </a:extLst>
+          </p:cNvPr>
+          <p:cNvSpPr txBox="1"/>
+          <p:nvPr/>
+        </p:nvSpPr>
+        <p:spPr>
+          <a:xfrm>
+            <a:off x="5290257" y="2129357"/>
+            <a:ext cx="1910038" cy="369332"/>
+          </a:xfrm>
+          <a:prstGeom prst="rect">
+            <a:avLst/>
+          </a:prstGeom>
+          <a:noFill/>
+        </p:spPr>
+        <p:txBody>
+          <a:bodyPr wrap="square" rtlCol="0">
+            <a:spAutoFit/>
+          </a:bodyPr>
+          <a:lstStyle/>
+          <a:p>
+            <a:r>
+              <a:rPr lang="es-AR" dirty="0"/>
+              <a:t>1. Deploy </a:t>
+            </a:r>
+            <a:r>
+              <a:rPr lang="es-AR" dirty="0" err="1"/>
+              <a:t>SAST</a:t>
+            </a:r>
+            <a:endParaRPr lang="es-AR" dirty="0"/>
+          </a:p>
+        </p:txBody>
+      </p:sp>
+      <p:cxnSp>
+        <p:nvCxnSpPr>
+          <p:cNvPr id="62" name="Conector recto de flecha 61">
+            <a:extLst>
+              <a:ext uri="{FF2B5EF4-FFF2-40B4-BE49-F238E27FC236}">
+                <a16:creationId xmlns:a16="http://schemas.microsoft.com/office/drawing/2014/main" id="{C5E3368B-B9A1-4B5E-9493-90814D77CEC2}"/>
+              </a:ext>
+            </a:extLst>
+          </p:cNvPr>
+          <p:cNvCxnSpPr>
+            <a:cxnSpLocks/>
+          </p:cNvCxnSpPr>
+          <p:nvPr/>
+        </p:nvCxnSpPr>
+        <p:spPr>
+          <a:xfrm flipV="1">
+            <a:off x="5348662" y="4197843"/>
+            <a:ext cx="1784901" cy="17278"/>
+          </a:xfrm>
+          <a:prstGeom prst="straightConnector1">
+            <a:avLst/>
+          </a:prstGeom>
+          <a:ln>
+            <a:solidFill>
+              <a:srgbClr val="FF0000"/>
+            </a:solidFill>
+            <a:tailEnd type="triangle"/>
+          </a:ln>
+        </p:spPr>
+        <p:style>
+          <a:lnRef idx="1">
+            <a:schemeClr val="accent1"/>
+          </a:lnRef>
+          <a:fillRef idx="0">
+            <a:schemeClr val="accent1"/>
+          </a:fillRef>
+          <a:effectRef idx="0">
+            <a:schemeClr val="accent1"/>
+          </a:effectRef>
+          <a:fontRef idx="minor">
+            <a:schemeClr val="tx1"/>
+          </a:fontRef>
+        </p:style>
+      </p:cxnSp>
+      <p:sp>
+        <p:nvSpPr>
+          <p:cNvPr id="57" name="CuadroTexto 56">
+            <a:extLst>
+              <a:ext uri="{FF2B5EF4-FFF2-40B4-BE49-F238E27FC236}">
+                <a16:creationId xmlns:a16="http://schemas.microsoft.com/office/drawing/2014/main" id="{ACD1301E-EEAA-448F-918E-B6385ABF0081}"/>
+              </a:ext>
+            </a:extLst>
+          </p:cNvPr>
+          <p:cNvSpPr txBox="1"/>
+          <p:nvPr/>
+        </p:nvSpPr>
+        <p:spPr>
+          <a:xfrm>
+            <a:off x="5312377" y="3523006"/>
+            <a:ext cx="1883755" cy="369332"/>
+          </a:xfrm>
+          <a:prstGeom prst="rect">
+            <a:avLst/>
+          </a:prstGeom>
+          <a:noFill/>
+        </p:spPr>
+        <p:txBody>
+          <a:bodyPr wrap="square" rtlCol="0">
+            <a:spAutoFit/>
+          </a:bodyPr>
+          <a:lstStyle/>
+          <a:p>
+            <a:r>
+              <a:rPr lang="es-AR" dirty="0">
+                <a:solidFill>
+                  <a:srgbClr val="FF0000"/>
+                </a:solidFill>
+              </a:rPr>
+              <a:t>3. Deploy App</a:t>
+            </a:r>
+          </a:p>
+        </p:txBody>
+      </p:sp>
+      <p:grpSp>
+        <p:nvGrpSpPr>
+          <p:cNvPr id="17" name="Grupo 16">
+            <a:extLst>
+              <a:ext uri="{FF2B5EF4-FFF2-40B4-BE49-F238E27FC236}">
+                <a16:creationId xmlns:a16="http://schemas.microsoft.com/office/drawing/2014/main" id="{8CDBADBE-9240-4A90-B880-B59F32793DC8}"/>
+              </a:ext>
+            </a:extLst>
+          </p:cNvPr>
+          <p:cNvGrpSpPr/>
+          <p:nvPr/>
+        </p:nvGrpSpPr>
+        <p:grpSpPr>
+          <a:xfrm>
+            <a:off x="7196132" y="3495261"/>
+            <a:ext cx="1239335" cy="1147031"/>
+            <a:chOff x="7850946" y="4338516"/>
+            <a:chExt cx="1906002" cy="1906002"/>
+          </a:xfrm>
+        </p:grpSpPr>
+        <p:pic>
+          <p:nvPicPr>
+            <p:cNvPr id="18" name="Picture 51" descr="Data Server Icon of Isometric style - Available in SVG, PNG, EPS ...">
+              <a:extLst>
+                <a:ext uri="{FF2B5EF4-FFF2-40B4-BE49-F238E27FC236}">
+                  <a16:creationId xmlns:a16="http://schemas.microsoft.com/office/drawing/2014/main" id="{555E5042-7B83-41A2-81F7-029D7E70E266}"/>
+                </a:ext>
+              </a:extLst>
+            </p:cNvPr>
+            <p:cNvPicPr>
+              <a:picLocks noChangeAspect="1" noChangeArrowheads="1"/>
+            </p:cNvPicPr>
+            <p:nvPr/>
+          </p:nvPicPr>
+          <p:blipFill>
+            <a:blip r:embed="rId2">
+              <a:extLst>
+                <a:ext uri="{28A0092B-C50C-407E-A947-70E740481C1C}">
+                  <a14:useLocalDpi xmlns:a14="http://schemas.microsoft.com/office/drawing/2010/main" val="0"/>
+                </a:ext>
+              </a:extLst>
+            </a:blip>
+            <a:srcRect/>
+            <a:stretch>
+              <a:fillRect/>
+            </a:stretch>
+          </p:blipFill>
+          <p:spPr bwMode="auto">
+            <a:xfrm>
+              <a:off x="7850946" y="4338516"/>
+              <a:ext cx="1906002" cy="1906002"/>
+            </a:xfrm>
+            <a:prstGeom prst="rect">
+              <a:avLst/>
+            </a:prstGeom>
+            <a:noFill/>
+            <a:extLst>
+              <a:ext uri="{909E8E84-426E-40DD-AFC4-6F175D3DCCD1}">
+                <a14:hiddenFill xmlns:a14="http://schemas.microsoft.com/office/drawing/2010/main">
+                  <a:solidFill>
+                    <a:srgbClr val="FFFFFF"/>
+                  </a:solidFill>
+                </a14:hiddenFill>
+              </a:ext>
+            </a:extLst>
+          </p:spPr>
+        </p:pic>
+        <p:grpSp>
+          <p:nvGrpSpPr>
+            <p:cNvPr id="19" name="Grupo 18">
+              <a:extLst>
+                <a:ext uri="{FF2B5EF4-FFF2-40B4-BE49-F238E27FC236}">
+                  <a16:creationId xmlns:a16="http://schemas.microsoft.com/office/drawing/2014/main" id="{D3634BAB-B1B3-442E-B899-9A078E362F99}"/>
+                </a:ext>
+              </a:extLst>
+            </p:cNvPr>
+            <p:cNvGrpSpPr/>
+            <p:nvPr/>
+          </p:nvGrpSpPr>
+          <p:grpSpPr>
+            <a:xfrm>
+              <a:off x="8017415" y="4756541"/>
+              <a:ext cx="1351669" cy="1310965"/>
+              <a:chOff x="9699813" y="3155636"/>
+              <a:chExt cx="1460305" cy="1602827"/>
+            </a:xfrm>
+          </p:grpSpPr>
+          <p:pic>
+            <p:nvPicPr>
+              <p:cNvPr id="20" name="Picture 41" descr="Kubernetes - Wikipedia">
+                <a:extLst>
+                  <a:ext uri="{FF2B5EF4-FFF2-40B4-BE49-F238E27FC236}">
+                    <a16:creationId xmlns:a16="http://schemas.microsoft.com/office/drawing/2014/main" id="{68FD6AF5-FAED-474C-A740-A63747FC2D49}"/>
+                  </a:ext>
+                </a:extLst>
+              </p:cNvPr>
+              <p:cNvPicPr>
+                <a:picLocks noChangeAspect="1" noChangeArrowheads="1"/>
+              </p:cNvPicPr>
+              <p:nvPr/>
+            </p:nvPicPr>
+            <p:blipFill>
+              <a:blip r:embed="rId4">
+                <a:extLst>
+                  <a:ext uri="{28A0092B-C50C-407E-A947-70E740481C1C}">
+                    <a14:useLocalDpi xmlns:a14="http://schemas.microsoft.com/office/drawing/2010/main" val="0"/>
+                  </a:ext>
+                </a:extLst>
+              </a:blip>
+              <a:srcRect/>
+              <a:stretch>
+                <a:fillRect/>
+              </a:stretch>
+            </p:blipFill>
+            <p:spPr bwMode="auto">
+              <a:xfrm>
+                <a:off x="10408264" y="3155636"/>
+                <a:ext cx="751854" cy="729891"/>
+              </a:xfrm>
+              <a:prstGeom prst="rect">
+                <a:avLst/>
+              </a:prstGeom>
+              <a:noFill/>
+              <a:extLst>
+                <a:ext uri="{909E8E84-426E-40DD-AFC4-6F175D3DCCD1}">
+                  <a14:hiddenFill xmlns:a14="http://schemas.microsoft.com/office/drawing/2010/main">
+                    <a:solidFill>
+                      <a:srgbClr val="FFFFFF"/>
+                    </a:solidFill>
+                  </a14:hiddenFill>
+                </a:ext>
+              </a:extLst>
+            </p:spPr>
+          </p:pic>
+          <p:pic>
+            <p:nvPicPr>
+              <p:cNvPr id="21" name="Picture 23">
+                <a:extLst>
+                  <a:ext uri="{FF2B5EF4-FFF2-40B4-BE49-F238E27FC236}">
+                    <a16:creationId xmlns:a16="http://schemas.microsoft.com/office/drawing/2014/main" id="{C7843288-E4F0-428D-AD20-AB92F308850B}"/>
+                  </a:ext>
+                </a:extLst>
+              </p:cNvPr>
+              <p:cNvPicPr>
+                <a:picLocks noChangeAspect="1" noChangeArrowheads="1"/>
+              </p:cNvPicPr>
+              <p:nvPr/>
+            </p:nvPicPr>
+            <p:blipFill>
+              <a:blip r:embed="rId5">
+                <a:extLst>
+                  <a:ext uri="{28A0092B-C50C-407E-A947-70E740481C1C}">
+                    <a14:useLocalDpi xmlns:a14="http://schemas.microsoft.com/office/drawing/2010/main" val="0"/>
+                  </a:ext>
+                </a:extLst>
+              </a:blip>
+              <a:srcRect/>
+              <a:stretch>
+                <a:fillRect/>
+              </a:stretch>
+            </p:blipFill>
+            <p:spPr bwMode="auto">
+              <a:xfrm>
+                <a:off x="9699813" y="3826529"/>
+                <a:ext cx="1011887" cy="931934"/>
+              </a:xfrm>
+              <a:prstGeom prst="rect">
+                <a:avLst/>
+              </a:prstGeom>
+              <a:noFill/>
+              <a:ln>
+                <a:noFill/>
+              </a:ln>
+              <a:effectLst/>
+              <a:extLst>
+                <a:ext uri="{909E8E84-426E-40DD-AFC4-6F175D3DCCD1}">
+                  <a14:hiddenFill xmlns:a14="http://schemas.microsoft.com/office/drawing/2010/main">
+                    <a:solidFill>
+                      <a:srgbClr val="5B9BD5"/>
+                    </a:solidFill>
+                  </a14:hiddenFill>
+                </a:ext>
+                <a:ext uri="{91240B29-F687-4F45-9708-019B960494DF}">
+                  <a14:hiddenLine xmlns:a14="http://schemas.microsoft.com/office/drawing/2010/main" w="25400" algn="ctr">
+                    <a:solidFill>
+                      <a:srgbClr val="000000"/>
+                    </a:solidFill>
+                    <a:miter lim="800000"/>
+                    <a:headEnd/>
+                    <a:tailEnd/>
+                  </a14:hiddenLine>
+                </a:ext>
+                <a:ext uri="{AF507438-7753-43E0-B8FC-AC1667EBCBE1}">
+                  <a14:hiddenEffects xmlns:a14="http://schemas.microsoft.com/office/drawing/2010/main">
+                    <a:effectLst>
+                      <a:outerShdw dist="35921" dir="2700000" algn="ctr" rotWithShape="0">
+                        <a:srgbClr val="000000"/>
+                      </a:outerShdw>
+                    </a:effectLst>
+                  </a14:hiddenEffects>
+                </a:ext>
+              </a:extLst>
+            </p:spPr>
+          </p:pic>
+        </p:grpSp>
+      </p:grpSp>
+      <p:grpSp>
+        <p:nvGrpSpPr>
+          <p:cNvPr id="22" name="Grupo 21">
+            <a:extLst>
+              <a:ext uri="{FF2B5EF4-FFF2-40B4-BE49-F238E27FC236}">
+                <a16:creationId xmlns:a16="http://schemas.microsoft.com/office/drawing/2014/main" id="{651DF7D7-A196-4666-8B56-C90FA15C6620}"/>
+              </a:ext>
+            </a:extLst>
+          </p:cNvPr>
+          <p:cNvGrpSpPr/>
+          <p:nvPr/>
+        </p:nvGrpSpPr>
+        <p:grpSpPr>
+          <a:xfrm>
+            <a:off x="7180253" y="1745160"/>
+            <a:ext cx="1239335" cy="1211025"/>
+            <a:chOff x="10035407" y="4234213"/>
+            <a:chExt cx="1906002" cy="2012339"/>
+          </a:xfrm>
+        </p:grpSpPr>
+        <p:pic>
+          <p:nvPicPr>
+            <p:cNvPr id="24" name="Picture 51" descr="Data Server Icon of Isometric style - Available in SVG, PNG, EPS ...">
+              <a:extLst>
+                <a:ext uri="{FF2B5EF4-FFF2-40B4-BE49-F238E27FC236}">
+                  <a16:creationId xmlns:a16="http://schemas.microsoft.com/office/drawing/2014/main" id="{006229D5-B524-454E-AB84-5B1011507EAD}"/>
+                </a:ext>
+              </a:extLst>
+            </p:cNvPr>
+            <p:cNvPicPr>
+              <a:picLocks noChangeAspect="1" noChangeArrowheads="1"/>
+            </p:cNvPicPr>
+            <p:nvPr/>
+          </p:nvPicPr>
+          <p:blipFill>
+            <a:blip r:embed="rId2">
+              <a:extLst>
+                <a:ext uri="{28A0092B-C50C-407E-A947-70E740481C1C}">
+                  <a14:useLocalDpi xmlns:a14="http://schemas.microsoft.com/office/drawing/2010/main" val="0"/>
+                </a:ext>
+              </a:extLst>
+            </a:blip>
+            <a:srcRect/>
+            <a:stretch>
+              <a:fillRect/>
+            </a:stretch>
+          </p:blipFill>
+          <p:spPr bwMode="auto">
+            <a:xfrm>
+              <a:off x="10035407" y="4234213"/>
+              <a:ext cx="1906002" cy="1906002"/>
+            </a:xfrm>
+            <a:prstGeom prst="rect">
+              <a:avLst/>
+            </a:prstGeom>
+            <a:noFill/>
+            <a:extLst>
+              <a:ext uri="{909E8E84-426E-40DD-AFC4-6F175D3DCCD1}">
+                <a14:hiddenFill xmlns:a14="http://schemas.microsoft.com/office/drawing/2010/main">
+                  <a:solidFill>
+                    <a:srgbClr val="FFFFFF"/>
+                  </a:solidFill>
+                </a14:hiddenFill>
+              </a:ext>
+            </a:extLst>
+          </p:spPr>
+        </p:pic>
+        <p:pic>
+          <p:nvPicPr>
+            <p:cNvPr id="25" name="Picture 3">
+              <a:extLst>
+                <a:ext uri="{FF2B5EF4-FFF2-40B4-BE49-F238E27FC236}">
+                  <a16:creationId xmlns:a16="http://schemas.microsoft.com/office/drawing/2014/main" id="{75DACB03-2A54-44B5-8809-253DDA8037DB}"/>
+                </a:ext>
+              </a:extLst>
+            </p:cNvPr>
+            <p:cNvPicPr>
+              <a:picLocks noChangeAspect="1" noChangeArrowheads="1"/>
+            </p:cNvPicPr>
+            <p:nvPr/>
+          </p:nvPicPr>
+          <p:blipFill rotWithShape="1">
+            <a:blip r:embed="rId6">
+              <a:extLst>
+                <a:ext uri="{28A0092B-C50C-407E-A947-70E740481C1C}">
+                  <a14:useLocalDpi xmlns:a14="http://schemas.microsoft.com/office/drawing/2010/main" val="0"/>
+                </a:ext>
+              </a:extLst>
+            </a:blip>
+            <a:srcRect r="68528"/>
+            <a:stretch/>
+          </p:blipFill>
+          <p:spPr bwMode="auto">
+            <a:xfrm>
+              <a:off x="10344215" y="5597433"/>
+              <a:ext cx="597356" cy="572249"/>
+            </a:xfrm>
+            <a:prstGeom prst="rect">
+              <a:avLst/>
+            </a:prstGeom>
+            <a:noFill/>
+            <a:ln>
+              <a:noFill/>
+            </a:ln>
+            <a:effectLst/>
+            <a:extLst>
+              <a:ext uri="{909E8E84-426E-40DD-AFC4-6F175D3DCCD1}">
+                <a14:hiddenFill xmlns:a14="http://schemas.microsoft.com/office/drawing/2010/main">
+                  <a:solidFill>
+                    <a:srgbClr val="5B9BD5"/>
+                  </a:solidFill>
+                </a14:hiddenFill>
+              </a:ext>
+              <a:ext uri="{91240B29-F687-4F45-9708-019B960494DF}">
+                <a14:hiddenLine xmlns:a14="http://schemas.microsoft.com/office/drawing/2010/main" w="25400" algn="ctr">
+                  <a:solidFill>
+                    <a:srgbClr val="000000"/>
+                  </a:solidFill>
+                  <a:miter lim="800000"/>
+                  <a:headEnd/>
+                  <a:tailEnd/>
+                </a14:hiddenLine>
+              </a:ext>
+              <a:ext uri="{AF507438-7753-43E0-B8FC-AC1667EBCBE1}">
+                <a14:hiddenEffects xmlns:a14="http://schemas.microsoft.com/office/drawing/2010/main">
+                  <a:effectLst>
+                    <a:outerShdw dist="35921" dir="2700000" algn="ctr" rotWithShape="0">
+                      <a:srgbClr val="000000"/>
+                    </a:outerShdw>
+                  </a:effectLst>
+                </a14:hiddenEffects>
+              </a:ext>
+            </a:extLst>
+          </p:spPr>
+        </p:pic>
+        <p:pic>
+          <p:nvPicPr>
+            <p:cNvPr id="31" name="Picture 4">
+              <a:extLst>
+                <a:ext uri="{FF2B5EF4-FFF2-40B4-BE49-F238E27FC236}">
+                  <a16:creationId xmlns:a16="http://schemas.microsoft.com/office/drawing/2014/main" id="{E976DD3C-DD7B-459E-A707-D69D6534402E}"/>
+                </a:ext>
+              </a:extLst>
+            </p:cNvPr>
+            <p:cNvPicPr>
+              <a:picLocks noChangeAspect="1" noChangeArrowheads="1"/>
+            </p:cNvPicPr>
+            <p:nvPr/>
+          </p:nvPicPr>
+          <p:blipFill>
+            <a:blip r:embed="rId7">
+              <a:extLst>
+                <a:ext uri="{28A0092B-C50C-407E-A947-70E740481C1C}">
+                  <a14:useLocalDpi xmlns:a14="http://schemas.microsoft.com/office/drawing/2010/main" val="0"/>
+                </a:ext>
+              </a:extLst>
+            </a:blip>
+            <a:srcRect/>
+            <a:stretch>
+              <a:fillRect/>
+            </a:stretch>
+          </p:blipFill>
+          <p:spPr bwMode="auto">
+            <a:xfrm>
+              <a:off x="10617985" y="4515542"/>
+              <a:ext cx="829692" cy="331664"/>
+            </a:xfrm>
+            <a:prstGeom prst="rect">
+              <a:avLst/>
+            </a:prstGeom>
+            <a:noFill/>
+            <a:ln>
+              <a:noFill/>
+            </a:ln>
+            <a:effectLst/>
+            <a:extLst>
+              <a:ext uri="{909E8E84-426E-40DD-AFC4-6F175D3DCCD1}">
+                <a14:hiddenFill xmlns:a14="http://schemas.microsoft.com/office/drawing/2010/main">
+                  <a:solidFill>
+                    <a:srgbClr val="5B9BD5"/>
+                  </a:solidFill>
+                </a14:hiddenFill>
+              </a:ext>
+              <a:ext uri="{91240B29-F687-4F45-9708-019B960494DF}">
+                <a14:hiddenLine xmlns:a14="http://schemas.microsoft.com/office/drawing/2010/main" w="25400" algn="ctr">
+                  <a:solidFill>
+                    <a:srgbClr val="000000"/>
+                  </a:solidFill>
+                  <a:miter lim="800000"/>
+                  <a:headEnd/>
+                  <a:tailEnd/>
+                </a14:hiddenLine>
+              </a:ext>
+              <a:ext uri="{AF507438-7753-43E0-B8FC-AC1667EBCBE1}">
+                <a14:hiddenEffects xmlns:a14="http://schemas.microsoft.com/office/drawing/2010/main">
+                  <a:effectLst>
+                    <a:outerShdw dist="35921" dir="2700000" algn="ctr" rotWithShape="0">
+                      <a:srgbClr val="000000"/>
+                    </a:outerShdw>
+                  </a:effectLst>
+                </a14:hiddenEffects>
+              </a:ext>
+            </a:extLst>
+          </p:spPr>
+        </p:pic>
+        <p:pic>
+          <p:nvPicPr>
+            <p:cNvPr id="32" name="Picture 5">
+              <a:extLst>
+                <a:ext uri="{FF2B5EF4-FFF2-40B4-BE49-F238E27FC236}">
+                  <a16:creationId xmlns:a16="http://schemas.microsoft.com/office/drawing/2014/main" id="{AC196C6D-6308-469B-9B1C-94DABC88B232}"/>
+                </a:ext>
+              </a:extLst>
+            </p:cNvPr>
+            <p:cNvPicPr>
+              <a:picLocks noChangeAspect="1" noChangeArrowheads="1"/>
+            </p:cNvPicPr>
+            <p:nvPr/>
+          </p:nvPicPr>
+          <p:blipFill>
+            <a:blip r:embed="rId8">
+              <a:extLst>
+                <a:ext uri="{28A0092B-C50C-407E-A947-70E740481C1C}">
+                  <a14:useLocalDpi xmlns:a14="http://schemas.microsoft.com/office/drawing/2010/main" val="0"/>
+                </a:ext>
+              </a:extLst>
+            </a:blip>
+            <a:srcRect/>
+            <a:stretch>
+              <a:fillRect/>
+            </a:stretch>
+          </p:blipFill>
+          <p:spPr bwMode="auto">
+            <a:xfrm>
+              <a:off x="10941571" y="4746274"/>
+              <a:ext cx="682580" cy="649854"/>
+            </a:xfrm>
+            <a:prstGeom prst="rect">
+              <a:avLst/>
+            </a:prstGeom>
+            <a:noFill/>
+            <a:ln>
+              <a:noFill/>
+            </a:ln>
+            <a:effectLst/>
+            <a:extLst>
+              <a:ext uri="{909E8E84-426E-40DD-AFC4-6F175D3DCCD1}">
+                <a14:hiddenFill xmlns:a14="http://schemas.microsoft.com/office/drawing/2010/main">
+                  <a:solidFill>
+                    <a:srgbClr val="5B9BD5"/>
+                  </a:solidFill>
+                </a14:hiddenFill>
+              </a:ext>
+              <a:ext uri="{91240B29-F687-4F45-9708-019B960494DF}">
+                <a14:hiddenLine xmlns:a14="http://schemas.microsoft.com/office/drawing/2010/main" w="25400" algn="ctr">
+                  <a:solidFill>
+                    <a:srgbClr val="000000"/>
+                  </a:solidFill>
+                  <a:miter lim="800000"/>
+                  <a:headEnd/>
+                  <a:tailEnd/>
+                </a14:hiddenLine>
+              </a:ext>
+              <a:ext uri="{AF507438-7753-43E0-B8FC-AC1667EBCBE1}">
+                <a14:hiddenEffects xmlns:a14="http://schemas.microsoft.com/office/drawing/2010/main">
+                  <a:effectLst>
+                    <a:outerShdw dist="35921" dir="2700000" algn="ctr" rotWithShape="0">
+                      <a:srgbClr val="000000"/>
+                    </a:outerShdw>
+                  </a:effectLst>
+                </a14:hiddenEffects>
+              </a:ext>
+            </a:extLst>
+          </p:spPr>
+        </p:pic>
+        <p:pic>
+          <p:nvPicPr>
+            <p:cNvPr id="33" name="Imagen 32">
+              <a:extLst>
+                <a:ext uri="{FF2B5EF4-FFF2-40B4-BE49-F238E27FC236}">
+                  <a16:creationId xmlns:a16="http://schemas.microsoft.com/office/drawing/2014/main" id="{33D75ADB-C98B-420D-8719-1BBA7F657CEA}"/>
+                </a:ext>
+              </a:extLst>
+            </p:cNvPr>
+            <p:cNvPicPr>
+              <a:picLocks noChangeAspect="1"/>
+            </p:cNvPicPr>
+            <p:nvPr/>
+          </p:nvPicPr>
+          <p:blipFill>
+            <a:blip r:embed="rId9"/>
+            <a:stretch>
+              <a:fillRect/>
+            </a:stretch>
+          </p:blipFill>
+          <p:spPr>
+            <a:xfrm>
+              <a:off x="11159271" y="5705788"/>
+              <a:ext cx="564438" cy="540764"/>
+            </a:xfrm>
+            <a:prstGeom prst="rect">
+              <a:avLst/>
+            </a:prstGeom>
+          </p:spPr>
+        </p:pic>
+      </p:grpSp>
+      <p:cxnSp>
+        <p:nvCxnSpPr>
+          <p:cNvPr id="34" name="Conector recto de flecha 33">
+            <a:extLst>
+              <a:ext uri="{FF2B5EF4-FFF2-40B4-BE49-F238E27FC236}">
+                <a16:creationId xmlns:a16="http://schemas.microsoft.com/office/drawing/2014/main" id="{831904F5-A487-4EB6-8AC7-E9AF98F1BE67}"/>
+              </a:ext>
+            </a:extLst>
+          </p:cNvPr>
+          <p:cNvCxnSpPr>
+            <a:cxnSpLocks/>
+          </p:cNvCxnSpPr>
+          <p:nvPr/>
+        </p:nvCxnSpPr>
+        <p:spPr>
+          <a:xfrm>
+            <a:off x="5374885" y="2707183"/>
+            <a:ext cx="1650715" cy="0"/>
+          </a:xfrm>
+          <a:prstGeom prst="straightConnector1">
+            <a:avLst/>
+          </a:prstGeom>
+          <a:ln>
+            <a:solidFill>
+              <a:schemeClr val="tx1"/>
+            </a:solidFill>
+            <a:tailEnd type="triangle"/>
+          </a:ln>
+        </p:spPr>
+        <p:style>
+          <a:lnRef idx="1">
+            <a:schemeClr val="accent1"/>
+          </a:lnRef>
+          <a:fillRef idx="0">
+            <a:schemeClr val="accent1"/>
+          </a:fillRef>
+          <a:effectRef idx="0">
+            <a:schemeClr val="accent1"/>
+          </a:effectRef>
+          <a:fontRef idx="minor">
+            <a:schemeClr val="tx1"/>
+          </a:fontRef>
+        </p:style>
+      </p:cxnSp>
+    </p:spTree>
+    <p:extLst>
+      <p:ext uri="{BB962C8B-B14F-4D97-AF65-F5344CB8AC3E}">
+        <p14:creationId xmlns:p14="http://schemas.microsoft.com/office/powerpoint/2010/main" val="1752508955"/>
+      </p:ext>
+    </p:extLst>
+  </p:cSld>
+  <p:clrMapOvr>
+    <a:masterClrMapping/>
+  </p:clrMapOvr>
+</p:sld>
+</file>
+
+<file path=ppt/slides/slide6.xml><?xml version="1.0" encoding="utf-8"?>
+<p:sld xmlns:a="http://schemas.openxmlformats.org/drawingml/2006/main" xmlns:r="http://schemas.openxmlformats.org/officeDocument/2006/relationships" xmlns:p="http://schemas.openxmlformats.org/presentationml/2006/main">
+  <p:cSld>
+    <p:spTree>
+      <p:nvGrpSpPr>
+        <p:cNvPr id="1" name=""/>
+        <p:cNvGrpSpPr/>
+        <p:nvPr/>
+      </p:nvGrpSpPr>
+      <p:grpSpPr>
+        <a:xfrm>
+          <a:off x="0" y="0"/>
+          <a:ext cx="0" cy="0"/>
+          <a:chOff x="0" y="0"/>
+          <a:chExt cx="0" cy="0"/>
+        </a:xfrm>
+      </p:grpSpPr>
+      <p:grpSp>
+        <p:nvGrpSpPr>
+          <p:cNvPr id="16" name="Grupo 15">
+            <a:extLst>
+              <a:ext uri="{FF2B5EF4-FFF2-40B4-BE49-F238E27FC236}">
+                <a16:creationId xmlns:a16="http://schemas.microsoft.com/office/drawing/2014/main" id="{57369D0D-A6E8-4889-923C-ABF09BDAC3F4}"/>
+              </a:ext>
+            </a:extLst>
+          </p:cNvPr>
+          <p:cNvGrpSpPr/>
+          <p:nvPr/>
+        </p:nvGrpSpPr>
+        <p:grpSpPr>
+          <a:xfrm>
+            <a:off x="3284604" y="2558923"/>
+            <a:ext cx="1340652" cy="1340652"/>
+            <a:chOff x="4902241" y="2303696"/>
+            <a:chExt cx="1340652" cy="1340652"/>
+          </a:xfrm>
+        </p:grpSpPr>
+        <p:pic>
+          <p:nvPicPr>
+            <p:cNvPr id="5" name="Picture 51" descr="Data Server Icon of Isometric style - Available in SVG, PNG, EPS ...">
+              <a:extLst>
+                <a:ext uri="{FF2B5EF4-FFF2-40B4-BE49-F238E27FC236}">
+                  <a16:creationId xmlns:a16="http://schemas.microsoft.com/office/drawing/2014/main" id="{C3A14E3B-958D-49CE-86CA-3BFF7E93A661}"/>
+                </a:ext>
+              </a:extLst>
+            </p:cNvPr>
+            <p:cNvPicPr>
+              <a:picLocks noChangeAspect="1" noChangeArrowheads="1"/>
+            </p:cNvPicPr>
+            <p:nvPr/>
+          </p:nvPicPr>
+          <p:blipFill>
+            <a:blip r:embed="rId2">
+              <a:extLst>
+                <a:ext uri="{28A0092B-C50C-407E-A947-70E740481C1C}">
+                  <a14:useLocalDpi xmlns:a14="http://schemas.microsoft.com/office/drawing/2010/main" val="0"/>
+                </a:ext>
+              </a:extLst>
+            </a:blip>
+            <a:srcRect/>
+            <a:stretch>
+              <a:fillRect/>
+            </a:stretch>
+          </p:blipFill>
+          <p:spPr bwMode="auto">
+            <a:xfrm>
+              <a:off x="4902241" y="2303696"/>
+              <a:ext cx="1340652" cy="1340652"/>
+            </a:xfrm>
+            <a:prstGeom prst="rect">
+              <a:avLst/>
+            </a:prstGeom>
+            <a:noFill/>
+            <a:extLst>
+              <a:ext uri="{909E8E84-426E-40DD-AFC4-6F175D3DCCD1}">
+                <a14:hiddenFill xmlns:a14="http://schemas.microsoft.com/office/drawing/2010/main">
+                  <a:solidFill>
+                    <a:srgbClr val="FFFFFF"/>
+                  </a:solidFill>
+                </a14:hiddenFill>
+              </a:ext>
+            </a:extLst>
+          </p:spPr>
+        </p:pic>
+        <p:pic>
+          <p:nvPicPr>
+            <p:cNvPr id="7" name="Picture 15">
+              <a:extLst>
+                <a:ext uri="{FF2B5EF4-FFF2-40B4-BE49-F238E27FC236}">
+                  <a16:creationId xmlns:a16="http://schemas.microsoft.com/office/drawing/2014/main" id="{9A0E11CE-1E73-43AF-9000-905480AB402C}"/>
+                </a:ext>
+              </a:extLst>
+            </p:cNvPr>
+            <p:cNvPicPr>
+              <a:picLocks noChangeAspect="1" noChangeArrowheads="1"/>
+            </p:cNvPicPr>
+            <p:nvPr/>
+          </p:nvPicPr>
+          <p:blipFill>
+            <a:blip r:embed="rId3">
+              <a:extLst>
+                <a:ext uri="{28A0092B-C50C-407E-A947-70E740481C1C}">
+                  <a14:useLocalDpi xmlns:a14="http://schemas.microsoft.com/office/drawing/2010/main" val="0"/>
+                </a:ext>
+              </a:extLst>
+            </a:blip>
+            <a:srcRect/>
+            <a:stretch>
+              <a:fillRect/>
+            </a:stretch>
+          </p:blipFill>
+          <p:spPr bwMode="auto">
+            <a:xfrm>
+              <a:off x="5097664" y="2561707"/>
+              <a:ext cx="1145229" cy="824630"/>
+            </a:xfrm>
+            <a:prstGeom prst="rect">
+              <a:avLst/>
+            </a:prstGeom>
+            <a:noFill/>
+            <a:ln>
+              <a:noFill/>
+            </a:ln>
+            <a:effectLst/>
+            <a:extLst>
+              <a:ext uri="{909E8E84-426E-40DD-AFC4-6F175D3DCCD1}">
+                <a14:hiddenFill xmlns:a14="http://schemas.microsoft.com/office/drawing/2010/main">
+                  <a:solidFill>
+                    <a:srgbClr val="5B9BD5"/>
+                  </a:solidFill>
+                </a14:hiddenFill>
+              </a:ext>
+              <a:ext uri="{91240B29-F687-4F45-9708-019B960494DF}">
+                <a14:hiddenLine xmlns:a14="http://schemas.microsoft.com/office/drawing/2010/main" w="25400" algn="ctr">
+                  <a:solidFill>
+                    <a:srgbClr val="000000"/>
+                  </a:solidFill>
+                  <a:miter lim="800000"/>
+                  <a:headEnd/>
+                  <a:tailEnd/>
+                </a14:hiddenLine>
+              </a:ext>
+              <a:ext uri="{AF507438-7753-43E0-B8FC-AC1667EBCBE1}">
+                <a14:hiddenEffects xmlns:a14="http://schemas.microsoft.com/office/drawing/2010/main">
+                  <a:effectLst>
+                    <a:outerShdw dist="35921" dir="2700000" algn="ctr" rotWithShape="0">
+                      <a:srgbClr val="000000"/>
+                    </a:outerShdw>
+                  </a:effectLst>
+                </a14:hiddenEffects>
+              </a:ext>
+            </a:extLst>
+          </p:spPr>
+        </p:pic>
+      </p:grpSp>
+      <p:sp>
+        <p:nvSpPr>
+          <p:cNvPr id="30" name="CuadroTexto 29">
+            <a:extLst>
+              <a:ext uri="{FF2B5EF4-FFF2-40B4-BE49-F238E27FC236}">
+                <a16:creationId xmlns:a16="http://schemas.microsoft.com/office/drawing/2014/main" id="{BC3B49BD-23ED-4AD2-B170-8F3EFB776A85}"/>
+              </a:ext>
+            </a:extLst>
+          </p:cNvPr>
+          <p:cNvSpPr txBox="1"/>
+          <p:nvPr/>
+        </p:nvSpPr>
+        <p:spPr>
+          <a:xfrm>
+            <a:off x="5041631" y="1920829"/>
+            <a:ext cx="1910038" cy="369332"/>
+          </a:xfrm>
+          <a:prstGeom prst="rect">
+            <a:avLst/>
+          </a:prstGeom>
+          <a:noFill/>
+        </p:spPr>
+        <p:txBody>
+          <a:bodyPr wrap="square" rtlCol="0">
+            <a:spAutoFit/>
+          </a:bodyPr>
+          <a:lstStyle/>
+          <a:p>
+            <a:r>
+              <a:rPr lang="es-AR" dirty="0"/>
+              <a:t>1. Do </a:t>
+            </a:r>
+            <a:r>
+              <a:rPr lang="es-AR" dirty="0" err="1"/>
+              <a:t>SAST</a:t>
+            </a:r>
+            <a:endParaRPr lang="es-AR" dirty="0"/>
+          </a:p>
+        </p:txBody>
+      </p:sp>
+      <p:grpSp>
+        <p:nvGrpSpPr>
+          <p:cNvPr id="22" name="Grupo 21">
+            <a:extLst>
+              <a:ext uri="{FF2B5EF4-FFF2-40B4-BE49-F238E27FC236}">
+                <a16:creationId xmlns:a16="http://schemas.microsoft.com/office/drawing/2014/main" id="{651DF7D7-A196-4666-8B56-C90FA15C6620}"/>
+              </a:ext>
+            </a:extLst>
+          </p:cNvPr>
+          <p:cNvGrpSpPr/>
+          <p:nvPr/>
+        </p:nvGrpSpPr>
+        <p:grpSpPr>
+          <a:xfrm>
+            <a:off x="7420610" y="2492947"/>
+            <a:ext cx="1239335" cy="1211025"/>
+            <a:chOff x="10035407" y="4234213"/>
+            <a:chExt cx="1906002" cy="2012339"/>
+          </a:xfrm>
+        </p:grpSpPr>
+        <p:pic>
+          <p:nvPicPr>
+            <p:cNvPr id="24" name="Picture 51" descr="Data Server Icon of Isometric style - Available in SVG, PNG, EPS ...">
+              <a:extLst>
+                <a:ext uri="{FF2B5EF4-FFF2-40B4-BE49-F238E27FC236}">
+                  <a16:creationId xmlns:a16="http://schemas.microsoft.com/office/drawing/2014/main" id="{006229D5-B524-454E-AB84-5B1011507EAD}"/>
+                </a:ext>
+              </a:extLst>
+            </p:cNvPr>
+            <p:cNvPicPr>
+              <a:picLocks noChangeAspect="1" noChangeArrowheads="1"/>
+            </p:cNvPicPr>
+            <p:nvPr/>
+          </p:nvPicPr>
+          <p:blipFill>
+            <a:blip r:embed="rId2">
+              <a:extLst>
+                <a:ext uri="{28A0092B-C50C-407E-A947-70E740481C1C}">
+                  <a14:useLocalDpi xmlns:a14="http://schemas.microsoft.com/office/drawing/2010/main" val="0"/>
+                </a:ext>
+              </a:extLst>
+            </a:blip>
+            <a:srcRect/>
+            <a:stretch>
+              <a:fillRect/>
+            </a:stretch>
+          </p:blipFill>
+          <p:spPr bwMode="auto">
+            <a:xfrm>
+              <a:off x="10035407" y="4234213"/>
+              <a:ext cx="1906002" cy="1906002"/>
+            </a:xfrm>
+            <a:prstGeom prst="rect">
+              <a:avLst/>
+            </a:prstGeom>
+            <a:noFill/>
+            <a:extLst>
+              <a:ext uri="{909E8E84-426E-40DD-AFC4-6F175D3DCCD1}">
+                <a14:hiddenFill xmlns:a14="http://schemas.microsoft.com/office/drawing/2010/main">
+                  <a:solidFill>
+                    <a:srgbClr val="FFFFFF"/>
+                  </a:solidFill>
+                </a14:hiddenFill>
+              </a:ext>
+            </a:extLst>
+          </p:spPr>
+        </p:pic>
+        <p:pic>
+          <p:nvPicPr>
+            <p:cNvPr id="25" name="Picture 3">
+              <a:extLst>
+                <a:ext uri="{FF2B5EF4-FFF2-40B4-BE49-F238E27FC236}">
+                  <a16:creationId xmlns:a16="http://schemas.microsoft.com/office/drawing/2014/main" id="{75DACB03-2A54-44B5-8809-253DDA8037DB}"/>
+                </a:ext>
+              </a:extLst>
+            </p:cNvPr>
+            <p:cNvPicPr>
+              <a:picLocks noChangeAspect="1" noChangeArrowheads="1"/>
+            </p:cNvPicPr>
+            <p:nvPr/>
+          </p:nvPicPr>
+          <p:blipFill rotWithShape="1">
+            <a:blip r:embed="rId4">
+              <a:extLst>
+                <a:ext uri="{28A0092B-C50C-407E-A947-70E740481C1C}">
+                  <a14:useLocalDpi xmlns:a14="http://schemas.microsoft.com/office/drawing/2010/main" val="0"/>
+                </a:ext>
+              </a:extLst>
+            </a:blip>
+            <a:srcRect r="68528"/>
+            <a:stretch/>
+          </p:blipFill>
+          <p:spPr bwMode="auto">
+            <a:xfrm>
+              <a:off x="10344215" y="5597433"/>
+              <a:ext cx="597356" cy="572249"/>
+            </a:xfrm>
+            <a:prstGeom prst="rect">
+              <a:avLst/>
+            </a:prstGeom>
+            <a:noFill/>
+            <a:ln>
+              <a:noFill/>
+            </a:ln>
+            <a:effectLst/>
+            <a:extLst>
+              <a:ext uri="{909E8E84-426E-40DD-AFC4-6F175D3DCCD1}">
+                <a14:hiddenFill xmlns:a14="http://schemas.microsoft.com/office/drawing/2010/main">
+                  <a:solidFill>
+                    <a:srgbClr val="5B9BD5"/>
+                  </a:solidFill>
+                </a14:hiddenFill>
+              </a:ext>
+              <a:ext uri="{91240B29-F687-4F45-9708-019B960494DF}">
+                <a14:hiddenLine xmlns:a14="http://schemas.microsoft.com/office/drawing/2010/main" w="25400" algn="ctr">
+                  <a:solidFill>
+                    <a:srgbClr val="000000"/>
+                  </a:solidFill>
+                  <a:miter lim="800000"/>
+                  <a:headEnd/>
+                  <a:tailEnd/>
+                </a14:hiddenLine>
+              </a:ext>
+              <a:ext uri="{AF507438-7753-43E0-B8FC-AC1667EBCBE1}">
+                <a14:hiddenEffects xmlns:a14="http://schemas.microsoft.com/office/drawing/2010/main">
+                  <a:effectLst>
+                    <a:outerShdw dist="35921" dir="2700000" algn="ctr" rotWithShape="0">
+                      <a:srgbClr val="000000"/>
+                    </a:outerShdw>
+                  </a:effectLst>
+                </a14:hiddenEffects>
+              </a:ext>
+            </a:extLst>
+          </p:spPr>
+        </p:pic>
+        <p:pic>
+          <p:nvPicPr>
+            <p:cNvPr id="31" name="Picture 4">
+              <a:extLst>
+                <a:ext uri="{FF2B5EF4-FFF2-40B4-BE49-F238E27FC236}">
+                  <a16:creationId xmlns:a16="http://schemas.microsoft.com/office/drawing/2014/main" id="{E976DD3C-DD7B-459E-A707-D69D6534402E}"/>
+                </a:ext>
+              </a:extLst>
+            </p:cNvPr>
+            <p:cNvPicPr>
+              <a:picLocks noChangeAspect="1" noChangeArrowheads="1"/>
+            </p:cNvPicPr>
+            <p:nvPr/>
+          </p:nvPicPr>
+          <p:blipFill>
+            <a:blip r:embed="rId5">
+              <a:extLst>
+                <a:ext uri="{28A0092B-C50C-407E-A947-70E740481C1C}">
+                  <a14:useLocalDpi xmlns:a14="http://schemas.microsoft.com/office/drawing/2010/main" val="0"/>
+                </a:ext>
+              </a:extLst>
+            </a:blip>
+            <a:srcRect/>
+            <a:stretch>
+              <a:fillRect/>
+            </a:stretch>
+          </p:blipFill>
+          <p:spPr bwMode="auto">
+            <a:xfrm>
+              <a:off x="10617985" y="4515542"/>
+              <a:ext cx="829692" cy="331664"/>
+            </a:xfrm>
+            <a:prstGeom prst="rect">
+              <a:avLst/>
+            </a:prstGeom>
+            <a:noFill/>
+            <a:ln>
+              <a:noFill/>
+            </a:ln>
+            <a:effectLst/>
+            <a:extLst>
+              <a:ext uri="{909E8E84-426E-40DD-AFC4-6F175D3DCCD1}">
+                <a14:hiddenFill xmlns:a14="http://schemas.microsoft.com/office/drawing/2010/main">
+                  <a:solidFill>
+                    <a:srgbClr val="5B9BD5"/>
+                  </a:solidFill>
+                </a14:hiddenFill>
+              </a:ext>
+              <a:ext uri="{91240B29-F687-4F45-9708-019B960494DF}">
+                <a14:hiddenLine xmlns:a14="http://schemas.microsoft.com/office/drawing/2010/main" w="25400" algn="ctr">
+                  <a:solidFill>
+                    <a:srgbClr val="000000"/>
+                  </a:solidFill>
+                  <a:miter lim="800000"/>
+                  <a:headEnd/>
+                  <a:tailEnd/>
+                </a14:hiddenLine>
+              </a:ext>
+              <a:ext uri="{AF507438-7753-43E0-B8FC-AC1667EBCBE1}">
+                <a14:hiddenEffects xmlns:a14="http://schemas.microsoft.com/office/drawing/2010/main">
+                  <a:effectLst>
+                    <a:outerShdw dist="35921" dir="2700000" algn="ctr" rotWithShape="0">
+                      <a:srgbClr val="000000"/>
+                    </a:outerShdw>
+                  </a:effectLst>
+                </a14:hiddenEffects>
+              </a:ext>
+            </a:extLst>
+          </p:spPr>
+        </p:pic>
+        <p:pic>
+          <p:nvPicPr>
+            <p:cNvPr id="32" name="Picture 5">
+              <a:extLst>
+                <a:ext uri="{FF2B5EF4-FFF2-40B4-BE49-F238E27FC236}">
+                  <a16:creationId xmlns:a16="http://schemas.microsoft.com/office/drawing/2014/main" id="{AC196C6D-6308-469B-9B1C-94DABC88B232}"/>
+                </a:ext>
+              </a:extLst>
+            </p:cNvPr>
+            <p:cNvPicPr>
+              <a:picLocks noChangeAspect="1" noChangeArrowheads="1"/>
+            </p:cNvPicPr>
+            <p:nvPr/>
+          </p:nvPicPr>
+          <p:blipFill>
+            <a:blip r:embed="rId6">
+              <a:extLst>
+                <a:ext uri="{28A0092B-C50C-407E-A947-70E740481C1C}">
+                  <a14:useLocalDpi xmlns:a14="http://schemas.microsoft.com/office/drawing/2010/main" val="0"/>
+                </a:ext>
+              </a:extLst>
+            </a:blip>
+            <a:srcRect/>
+            <a:stretch>
+              <a:fillRect/>
+            </a:stretch>
+          </p:blipFill>
+          <p:spPr bwMode="auto">
+            <a:xfrm>
+              <a:off x="10941571" y="4746274"/>
+              <a:ext cx="682580" cy="649854"/>
+            </a:xfrm>
+            <a:prstGeom prst="rect">
+              <a:avLst/>
+            </a:prstGeom>
+            <a:noFill/>
+            <a:ln>
+              <a:noFill/>
+            </a:ln>
+            <a:effectLst/>
+            <a:extLst>
+              <a:ext uri="{909E8E84-426E-40DD-AFC4-6F175D3DCCD1}">
+                <a14:hiddenFill xmlns:a14="http://schemas.microsoft.com/office/drawing/2010/main">
+                  <a:solidFill>
+                    <a:srgbClr val="5B9BD5"/>
+                  </a:solidFill>
+                </a14:hiddenFill>
+              </a:ext>
+              <a:ext uri="{91240B29-F687-4F45-9708-019B960494DF}">
+                <a14:hiddenLine xmlns:a14="http://schemas.microsoft.com/office/drawing/2010/main" w="25400" algn="ctr">
+                  <a:solidFill>
+                    <a:srgbClr val="000000"/>
+                  </a:solidFill>
+                  <a:miter lim="800000"/>
+                  <a:headEnd/>
+                  <a:tailEnd/>
+                </a14:hiddenLine>
+              </a:ext>
+              <a:ext uri="{AF507438-7753-43E0-B8FC-AC1667EBCBE1}">
+                <a14:hiddenEffects xmlns:a14="http://schemas.microsoft.com/office/drawing/2010/main">
+                  <a:effectLst>
+                    <a:outerShdw dist="35921" dir="2700000" algn="ctr" rotWithShape="0">
+                      <a:srgbClr val="000000"/>
+                    </a:outerShdw>
+                  </a:effectLst>
+                </a14:hiddenEffects>
+              </a:ext>
+            </a:extLst>
+          </p:spPr>
+        </p:pic>
+        <p:pic>
+          <p:nvPicPr>
+            <p:cNvPr id="33" name="Imagen 32">
+              <a:extLst>
+                <a:ext uri="{FF2B5EF4-FFF2-40B4-BE49-F238E27FC236}">
+                  <a16:creationId xmlns:a16="http://schemas.microsoft.com/office/drawing/2014/main" id="{33D75ADB-C98B-420D-8719-1BBA7F657CEA}"/>
+                </a:ext>
+              </a:extLst>
+            </p:cNvPr>
+            <p:cNvPicPr>
+              <a:picLocks noChangeAspect="1"/>
+            </p:cNvPicPr>
+            <p:nvPr/>
+          </p:nvPicPr>
+          <p:blipFill>
+            <a:blip r:embed="rId7"/>
+            <a:stretch>
+              <a:fillRect/>
+            </a:stretch>
+          </p:blipFill>
+          <p:spPr>
+            <a:xfrm>
+              <a:off x="11159271" y="5705788"/>
+              <a:ext cx="564438" cy="540764"/>
+            </a:xfrm>
+            <a:prstGeom prst="rect">
+              <a:avLst/>
+            </a:prstGeom>
+          </p:spPr>
+        </p:pic>
+      </p:grpSp>
+      <p:cxnSp>
+        <p:nvCxnSpPr>
+          <p:cNvPr id="34" name="Conector recto de flecha 33">
+            <a:extLst>
+              <a:ext uri="{FF2B5EF4-FFF2-40B4-BE49-F238E27FC236}">
+                <a16:creationId xmlns:a16="http://schemas.microsoft.com/office/drawing/2014/main" id="{831904F5-A487-4EB6-8AC7-E9AF98F1BE67}"/>
+              </a:ext>
+            </a:extLst>
+          </p:cNvPr>
+          <p:cNvCxnSpPr>
+            <a:cxnSpLocks/>
+          </p:cNvCxnSpPr>
+          <p:nvPr/>
+        </p:nvCxnSpPr>
+        <p:spPr>
+          <a:xfrm>
+            <a:off x="5041631" y="2558923"/>
+            <a:ext cx="1650715" cy="0"/>
+          </a:xfrm>
+          <a:prstGeom prst="straightConnector1">
+            <a:avLst/>
+          </a:prstGeom>
+          <a:ln>
+            <a:solidFill>
+              <a:schemeClr val="tx1"/>
+            </a:solidFill>
+            <a:tailEnd type="triangle"/>
+          </a:ln>
+        </p:spPr>
+        <p:style>
+          <a:lnRef idx="1">
+            <a:schemeClr val="accent1"/>
+          </a:lnRef>
+          <a:fillRef idx="0">
+            <a:schemeClr val="accent1"/>
+          </a:fillRef>
+          <a:effectRef idx="0">
+            <a:schemeClr val="accent1"/>
+          </a:effectRef>
+          <a:fontRef idx="minor">
+            <a:schemeClr val="tx1"/>
+          </a:fontRef>
+        </p:style>
+      </p:cxnSp>
+      <p:sp>
+        <p:nvSpPr>
+          <p:cNvPr id="3" name="CuadroTexto 2">
+            <a:extLst>
+              <a:ext uri="{FF2B5EF4-FFF2-40B4-BE49-F238E27FC236}">
+                <a16:creationId xmlns:a16="http://schemas.microsoft.com/office/drawing/2014/main" id="{26EC8D6F-F41B-4455-9263-FB367297D291}"/>
+              </a:ext>
+            </a:extLst>
+          </p:cNvPr>
+          <p:cNvSpPr txBox="1"/>
+          <p:nvPr/>
+        </p:nvSpPr>
+        <p:spPr>
+          <a:xfrm>
+            <a:off x="5067914" y="2729128"/>
+            <a:ext cx="1910038" cy="369332"/>
+          </a:xfrm>
+          <a:prstGeom prst="rect">
+            <a:avLst/>
+          </a:prstGeom>
+          <a:noFill/>
+        </p:spPr>
+        <p:txBody>
+          <a:bodyPr wrap="square" rtlCol="0">
+            <a:spAutoFit/>
+          </a:bodyPr>
+          <a:lstStyle/>
+          <a:p>
+            <a:r>
+              <a:rPr lang="es-AR" dirty="0"/>
+              <a:t>2. </a:t>
+            </a:r>
+            <a:r>
+              <a:rPr lang="es-AR" dirty="0" err="1"/>
+              <a:t>Send</a:t>
+            </a:r>
+            <a:r>
+              <a:rPr lang="es-AR" dirty="0"/>
+              <a:t> </a:t>
+            </a:r>
+            <a:r>
+              <a:rPr lang="es-AR" dirty="0" err="1"/>
+              <a:t>Results</a:t>
+            </a:r>
+            <a:endParaRPr lang="es-AR" dirty="0"/>
+          </a:p>
+        </p:txBody>
+      </p:sp>
+      <p:cxnSp>
+        <p:nvCxnSpPr>
+          <p:cNvPr id="26" name="Conector recto de flecha 25">
+            <a:extLst>
+              <a:ext uri="{FF2B5EF4-FFF2-40B4-BE49-F238E27FC236}">
+                <a16:creationId xmlns:a16="http://schemas.microsoft.com/office/drawing/2014/main" id="{2DA11CEA-F47E-4D8C-A965-BD035C58B8E1}"/>
+              </a:ext>
+            </a:extLst>
+          </p:cNvPr>
+          <p:cNvCxnSpPr>
+            <a:cxnSpLocks/>
+          </p:cNvCxnSpPr>
+          <p:nvPr/>
+        </p:nvCxnSpPr>
+        <p:spPr>
+          <a:xfrm flipH="1" flipV="1">
+            <a:off x="5067914" y="3313332"/>
+            <a:ext cx="1624432" cy="3188"/>
+          </a:xfrm>
+          <a:prstGeom prst="straightConnector1">
+            <a:avLst/>
+          </a:prstGeom>
+          <a:ln>
+            <a:solidFill>
+              <a:schemeClr val="tx1"/>
+            </a:solidFill>
+            <a:tailEnd type="triangle"/>
+          </a:ln>
+        </p:spPr>
+        <p:style>
+          <a:lnRef idx="1">
+            <a:schemeClr val="accent1"/>
+          </a:lnRef>
+          <a:fillRef idx="0">
+            <a:schemeClr val="accent1"/>
+          </a:fillRef>
+          <a:effectRef idx="0">
+            <a:schemeClr val="accent1"/>
+          </a:effectRef>
+          <a:fontRef idx="minor">
+            <a:schemeClr val="tx1"/>
+          </a:fontRef>
+        </p:style>
+      </p:cxnSp>
+      <p:sp>
+        <p:nvSpPr>
+          <p:cNvPr id="27" name="CuadroTexto 26">
+            <a:extLst>
+              <a:ext uri="{FF2B5EF4-FFF2-40B4-BE49-F238E27FC236}">
+                <a16:creationId xmlns:a16="http://schemas.microsoft.com/office/drawing/2014/main" id="{BB8875A0-65CD-4EBE-AEAB-6523F28F32BF}"/>
+              </a:ext>
+            </a:extLst>
+          </p:cNvPr>
+          <p:cNvSpPr txBox="1"/>
+          <p:nvPr/>
+        </p:nvSpPr>
+        <p:spPr>
+          <a:xfrm>
+            <a:off x="5041631" y="3671390"/>
+            <a:ext cx="1910038" cy="369332"/>
+          </a:xfrm>
+          <a:prstGeom prst="rect">
+            <a:avLst/>
+          </a:prstGeom>
+          <a:noFill/>
+        </p:spPr>
+        <p:txBody>
+          <a:bodyPr wrap="square" rtlCol="0">
+            <a:spAutoFit/>
+          </a:bodyPr>
+          <a:lstStyle/>
+          <a:p>
+            <a:r>
+              <a:rPr lang="es-AR" dirty="0"/>
+              <a:t>3. </a:t>
+            </a:r>
+            <a:r>
+              <a:rPr lang="es-AR" dirty="0" err="1"/>
+              <a:t>Destroy</a:t>
+            </a:r>
+            <a:r>
+              <a:rPr lang="es-AR" dirty="0"/>
+              <a:t> </a:t>
+            </a:r>
+            <a:r>
+              <a:rPr lang="es-AR" dirty="0" err="1"/>
+              <a:t>SAST</a:t>
+            </a:r>
+            <a:endParaRPr lang="es-AR" dirty="0"/>
+          </a:p>
+        </p:txBody>
+      </p:sp>
+      <p:cxnSp>
+        <p:nvCxnSpPr>
+          <p:cNvPr id="28" name="Conector recto de flecha 27">
+            <a:extLst>
+              <a:ext uri="{FF2B5EF4-FFF2-40B4-BE49-F238E27FC236}">
+                <a16:creationId xmlns:a16="http://schemas.microsoft.com/office/drawing/2014/main" id="{DF4A2426-D4A9-432B-80C3-2F7563912FA9}"/>
+              </a:ext>
+            </a:extLst>
+          </p:cNvPr>
+          <p:cNvCxnSpPr>
+            <a:cxnSpLocks/>
+          </p:cNvCxnSpPr>
+          <p:nvPr/>
+        </p:nvCxnSpPr>
+        <p:spPr>
+          <a:xfrm>
+            <a:off x="5041631" y="4309484"/>
+            <a:ext cx="1650715" cy="0"/>
+          </a:xfrm>
+          <a:prstGeom prst="straightConnector1">
+            <a:avLst/>
+          </a:prstGeom>
+          <a:ln>
+            <a:solidFill>
+              <a:schemeClr val="tx1"/>
+            </a:solidFill>
+            <a:tailEnd type="triangle"/>
+          </a:ln>
+        </p:spPr>
+        <p:style>
+          <a:lnRef idx="1">
+            <a:schemeClr val="accent1"/>
+          </a:lnRef>
+          <a:fillRef idx="0">
+            <a:schemeClr val="accent1"/>
+          </a:fillRef>
+          <a:effectRef idx="0">
+            <a:schemeClr val="accent1"/>
+          </a:effectRef>
+          <a:fontRef idx="minor">
+            <a:schemeClr val="tx1"/>
+          </a:fontRef>
+        </p:style>
+      </p:cxnSp>
+    </p:spTree>
+    <p:extLst>
+      <p:ext uri="{BB962C8B-B14F-4D97-AF65-F5344CB8AC3E}">
+        <p14:creationId xmlns:p14="http://schemas.microsoft.com/office/powerpoint/2010/main" val="1637704687"/>
+      </p:ext>
+    </p:extLst>
+  </p:cSld>
+  <p:clrMapOvr>
+    <a:masterClrMapping/>
+  </p:clrMapOvr>
+</p:sld>
+</file>
+
+<file path=ppt/slides/slide7.xml><?xml version="1.0" encoding="utf-8"?>
+<p:sld xmlns:a="http://schemas.openxmlformats.org/drawingml/2006/main" xmlns:r="http://schemas.openxmlformats.org/officeDocument/2006/relationships" xmlns:p="http://schemas.openxmlformats.org/presentationml/2006/main">
+  <p:cSld>
+    <p:spTree>
+      <p:nvGrpSpPr>
+        <p:cNvPr id="1" name=""/>
+        <p:cNvGrpSpPr/>
+        <p:nvPr/>
+      </p:nvGrpSpPr>
+      <p:grpSpPr>
+        <a:xfrm>
+          <a:off x="0" y="0"/>
+          <a:ext cx="0" cy="0"/>
+          <a:chOff x="0" y="0"/>
+          <a:chExt cx="0" cy="0"/>
+        </a:xfrm>
+      </p:grpSpPr>
+      <p:grpSp>
+        <p:nvGrpSpPr>
+          <p:cNvPr id="16" name="Grupo 15">
+            <a:extLst>
+              <a:ext uri="{FF2B5EF4-FFF2-40B4-BE49-F238E27FC236}">
+                <a16:creationId xmlns:a16="http://schemas.microsoft.com/office/drawing/2014/main" id="{57369D0D-A6E8-4889-923C-ABF09BDAC3F4}"/>
+              </a:ext>
+            </a:extLst>
+          </p:cNvPr>
+          <p:cNvGrpSpPr/>
+          <p:nvPr/>
+        </p:nvGrpSpPr>
+        <p:grpSpPr>
+          <a:xfrm>
+            <a:off x="1671483" y="2758674"/>
+            <a:ext cx="1340652" cy="1340652"/>
+            <a:chOff x="4902241" y="2303696"/>
+            <a:chExt cx="1340652" cy="1340652"/>
+          </a:xfrm>
+        </p:grpSpPr>
+        <p:pic>
+          <p:nvPicPr>
+            <p:cNvPr id="5" name="Picture 51" descr="Data Server Icon of Isometric style - Available in SVG, PNG, EPS ...">
+              <a:extLst>
+                <a:ext uri="{FF2B5EF4-FFF2-40B4-BE49-F238E27FC236}">
+                  <a16:creationId xmlns:a16="http://schemas.microsoft.com/office/drawing/2014/main" id="{C3A14E3B-958D-49CE-86CA-3BFF7E93A661}"/>
+                </a:ext>
+              </a:extLst>
+            </p:cNvPr>
+            <p:cNvPicPr>
+              <a:picLocks noChangeAspect="1" noChangeArrowheads="1"/>
+            </p:cNvPicPr>
+            <p:nvPr/>
+          </p:nvPicPr>
+          <p:blipFill>
+            <a:blip r:embed="rId2">
+              <a:extLst>
+                <a:ext uri="{28A0092B-C50C-407E-A947-70E740481C1C}">
+                  <a14:useLocalDpi xmlns:a14="http://schemas.microsoft.com/office/drawing/2010/main" val="0"/>
+                </a:ext>
+              </a:extLst>
+            </a:blip>
+            <a:srcRect/>
+            <a:stretch>
+              <a:fillRect/>
+            </a:stretch>
+          </p:blipFill>
+          <p:spPr bwMode="auto">
+            <a:xfrm>
+              <a:off x="4902241" y="2303696"/>
+              <a:ext cx="1340652" cy="1340652"/>
+            </a:xfrm>
+            <a:prstGeom prst="rect">
+              <a:avLst/>
+            </a:prstGeom>
+            <a:noFill/>
+            <a:extLst>
+              <a:ext uri="{909E8E84-426E-40DD-AFC4-6F175D3DCCD1}">
+                <a14:hiddenFill xmlns:a14="http://schemas.microsoft.com/office/drawing/2010/main">
+                  <a:solidFill>
+                    <a:srgbClr val="FFFFFF"/>
+                  </a:solidFill>
+                </a14:hiddenFill>
+              </a:ext>
+            </a:extLst>
+          </p:spPr>
+        </p:pic>
+        <p:pic>
+          <p:nvPicPr>
+            <p:cNvPr id="7" name="Picture 15">
+              <a:extLst>
+                <a:ext uri="{FF2B5EF4-FFF2-40B4-BE49-F238E27FC236}">
+                  <a16:creationId xmlns:a16="http://schemas.microsoft.com/office/drawing/2014/main" id="{9A0E11CE-1E73-43AF-9000-905480AB402C}"/>
+                </a:ext>
+              </a:extLst>
+            </p:cNvPr>
+            <p:cNvPicPr>
+              <a:picLocks noChangeAspect="1" noChangeArrowheads="1"/>
+            </p:cNvPicPr>
+            <p:nvPr/>
+          </p:nvPicPr>
+          <p:blipFill>
+            <a:blip r:embed="rId3">
+              <a:extLst>
+                <a:ext uri="{28A0092B-C50C-407E-A947-70E740481C1C}">
+                  <a14:useLocalDpi xmlns:a14="http://schemas.microsoft.com/office/drawing/2010/main" val="0"/>
+                </a:ext>
+              </a:extLst>
+            </a:blip>
+            <a:srcRect/>
+            <a:stretch>
+              <a:fillRect/>
+            </a:stretch>
+          </p:blipFill>
+          <p:spPr bwMode="auto">
+            <a:xfrm>
+              <a:off x="5097664" y="2561707"/>
+              <a:ext cx="1145229" cy="824630"/>
+            </a:xfrm>
+            <a:prstGeom prst="rect">
+              <a:avLst/>
+            </a:prstGeom>
+            <a:noFill/>
+            <a:ln>
+              <a:noFill/>
+            </a:ln>
+            <a:effectLst/>
+            <a:extLst>
+              <a:ext uri="{909E8E84-426E-40DD-AFC4-6F175D3DCCD1}">
+                <a14:hiddenFill xmlns:a14="http://schemas.microsoft.com/office/drawing/2010/main">
+                  <a:solidFill>
+                    <a:srgbClr val="5B9BD5"/>
+                  </a:solidFill>
+                </a14:hiddenFill>
+              </a:ext>
+              <a:ext uri="{91240B29-F687-4F45-9708-019B960494DF}">
+                <a14:hiddenLine xmlns:a14="http://schemas.microsoft.com/office/drawing/2010/main" w="25400" algn="ctr">
+                  <a:solidFill>
+                    <a:srgbClr val="000000"/>
+                  </a:solidFill>
+                  <a:miter lim="800000"/>
+                  <a:headEnd/>
+                  <a:tailEnd/>
+                </a14:hiddenLine>
+              </a:ext>
+              <a:ext uri="{AF507438-7753-43E0-B8FC-AC1667EBCBE1}">
+                <a14:hiddenEffects xmlns:a14="http://schemas.microsoft.com/office/drawing/2010/main">
+                  <a:effectLst>
+                    <a:outerShdw dist="35921" dir="2700000" algn="ctr" rotWithShape="0">
+                      <a:srgbClr val="000000"/>
+                    </a:outerShdw>
+                  </a:effectLst>
+                </a14:hiddenEffects>
+              </a:ext>
+            </a:extLst>
+          </p:spPr>
+        </p:pic>
+      </p:grpSp>
+      <p:sp>
+        <p:nvSpPr>
+          <p:cNvPr id="30" name="CuadroTexto 29">
+            <a:extLst>
+              <a:ext uri="{FF2B5EF4-FFF2-40B4-BE49-F238E27FC236}">
+                <a16:creationId xmlns:a16="http://schemas.microsoft.com/office/drawing/2014/main" id="{BC3B49BD-23ED-4AD2-B170-8F3EFB776A85}"/>
+              </a:ext>
+            </a:extLst>
+          </p:cNvPr>
+          <p:cNvSpPr txBox="1"/>
+          <p:nvPr/>
+        </p:nvSpPr>
+        <p:spPr>
+          <a:xfrm>
+            <a:off x="3184254" y="2468609"/>
+            <a:ext cx="2406091" cy="369332"/>
+          </a:xfrm>
+          <a:prstGeom prst="rect">
+            <a:avLst/>
+          </a:prstGeom>
+          <a:noFill/>
+        </p:spPr>
+        <p:txBody>
+          <a:bodyPr wrap="square" rtlCol="0">
+            <a:spAutoFit/>
+          </a:bodyPr>
+          <a:lstStyle/>
+          <a:p>
+            <a:r>
+              <a:rPr lang="es-AR" dirty="0"/>
+              <a:t>1. Post </a:t>
+            </a:r>
+            <a:r>
+              <a:rPr lang="es-AR" dirty="0" err="1"/>
+              <a:t>SAST</a:t>
+            </a:r>
+            <a:r>
+              <a:rPr lang="es-AR" dirty="0"/>
+              <a:t> </a:t>
+            </a:r>
+            <a:r>
+              <a:rPr lang="es-AR" dirty="0" err="1"/>
+              <a:t>Results</a:t>
+            </a:r>
+            <a:endParaRPr lang="es-AR" dirty="0"/>
+          </a:p>
+        </p:txBody>
+      </p:sp>
+      <p:cxnSp>
+        <p:nvCxnSpPr>
+          <p:cNvPr id="34" name="Conector recto de flecha 33">
+            <a:extLst>
+              <a:ext uri="{FF2B5EF4-FFF2-40B4-BE49-F238E27FC236}">
+                <a16:creationId xmlns:a16="http://schemas.microsoft.com/office/drawing/2014/main" id="{831904F5-A487-4EB6-8AC7-E9AF98F1BE67}"/>
+              </a:ext>
+            </a:extLst>
+          </p:cNvPr>
+          <p:cNvCxnSpPr>
+            <a:cxnSpLocks/>
+          </p:cNvCxnSpPr>
+          <p:nvPr/>
+        </p:nvCxnSpPr>
+        <p:spPr>
+          <a:xfrm>
+            <a:off x="3405998" y="3107709"/>
+            <a:ext cx="1650715" cy="0"/>
+          </a:xfrm>
+          <a:prstGeom prst="straightConnector1">
+            <a:avLst/>
+          </a:prstGeom>
+          <a:ln>
+            <a:solidFill>
+              <a:schemeClr val="tx1"/>
+            </a:solidFill>
+            <a:tailEnd type="triangle"/>
+          </a:ln>
+        </p:spPr>
+        <p:style>
+          <a:lnRef idx="1">
+            <a:schemeClr val="accent1"/>
+          </a:lnRef>
+          <a:fillRef idx="0">
+            <a:schemeClr val="accent1"/>
+          </a:fillRef>
+          <a:effectRef idx="0">
+            <a:schemeClr val="accent1"/>
+          </a:effectRef>
+          <a:fontRef idx="minor">
+            <a:schemeClr val="tx1"/>
+          </a:fontRef>
+        </p:style>
+      </p:cxnSp>
+      <p:sp>
+        <p:nvSpPr>
+          <p:cNvPr id="3" name="CuadroTexto 2">
+            <a:extLst>
+              <a:ext uri="{FF2B5EF4-FFF2-40B4-BE49-F238E27FC236}">
+                <a16:creationId xmlns:a16="http://schemas.microsoft.com/office/drawing/2014/main" id="{26EC8D6F-F41B-4455-9263-FB367297D291}"/>
+              </a:ext>
+            </a:extLst>
+          </p:cNvPr>
+          <p:cNvSpPr txBox="1"/>
+          <p:nvPr/>
+        </p:nvSpPr>
+        <p:spPr>
+          <a:xfrm>
+            <a:off x="3248985" y="3360774"/>
+            <a:ext cx="1910038" cy="369332"/>
+          </a:xfrm>
+          <a:prstGeom prst="rect">
+            <a:avLst/>
+          </a:prstGeom>
+          <a:noFill/>
+        </p:spPr>
+        <p:txBody>
+          <a:bodyPr wrap="square" rtlCol="0">
+            <a:spAutoFit/>
+          </a:bodyPr>
+          <a:lstStyle/>
+          <a:p>
+            <a:r>
+              <a:rPr lang="es-AR" dirty="0">
+                <a:solidFill>
+                  <a:srgbClr val="FF0000"/>
+                </a:solidFill>
+              </a:rPr>
+              <a:t>2. Do </a:t>
+            </a:r>
+            <a:r>
+              <a:rPr lang="es-AR" dirty="0" err="1">
+                <a:solidFill>
+                  <a:srgbClr val="FF0000"/>
+                </a:solidFill>
+              </a:rPr>
+              <a:t>DAST</a:t>
+            </a:r>
+            <a:endParaRPr lang="es-AR" dirty="0">
+              <a:solidFill>
+                <a:srgbClr val="FF0000"/>
+              </a:solidFill>
+            </a:endParaRPr>
+          </a:p>
+        </p:txBody>
+      </p:sp>
+      <p:cxnSp>
+        <p:nvCxnSpPr>
+          <p:cNvPr id="28" name="Conector recto de flecha 27">
+            <a:extLst>
+              <a:ext uri="{FF2B5EF4-FFF2-40B4-BE49-F238E27FC236}">
+                <a16:creationId xmlns:a16="http://schemas.microsoft.com/office/drawing/2014/main" id="{DF4A2426-D4A9-432B-80C3-2F7563912FA9}"/>
+              </a:ext>
+            </a:extLst>
+          </p:cNvPr>
+          <p:cNvCxnSpPr>
+            <a:cxnSpLocks/>
+          </p:cNvCxnSpPr>
+          <p:nvPr/>
+        </p:nvCxnSpPr>
+        <p:spPr>
+          <a:xfrm>
+            <a:off x="3405997" y="3977786"/>
+            <a:ext cx="1650715" cy="0"/>
+          </a:xfrm>
+          <a:prstGeom prst="straightConnector1">
+            <a:avLst/>
+          </a:prstGeom>
+          <a:ln>
+            <a:solidFill>
+              <a:srgbClr val="FF0000"/>
+            </a:solidFill>
+            <a:tailEnd type="triangle"/>
+          </a:ln>
+        </p:spPr>
+        <p:style>
+          <a:lnRef idx="1">
+            <a:schemeClr val="accent1"/>
+          </a:lnRef>
+          <a:fillRef idx="0">
+            <a:schemeClr val="accent1"/>
+          </a:fillRef>
+          <a:effectRef idx="0">
+            <a:schemeClr val="accent1"/>
+          </a:effectRef>
+          <a:fontRef idx="minor">
+            <a:schemeClr val="tx1"/>
+          </a:fontRef>
+        </p:style>
+      </p:cxnSp>
+      <p:grpSp>
+        <p:nvGrpSpPr>
+          <p:cNvPr id="17" name="Grupo 16">
+            <a:extLst>
+              <a:ext uri="{FF2B5EF4-FFF2-40B4-BE49-F238E27FC236}">
+                <a16:creationId xmlns:a16="http://schemas.microsoft.com/office/drawing/2014/main" id="{0521B506-CFB9-4977-ADD1-4BA9350B596D}"/>
+              </a:ext>
+            </a:extLst>
+          </p:cNvPr>
+          <p:cNvGrpSpPr/>
+          <p:nvPr/>
+        </p:nvGrpSpPr>
+        <p:grpSpPr>
+          <a:xfrm>
+            <a:off x="5477494" y="2666341"/>
+            <a:ext cx="1572663" cy="1525318"/>
+            <a:chOff x="3428694" y="4181932"/>
+            <a:chExt cx="1572663" cy="1525318"/>
+          </a:xfrm>
+        </p:grpSpPr>
+        <p:pic>
+          <p:nvPicPr>
+            <p:cNvPr id="18" name="Picture 51" descr="Data Server Icon of Isometric style - Available in SVG, PNG, EPS ...">
+              <a:extLst>
+                <a:ext uri="{FF2B5EF4-FFF2-40B4-BE49-F238E27FC236}">
+                  <a16:creationId xmlns:a16="http://schemas.microsoft.com/office/drawing/2014/main" id="{27D5944A-D500-4F6A-AE39-38A51BA87467}"/>
+                </a:ext>
+              </a:extLst>
+            </p:cNvPr>
+            <p:cNvPicPr>
+              <a:picLocks noChangeAspect="1" noChangeArrowheads="1"/>
+            </p:cNvPicPr>
+            <p:nvPr/>
+          </p:nvPicPr>
+          <p:blipFill>
+            <a:blip r:embed="rId2">
+              <a:extLst>
+                <a:ext uri="{28A0092B-C50C-407E-A947-70E740481C1C}">
+                  <a14:useLocalDpi xmlns:a14="http://schemas.microsoft.com/office/drawing/2010/main" val="0"/>
+                </a:ext>
+              </a:extLst>
+            </a:blip>
+            <a:srcRect/>
+            <a:stretch>
+              <a:fillRect/>
+            </a:stretch>
+          </p:blipFill>
+          <p:spPr bwMode="auto">
+            <a:xfrm>
+              <a:off x="3544700" y="4181932"/>
+              <a:ext cx="1340652" cy="1340652"/>
+            </a:xfrm>
+            <a:prstGeom prst="rect">
+              <a:avLst/>
+            </a:prstGeom>
+            <a:noFill/>
+            <a:extLst>
+              <a:ext uri="{909E8E84-426E-40DD-AFC4-6F175D3DCCD1}">
+                <a14:hiddenFill xmlns:a14="http://schemas.microsoft.com/office/drawing/2010/main">
+                  <a:solidFill>
+                    <a:srgbClr val="FFFFFF"/>
+                  </a:solidFill>
+                </a14:hiddenFill>
+              </a:ext>
+            </a:extLst>
+          </p:spPr>
+        </p:pic>
+        <p:grpSp>
+          <p:nvGrpSpPr>
+            <p:cNvPr id="19" name="Grupo 18">
+              <a:extLst>
+                <a:ext uri="{FF2B5EF4-FFF2-40B4-BE49-F238E27FC236}">
+                  <a16:creationId xmlns:a16="http://schemas.microsoft.com/office/drawing/2014/main" id="{18C9A515-B081-42E3-9041-17D8B3DB5320}"/>
+                </a:ext>
+              </a:extLst>
+            </p:cNvPr>
+            <p:cNvGrpSpPr/>
+            <p:nvPr/>
+          </p:nvGrpSpPr>
+          <p:grpSpPr>
+            <a:xfrm>
+              <a:off x="3428694" y="4452118"/>
+              <a:ext cx="1572663" cy="1255132"/>
+              <a:chOff x="3428694" y="4452118"/>
+              <a:chExt cx="1572663" cy="1255132"/>
+            </a:xfrm>
+          </p:grpSpPr>
+          <p:pic>
+            <p:nvPicPr>
+              <p:cNvPr id="20" name="Picture 4">
+                <a:extLst>
+                  <a:ext uri="{FF2B5EF4-FFF2-40B4-BE49-F238E27FC236}">
+                    <a16:creationId xmlns:a16="http://schemas.microsoft.com/office/drawing/2014/main" id="{BD462DB7-A6E9-4D39-BECC-80487A1C2AD8}"/>
+                  </a:ext>
+                </a:extLst>
+              </p:cNvPr>
+              <p:cNvPicPr>
+                <a:picLocks noChangeAspect="1" noChangeArrowheads="1"/>
+              </p:cNvPicPr>
+              <p:nvPr/>
+            </p:nvPicPr>
+            <p:blipFill>
+              <a:blip r:embed="rId4">
+                <a:extLst>
+                  <a:ext uri="{28A0092B-C50C-407E-A947-70E740481C1C}">
+                    <a14:useLocalDpi xmlns:a14="http://schemas.microsoft.com/office/drawing/2010/main" val="0"/>
+                  </a:ext>
+                </a:extLst>
+              </a:blip>
+              <a:srcRect/>
+              <a:stretch>
+                <a:fillRect/>
+              </a:stretch>
+            </p:blipFill>
+            <p:spPr bwMode="auto">
+              <a:xfrm>
+                <a:off x="4152608" y="4452118"/>
+                <a:ext cx="844334" cy="989486"/>
+              </a:xfrm>
+              <a:prstGeom prst="rect">
+                <a:avLst/>
+              </a:prstGeom>
+              <a:noFill/>
+              <a:extLst>
+                <a:ext uri="{909E8E84-426E-40DD-AFC4-6F175D3DCCD1}">
+                  <a14:hiddenFill xmlns:a14="http://schemas.microsoft.com/office/drawing/2010/main">
+                    <a:solidFill>
+                      <a:srgbClr val="FFFFFF"/>
+                    </a:solidFill>
+                  </a14:hiddenFill>
+                </a:ext>
+              </a:extLst>
+            </p:spPr>
+          </p:pic>
+          <p:sp>
+            <p:nvSpPr>
+              <p:cNvPr id="21" name="CuadroTexto 20">
+                <a:extLst>
+                  <a:ext uri="{FF2B5EF4-FFF2-40B4-BE49-F238E27FC236}">
+                    <a16:creationId xmlns:a16="http://schemas.microsoft.com/office/drawing/2014/main" id="{3C51DAE6-4511-463E-B59E-1FBDE266CCC7}"/>
+                  </a:ext>
+                </a:extLst>
+              </p:cNvPr>
+              <p:cNvSpPr txBox="1"/>
+              <p:nvPr/>
+            </p:nvSpPr>
+            <p:spPr>
+              <a:xfrm>
+                <a:off x="3428694" y="5337918"/>
+                <a:ext cx="1572663" cy="369332"/>
+              </a:xfrm>
+              <a:prstGeom prst="rect">
+                <a:avLst/>
+              </a:prstGeom>
+              <a:noFill/>
+            </p:spPr>
+            <p:txBody>
+              <a:bodyPr wrap="square">
+                <a:spAutoFit/>
+              </a:bodyPr>
+              <a:lstStyle/>
+              <a:p>
+                <a:r>
+                  <a:rPr lang="es-AR" dirty="0" err="1"/>
+                  <a:t>Orchestrator</a:t>
+                </a:r>
+                <a:endParaRPr lang="es-AR" dirty="0"/>
+              </a:p>
+            </p:txBody>
+          </p:sp>
+        </p:grpSp>
+      </p:grpSp>
+      <p:grpSp>
+        <p:nvGrpSpPr>
+          <p:cNvPr id="23" name="Grupo 22">
+            <a:extLst>
+              <a:ext uri="{FF2B5EF4-FFF2-40B4-BE49-F238E27FC236}">
+                <a16:creationId xmlns:a16="http://schemas.microsoft.com/office/drawing/2014/main" id="{97A0F35F-6F44-4B56-A97B-76D4D3EDAE78}"/>
+              </a:ext>
+            </a:extLst>
+          </p:cNvPr>
+          <p:cNvGrpSpPr/>
+          <p:nvPr/>
+        </p:nvGrpSpPr>
+        <p:grpSpPr>
+          <a:xfrm>
+            <a:off x="9096620" y="2778982"/>
+            <a:ext cx="1239335" cy="1147031"/>
+            <a:chOff x="7850946" y="4338516"/>
+            <a:chExt cx="1906002" cy="1906002"/>
+          </a:xfrm>
+        </p:grpSpPr>
+        <p:pic>
+          <p:nvPicPr>
+            <p:cNvPr id="29" name="Picture 51" descr="Data Server Icon of Isometric style - Available in SVG, PNG, EPS ...">
+              <a:extLst>
+                <a:ext uri="{FF2B5EF4-FFF2-40B4-BE49-F238E27FC236}">
+                  <a16:creationId xmlns:a16="http://schemas.microsoft.com/office/drawing/2014/main" id="{1E4F7ECC-6733-4FB5-B411-00290579B9CF}"/>
+                </a:ext>
+              </a:extLst>
+            </p:cNvPr>
+            <p:cNvPicPr>
+              <a:picLocks noChangeAspect="1" noChangeArrowheads="1"/>
+            </p:cNvPicPr>
+            <p:nvPr/>
+          </p:nvPicPr>
+          <p:blipFill>
+            <a:blip r:embed="rId2">
+              <a:extLst>
+                <a:ext uri="{28A0092B-C50C-407E-A947-70E740481C1C}">
+                  <a14:useLocalDpi xmlns:a14="http://schemas.microsoft.com/office/drawing/2010/main" val="0"/>
+                </a:ext>
+              </a:extLst>
+            </a:blip>
+            <a:srcRect/>
+            <a:stretch>
+              <a:fillRect/>
+            </a:stretch>
+          </p:blipFill>
+          <p:spPr bwMode="auto">
+            <a:xfrm>
+              <a:off x="7850946" y="4338516"/>
+              <a:ext cx="1906002" cy="1906002"/>
+            </a:xfrm>
+            <a:prstGeom prst="rect">
+              <a:avLst/>
+            </a:prstGeom>
+            <a:noFill/>
+            <a:extLst>
+              <a:ext uri="{909E8E84-426E-40DD-AFC4-6F175D3DCCD1}">
+                <a14:hiddenFill xmlns:a14="http://schemas.microsoft.com/office/drawing/2010/main">
+                  <a:solidFill>
+                    <a:srgbClr val="FFFFFF"/>
+                  </a:solidFill>
+                </a14:hiddenFill>
+              </a:ext>
+            </a:extLst>
+          </p:spPr>
+        </p:pic>
+        <p:grpSp>
+          <p:nvGrpSpPr>
+            <p:cNvPr id="35" name="Grupo 34">
+              <a:extLst>
+                <a:ext uri="{FF2B5EF4-FFF2-40B4-BE49-F238E27FC236}">
+                  <a16:creationId xmlns:a16="http://schemas.microsoft.com/office/drawing/2014/main" id="{75C06A34-CF3A-498C-ADF2-C16217C1C664}"/>
+                </a:ext>
+              </a:extLst>
+            </p:cNvPr>
+            <p:cNvGrpSpPr/>
+            <p:nvPr/>
+          </p:nvGrpSpPr>
+          <p:grpSpPr>
+            <a:xfrm>
+              <a:off x="8017415" y="4756541"/>
+              <a:ext cx="1351669" cy="1310965"/>
+              <a:chOff x="9699813" y="3155636"/>
+              <a:chExt cx="1460305" cy="1602827"/>
+            </a:xfrm>
+          </p:grpSpPr>
+          <p:pic>
+            <p:nvPicPr>
+              <p:cNvPr id="36" name="Picture 41" descr="Kubernetes - Wikipedia">
+                <a:extLst>
+                  <a:ext uri="{FF2B5EF4-FFF2-40B4-BE49-F238E27FC236}">
+                    <a16:creationId xmlns:a16="http://schemas.microsoft.com/office/drawing/2014/main" id="{2061B835-53EB-4AE4-BF0F-B7D763F67FBD}"/>
+                  </a:ext>
+                </a:extLst>
+              </p:cNvPr>
+              <p:cNvPicPr>
+                <a:picLocks noChangeAspect="1" noChangeArrowheads="1"/>
+              </p:cNvPicPr>
+              <p:nvPr/>
+            </p:nvPicPr>
+            <p:blipFill>
+              <a:blip r:embed="rId5">
+                <a:extLst>
+                  <a:ext uri="{28A0092B-C50C-407E-A947-70E740481C1C}">
+                    <a14:useLocalDpi xmlns:a14="http://schemas.microsoft.com/office/drawing/2010/main" val="0"/>
+                  </a:ext>
+                </a:extLst>
+              </a:blip>
+              <a:srcRect/>
+              <a:stretch>
+                <a:fillRect/>
+              </a:stretch>
+            </p:blipFill>
+            <p:spPr bwMode="auto">
+              <a:xfrm>
+                <a:off x="10408264" y="3155636"/>
+                <a:ext cx="751854" cy="729891"/>
+              </a:xfrm>
+              <a:prstGeom prst="rect">
+                <a:avLst/>
+              </a:prstGeom>
+              <a:noFill/>
+              <a:extLst>
+                <a:ext uri="{909E8E84-426E-40DD-AFC4-6F175D3DCCD1}">
+                  <a14:hiddenFill xmlns:a14="http://schemas.microsoft.com/office/drawing/2010/main">
+                    <a:solidFill>
+                      <a:srgbClr val="FFFFFF"/>
+                    </a:solidFill>
+                  </a14:hiddenFill>
+                </a:ext>
+              </a:extLst>
+            </p:spPr>
+          </p:pic>
+          <p:pic>
+            <p:nvPicPr>
+              <p:cNvPr id="37" name="Picture 23">
+                <a:extLst>
+                  <a:ext uri="{FF2B5EF4-FFF2-40B4-BE49-F238E27FC236}">
+                    <a16:creationId xmlns:a16="http://schemas.microsoft.com/office/drawing/2014/main" id="{73E5B9E8-2E19-4B8F-8AA4-AB1B198D2086}"/>
+                  </a:ext>
+                </a:extLst>
+              </p:cNvPr>
+              <p:cNvPicPr>
+                <a:picLocks noChangeAspect="1" noChangeArrowheads="1"/>
+              </p:cNvPicPr>
+              <p:nvPr/>
+            </p:nvPicPr>
+            <p:blipFill>
+              <a:blip r:embed="rId6">
+                <a:extLst>
+                  <a:ext uri="{28A0092B-C50C-407E-A947-70E740481C1C}">
+                    <a14:useLocalDpi xmlns:a14="http://schemas.microsoft.com/office/drawing/2010/main" val="0"/>
+                  </a:ext>
+                </a:extLst>
+              </a:blip>
+              <a:srcRect/>
+              <a:stretch>
+                <a:fillRect/>
+              </a:stretch>
+            </p:blipFill>
+            <p:spPr bwMode="auto">
+              <a:xfrm>
+                <a:off x="9699813" y="3826529"/>
+                <a:ext cx="1011887" cy="931934"/>
+              </a:xfrm>
+              <a:prstGeom prst="rect">
+                <a:avLst/>
+              </a:prstGeom>
+              <a:noFill/>
+              <a:ln>
+                <a:noFill/>
+              </a:ln>
+              <a:effectLst/>
+              <a:extLst>
+                <a:ext uri="{909E8E84-426E-40DD-AFC4-6F175D3DCCD1}">
+                  <a14:hiddenFill xmlns:a14="http://schemas.microsoft.com/office/drawing/2010/main">
+                    <a:solidFill>
+                      <a:srgbClr val="5B9BD5"/>
+                    </a:solidFill>
+                  </a14:hiddenFill>
+                </a:ext>
+                <a:ext uri="{91240B29-F687-4F45-9708-019B960494DF}">
+                  <a14:hiddenLine xmlns:a14="http://schemas.microsoft.com/office/drawing/2010/main" w="25400" algn="ctr">
+                    <a:solidFill>
+                      <a:srgbClr val="000000"/>
+                    </a:solidFill>
+                    <a:miter lim="800000"/>
+                    <a:headEnd/>
+                    <a:tailEnd/>
+                  </a14:hiddenLine>
+                </a:ext>
+                <a:ext uri="{AF507438-7753-43E0-B8FC-AC1667EBCBE1}">
+                  <a14:hiddenEffects xmlns:a14="http://schemas.microsoft.com/office/drawing/2010/main">
+                    <a:effectLst>
+                      <a:outerShdw dist="35921" dir="2700000" algn="ctr" rotWithShape="0">
+                        <a:srgbClr val="000000"/>
+                      </a:outerShdw>
+                    </a:effectLst>
+                  </a14:hiddenEffects>
+                </a:ext>
+              </a:extLst>
+            </p:spPr>
+          </p:pic>
+        </p:grpSp>
+      </p:grpSp>
+      <p:cxnSp>
+        <p:nvCxnSpPr>
+          <p:cNvPr id="38" name="Conector recto de flecha 37">
+            <a:extLst>
+              <a:ext uri="{FF2B5EF4-FFF2-40B4-BE49-F238E27FC236}">
+                <a16:creationId xmlns:a16="http://schemas.microsoft.com/office/drawing/2014/main" id="{B3C5F082-1469-4EB0-882D-87817DDF8838}"/>
+              </a:ext>
+            </a:extLst>
+          </p:cNvPr>
+          <p:cNvCxnSpPr>
+            <a:cxnSpLocks/>
+          </p:cNvCxnSpPr>
+          <p:nvPr/>
+        </p:nvCxnSpPr>
+        <p:spPr>
+          <a:xfrm>
+            <a:off x="7470939" y="3594539"/>
+            <a:ext cx="1373250" cy="0"/>
+          </a:xfrm>
+          <a:prstGeom prst="straightConnector1">
+            <a:avLst/>
+          </a:prstGeom>
+          <a:ln>
+            <a:solidFill>
+              <a:srgbClr val="FF0000"/>
+            </a:solidFill>
+            <a:tailEnd type="triangle"/>
+          </a:ln>
+        </p:spPr>
+        <p:style>
+          <a:lnRef idx="1">
+            <a:schemeClr val="accent1"/>
+          </a:lnRef>
+          <a:fillRef idx="0">
+            <a:schemeClr val="accent1"/>
+          </a:fillRef>
+          <a:effectRef idx="0">
+            <a:schemeClr val="accent1"/>
+          </a:effectRef>
+          <a:fontRef idx="minor">
+            <a:schemeClr val="tx1"/>
+          </a:fontRef>
+        </p:style>
+      </p:cxnSp>
+      <p:sp>
+        <p:nvSpPr>
+          <p:cNvPr id="4" name="CuadroTexto 3">
+            <a:extLst>
+              <a:ext uri="{FF2B5EF4-FFF2-40B4-BE49-F238E27FC236}">
+                <a16:creationId xmlns:a16="http://schemas.microsoft.com/office/drawing/2014/main" id="{A48443B9-0F99-4F23-BEC7-54A9390E0EB1}"/>
+              </a:ext>
+            </a:extLst>
+          </p:cNvPr>
+          <p:cNvSpPr txBox="1"/>
+          <p:nvPr/>
+        </p:nvSpPr>
+        <p:spPr>
+          <a:xfrm>
+            <a:off x="7470939" y="2902934"/>
+            <a:ext cx="1910038" cy="369332"/>
+          </a:xfrm>
+          <a:prstGeom prst="rect">
+            <a:avLst/>
+          </a:prstGeom>
+          <a:noFill/>
+        </p:spPr>
+        <p:txBody>
+          <a:bodyPr wrap="square" rtlCol="0">
+            <a:spAutoFit/>
+          </a:bodyPr>
+          <a:lstStyle/>
+          <a:p>
+            <a:r>
+              <a:rPr lang="es-AR" dirty="0">
+                <a:solidFill>
+                  <a:srgbClr val="FF0000"/>
+                </a:solidFill>
+              </a:rPr>
+              <a:t>3. </a:t>
+            </a:r>
+            <a:r>
+              <a:rPr lang="es-AR" dirty="0" err="1">
+                <a:solidFill>
+                  <a:srgbClr val="FF0000"/>
+                </a:solidFill>
+              </a:rPr>
+              <a:t>Scan</a:t>
+            </a:r>
+            <a:endParaRPr lang="es-AR" dirty="0">
+              <a:solidFill>
+                <a:srgbClr val="FF0000"/>
+              </a:solidFill>
+            </a:endParaRPr>
+          </a:p>
+        </p:txBody>
+      </p:sp>
+      <p:sp>
+        <p:nvSpPr>
+          <p:cNvPr id="40" name="CuadroTexto 39">
+            <a:extLst>
+              <a:ext uri="{FF2B5EF4-FFF2-40B4-BE49-F238E27FC236}">
+                <a16:creationId xmlns:a16="http://schemas.microsoft.com/office/drawing/2014/main" id="{D00AD18A-2B32-4458-B03A-2189E39A2EC5}"/>
+              </a:ext>
+            </a:extLst>
+          </p:cNvPr>
+          <p:cNvSpPr txBox="1"/>
+          <p:nvPr/>
+        </p:nvSpPr>
+        <p:spPr>
+          <a:xfrm>
+            <a:off x="3351296" y="4520339"/>
+            <a:ext cx="1910038" cy="369332"/>
+          </a:xfrm>
+          <a:prstGeom prst="rect">
+            <a:avLst/>
+          </a:prstGeom>
+          <a:noFill/>
+        </p:spPr>
+        <p:txBody>
+          <a:bodyPr wrap="square" rtlCol="0">
+            <a:spAutoFit/>
+          </a:bodyPr>
+          <a:lstStyle/>
+          <a:p>
+            <a:r>
+              <a:rPr lang="es-AR" dirty="0">
+                <a:solidFill>
+                  <a:srgbClr val="FF0000"/>
+                </a:solidFill>
+              </a:rPr>
+              <a:t>4. </a:t>
+            </a:r>
+            <a:r>
+              <a:rPr lang="es-AR" dirty="0" err="1">
+                <a:solidFill>
+                  <a:srgbClr val="FF0000"/>
+                </a:solidFill>
+              </a:rPr>
+              <a:t>Destroy</a:t>
+            </a:r>
+            <a:endParaRPr lang="es-AR" dirty="0">
+              <a:solidFill>
+                <a:srgbClr val="FF0000"/>
+              </a:solidFill>
+            </a:endParaRPr>
+          </a:p>
+        </p:txBody>
+      </p:sp>
+      <p:cxnSp>
+        <p:nvCxnSpPr>
+          <p:cNvPr id="41" name="Conector recto de flecha 40">
+            <a:extLst>
+              <a:ext uri="{FF2B5EF4-FFF2-40B4-BE49-F238E27FC236}">
+                <a16:creationId xmlns:a16="http://schemas.microsoft.com/office/drawing/2014/main" id="{C6E9257D-41D5-46CE-9448-0200F4C9F1AA}"/>
+              </a:ext>
+            </a:extLst>
+          </p:cNvPr>
+          <p:cNvCxnSpPr>
+            <a:cxnSpLocks/>
+          </p:cNvCxnSpPr>
+          <p:nvPr/>
+        </p:nvCxnSpPr>
+        <p:spPr>
+          <a:xfrm>
+            <a:off x="3405997" y="5031333"/>
+            <a:ext cx="6407875" cy="0"/>
+          </a:xfrm>
+          <a:prstGeom prst="straightConnector1">
+            <a:avLst/>
+          </a:prstGeom>
+          <a:ln>
+            <a:solidFill>
+              <a:srgbClr val="FF0000"/>
+            </a:solidFill>
+            <a:tailEnd type="triangle"/>
+          </a:ln>
+        </p:spPr>
+        <p:style>
+          <a:lnRef idx="1">
+            <a:schemeClr val="accent1"/>
+          </a:lnRef>
+          <a:fillRef idx="0">
+            <a:schemeClr val="accent1"/>
+          </a:fillRef>
+          <a:effectRef idx="0">
+            <a:schemeClr val="accent1"/>
+          </a:effectRef>
+          <a:fontRef idx="minor">
+            <a:schemeClr val="tx1"/>
+          </a:fontRef>
+        </p:style>
+      </p:cxnSp>
+    </p:spTree>
+    <p:extLst>
+      <p:ext uri="{BB962C8B-B14F-4D97-AF65-F5344CB8AC3E}">
+        <p14:creationId xmlns:p14="http://schemas.microsoft.com/office/powerpoint/2010/main" val="964341887"/>
+      </p:ext>
+    </p:extLst>
+  </p:cSld>
+  <p:clrMapOvr>
+    <a:masterClrMapping/>
+  </p:clrMapOvr>
+</p:sld>
+</file>
+
+<file path=ppt/slides/slide8.xml><?xml version="1.0" encoding="utf-8"?>
+<p:sld xmlns:a="http://schemas.openxmlformats.org/drawingml/2006/main" xmlns:r="http://schemas.openxmlformats.org/officeDocument/2006/relationships" xmlns:p="http://schemas.openxmlformats.org/presentationml/2006/main">
+  <p:cSld>
+    <p:spTree>
+      <p:nvGrpSpPr>
+        <p:cNvPr id="1" name=""/>
+        <p:cNvGrpSpPr/>
+        <p:nvPr/>
+      </p:nvGrpSpPr>
+      <p:grpSpPr>
+        <a:xfrm>
+          <a:off x="0" y="0"/>
+          <a:ext cx="0" cy="0"/>
+          <a:chOff x="0" y="0"/>
+          <a:chExt cx="0" cy="0"/>
+        </a:xfrm>
+      </p:grpSpPr>
+      <p:grpSp>
+        <p:nvGrpSpPr>
+          <p:cNvPr id="17" name="Grupo 16">
+            <a:extLst>
+              <a:ext uri="{FF2B5EF4-FFF2-40B4-BE49-F238E27FC236}">
+                <a16:creationId xmlns:a16="http://schemas.microsoft.com/office/drawing/2014/main" id="{0521B506-CFB9-4977-ADD1-4BA9350B596D}"/>
+              </a:ext>
+            </a:extLst>
+          </p:cNvPr>
+          <p:cNvGrpSpPr/>
+          <p:nvPr/>
+        </p:nvGrpSpPr>
+        <p:grpSpPr>
+          <a:xfrm>
+            <a:off x="3476415" y="2109750"/>
+            <a:ext cx="1572663" cy="1525318"/>
+            <a:chOff x="3428694" y="4181932"/>
+            <a:chExt cx="1572663" cy="1525318"/>
+          </a:xfrm>
+        </p:grpSpPr>
+        <p:pic>
+          <p:nvPicPr>
+            <p:cNvPr id="18" name="Picture 51" descr="Data Server Icon of Isometric style - Available in SVG, PNG, EPS ...">
+              <a:extLst>
+                <a:ext uri="{FF2B5EF4-FFF2-40B4-BE49-F238E27FC236}">
+                  <a16:creationId xmlns:a16="http://schemas.microsoft.com/office/drawing/2014/main" id="{27D5944A-D500-4F6A-AE39-38A51BA87467}"/>
+                </a:ext>
+              </a:extLst>
+            </p:cNvPr>
+            <p:cNvPicPr>
+              <a:picLocks noChangeAspect="1" noChangeArrowheads="1"/>
+            </p:cNvPicPr>
+            <p:nvPr/>
+          </p:nvPicPr>
+          <p:blipFill>
+            <a:blip r:embed="rId2">
+              <a:extLst>
+                <a:ext uri="{28A0092B-C50C-407E-A947-70E740481C1C}">
+                  <a14:useLocalDpi xmlns:a14="http://schemas.microsoft.com/office/drawing/2010/main" val="0"/>
+                </a:ext>
+              </a:extLst>
+            </a:blip>
+            <a:srcRect/>
+            <a:stretch>
+              <a:fillRect/>
+            </a:stretch>
+          </p:blipFill>
+          <p:spPr bwMode="auto">
+            <a:xfrm>
+              <a:off x="3544700" y="4181932"/>
+              <a:ext cx="1340652" cy="1340652"/>
+            </a:xfrm>
+            <a:prstGeom prst="rect">
+              <a:avLst/>
+            </a:prstGeom>
+            <a:noFill/>
+            <a:extLst>
+              <a:ext uri="{909E8E84-426E-40DD-AFC4-6F175D3DCCD1}">
+                <a14:hiddenFill xmlns:a14="http://schemas.microsoft.com/office/drawing/2010/main">
+                  <a:solidFill>
+                    <a:srgbClr val="FFFFFF"/>
+                  </a:solidFill>
+                </a14:hiddenFill>
+              </a:ext>
+            </a:extLst>
+          </p:spPr>
+        </p:pic>
+        <p:grpSp>
+          <p:nvGrpSpPr>
+            <p:cNvPr id="19" name="Grupo 18">
+              <a:extLst>
+                <a:ext uri="{FF2B5EF4-FFF2-40B4-BE49-F238E27FC236}">
+                  <a16:creationId xmlns:a16="http://schemas.microsoft.com/office/drawing/2014/main" id="{18C9A515-B081-42E3-9041-17D8B3DB5320}"/>
+                </a:ext>
+              </a:extLst>
+            </p:cNvPr>
+            <p:cNvGrpSpPr/>
+            <p:nvPr/>
+          </p:nvGrpSpPr>
+          <p:grpSpPr>
+            <a:xfrm>
+              <a:off x="3428694" y="4452118"/>
+              <a:ext cx="1572663" cy="1255132"/>
+              <a:chOff x="3428694" y="4452118"/>
+              <a:chExt cx="1572663" cy="1255132"/>
+            </a:xfrm>
+          </p:grpSpPr>
+          <p:pic>
+            <p:nvPicPr>
+              <p:cNvPr id="20" name="Picture 4">
+                <a:extLst>
+                  <a:ext uri="{FF2B5EF4-FFF2-40B4-BE49-F238E27FC236}">
+                    <a16:creationId xmlns:a16="http://schemas.microsoft.com/office/drawing/2014/main" id="{BD462DB7-A6E9-4D39-BECC-80487A1C2AD8}"/>
+                  </a:ext>
+                </a:extLst>
+              </p:cNvPr>
+              <p:cNvPicPr>
+                <a:picLocks noChangeAspect="1" noChangeArrowheads="1"/>
+              </p:cNvPicPr>
+              <p:nvPr/>
+            </p:nvPicPr>
+            <p:blipFill>
+              <a:blip r:embed="rId3">
+                <a:extLst>
+                  <a:ext uri="{28A0092B-C50C-407E-A947-70E740481C1C}">
+                    <a14:useLocalDpi xmlns:a14="http://schemas.microsoft.com/office/drawing/2010/main" val="0"/>
+                  </a:ext>
+                </a:extLst>
+              </a:blip>
+              <a:srcRect/>
+              <a:stretch>
+                <a:fillRect/>
+              </a:stretch>
+            </p:blipFill>
+            <p:spPr bwMode="auto">
+              <a:xfrm>
+                <a:off x="4152608" y="4452118"/>
+                <a:ext cx="844334" cy="989486"/>
+              </a:xfrm>
+              <a:prstGeom prst="rect">
+                <a:avLst/>
+              </a:prstGeom>
+              <a:noFill/>
+              <a:extLst>
+                <a:ext uri="{909E8E84-426E-40DD-AFC4-6F175D3DCCD1}">
+                  <a14:hiddenFill xmlns:a14="http://schemas.microsoft.com/office/drawing/2010/main">
+                    <a:solidFill>
+                      <a:srgbClr val="FFFFFF"/>
+                    </a:solidFill>
+                  </a14:hiddenFill>
+                </a:ext>
+              </a:extLst>
+            </p:spPr>
+          </p:pic>
+          <p:sp>
+            <p:nvSpPr>
+              <p:cNvPr id="21" name="CuadroTexto 20">
+                <a:extLst>
+                  <a:ext uri="{FF2B5EF4-FFF2-40B4-BE49-F238E27FC236}">
+                    <a16:creationId xmlns:a16="http://schemas.microsoft.com/office/drawing/2014/main" id="{3C51DAE6-4511-463E-B59E-1FBDE266CCC7}"/>
+                  </a:ext>
+                </a:extLst>
+              </p:cNvPr>
+              <p:cNvSpPr txBox="1"/>
+              <p:nvPr/>
+            </p:nvSpPr>
+            <p:spPr>
+              <a:xfrm>
+                <a:off x="3428694" y="5337918"/>
+                <a:ext cx="1572663" cy="369332"/>
+              </a:xfrm>
+              <a:prstGeom prst="rect">
+                <a:avLst/>
+              </a:prstGeom>
+              <a:noFill/>
+            </p:spPr>
+            <p:txBody>
+              <a:bodyPr wrap="square">
+                <a:spAutoFit/>
+              </a:bodyPr>
+              <a:lstStyle/>
+              <a:p>
+                <a:r>
+                  <a:rPr lang="es-AR" dirty="0" err="1"/>
+                  <a:t>Orchestrator</a:t>
+                </a:r>
+                <a:endParaRPr lang="es-AR" dirty="0"/>
+              </a:p>
+            </p:txBody>
+          </p:sp>
+        </p:grpSp>
+      </p:grpSp>
+      <p:grpSp>
+        <p:nvGrpSpPr>
+          <p:cNvPr id="24" name="Grupo 23">
+            <a:extLst>
+              <a:ext uri="{FF2B5EF4-FFF2-40B4-BE49-F238E27FC236}">
+                <a16:creationId xmlns:a16="http://schemas.microsoft.com/office/drawing/2014/main" id="{CD2418FC-D978-486A-981C-312271944892}"/>
+              </a:ext>
+            </a:extLst>
+          </p:cNvPr>
+          <p:cNvGrpSpPr/>
+          <p:nvPr/>
+        </p:nvGrpSpPr>
+        <p:grpSpPr>
+          <a:xfrm>
+            <a:off x="6620338" y="2204353"/>
+            <a:ext cx="1903106" cy="1340652"/>
+            <a:chOff x="1944075" y="4318027"/>
+            <a:chExt cx="1903106" cy="1340652"/>
+          </a:xfrm>
+        </p:grpSpPr>
+        <p:pic>
+          <p:nvPicPr>
+            <p:cNvPr id="25" name="Picture 51" descr="Data Server Icon of Isometric style - Available in SVG, PNG, EPS ...">
+              <a:extLst>
+                <a:ext uri="{FF2B5EF4-FFF2-40B4-BE49-F238E27FC236}">
+                  <a16:creationId xmlns:a16="http://schemas.microsoft.com/office/drawing/2014/main" id="{B7D73178-24C1-4D79-8D91-431B274C1216}"/>
+                </a:ext>
+              </a:extLst>
+            </p:cNvPr>
+            <p:cNvPicPr>
+              <a:picLocks noChangeAspect="1" noChangeArrowheads="1"/>
+            </p:cNvPicPr>
+            <p:nvPr/>
+          </p:nvPicPr>
+          <p:blipFill>
+            <a:blip r:embed="rId2">
+              <a:extLst>
+                <a:ext uri="{28A0092B-C50C-407E-A947-70E740481C1C}">
+                  <a14:useLocalDpi xmlns:a14="http://schemas.microsoft.com/office/drawing/2010/main" val="0"/>
+                </a:ext>
+              </a:extLst>
+            </a:blip>
+            <a:srcRect/>
+            <a:stretch>
+              <a:fillRect/>
+            </a:stretch>
+          </p:blipFill>
+          <p:spPr bwMode="auto">
+            <a:xfrm>
+              <a:off x="2225302" y="4318027"/>
+              <a:ext cx="1340652" cy="1340652"/>
+            </a:xfrm>
+            <a:prstGeom prst="rect">
+              <a:avLst/>
+            </a:prstGeom>
+            <a:noFill/>
+            <a:extLst>
+              <a:ext uri="{909E8E84-426E-40DD-AFC4-6F175D3DCCD1}">
+                <a14:hiddenFill xmlns:a14="http://schemas.microsoft.com/office/drawing/2010/main">
+                  <a:solidFill>
+                    <a:srgbClr val="FFFFFF"/>
+                  </a:solidFill>
+                </a14:hiddenFill>
+              </a:ext>
+            </a:extLst>
+          </p:spPr>
+        </p:pic>
+        <p:pic>
+          <p:nvPicPr>
+            <p:cNvPr id="26" name="Picture 45" descr="Redmine Logo - LogoDix">
+              <a:extLst>
+                <a:ext uri="{FF2B5EF4-FFF2-40B4-BE49-F238E27FC236}">
+                  <a16:creationId xmlns:a16="http://schemas.microsoft.com/office/drawing/2014/main" id="{B3B29010-F777-4F99-9307-8772B3930609}"/>
+                </a:ext>
+              </a:extLst>
+            </p:cNvPr>
+            <p:cNvPicPr>
+              <a:picLocks noChangeAspect="1" noChangeArrowheads="1"/>
+            </p:cNvPicPr>
+            <p:nvPr/>
+          </p:nvPicPr>
+          <p:blipFill>
+            <a:blip r:embed="rId4">
+              <a:extLst>
+                <a:ext uri="{28A0092B-C50C-407E-A947-70E740481C1C}">
+                  <a14:useLocalDpi xmlns:a14="http://schemas.microsoft.com/office/drawing/2010/main" val="0"/>
+                </a:ext>
+              </a:extLst>
+            </a:blip>
+            <a:srcRect/>
+            <a:stretch>
+              <a:fillRect/>
+            </a:stretch>
+          </p:blipFill>
+          <p:spPr bwMode="auto">
+            <a:xfrm>
+              <a:off x="1944075" y="4353984"/>
+              <a:ext cx="1903106" cy="1268737"/>
+            </a:xfrm>
+            <a:prstGeom prst="rect">
+              <a:avLst/>
+            </a:prstGeom>
+            <a:noFill/>
+            <a:extLst>
+              <a:ext uri="{909E8E84-426E-40DD-AFC4-6F175D3DCCD1}">
+                <a14:hiddenFill xmlns:a14="http://schemas.microsoft.com/office/drawing/2010/main">
+                  <a:solidFill>
+                    <a:srgbClr val="FFFFFF"/>
+                  </a:solidFill>
+                </a14:hiddenFill>
+              </a:ext>
+            </a:extLst>
+          </p:spPr>
+        </p:pic>
+      </p:grpSp>
+      <p:sp>
+        <p:nvSpPr>
+          <p:cNvPr id="27" name="CuadroTexto 26">
+            <a:extLst>
+              <a:ext uri="{FF2B5EF4-FFF2-40B4-BE49-F238E27FC236}">
+                <a16:creationId xmlns:a16="http://schemas.microsoft.com/office/drawing/2014/main" id="{15213B27-9D6E-4D38-8F0A-5C8D8BE9DAE8}"/>
+              </a:ext>
+            </a:extLst>
+          </p:cNvPr>
+          <p:cNvSpPr txBox="1"/>
+          <p:nvPr/>
+        </p:nvSpPr>
+        <p:spPr>
+          <a:xfrm>
+            <a:off x="5041631" y="1920829"/>
+            <a:ext cx="1910038" cy="369332"/>
+          </a:xfrm>
+          <a:prstGeom prst="rect">
+            <a:avLst/>
+          </a:prstGeom>
+          <a:noFill/>
+        </p:spPr>
+        <p:txBody>
+          <a:bodyPr wrap="square" rtlCol="0">
+            <a:spAutoFit/>
+          </a:bodyPr>
+          <a:lstStyle/>
+          <a:p>
+            <a:r>
+              <a:rPr lang="es-AR" dirty="0"/>
+              <a:t>1. </a:t>
+            </a:r>
+            <a:r>
+              <a:rPr lang="es-AR" dirty="0" err="1"/>
+              <a:t>Create</a:t>
+            </a:r>
+            <a:r>
+              <a:rPr lang="es-AR" dirty="0"/>
+              <a:t> Issues</a:t>
+            </a:r>
+          </a:p>
+        </p:txBody>
+      </p:sp>
+      <p:cxnSp>
+        <p:nvCxnSpPr>
+          <p:cNvPr id="31" name="Conector recto de flecha 30">
+            <a:extLst>
+              <a:ext uri="{FF2B5EF4-FFF2-40B4-BE49-F238E27FC236}">
+                <a16:creationId xmlns:a16="http://schemas.microsoft.com/office/drawing/2014/main" id="{5626352D-2A26-4075-90FC-9105B8E5DBB9}"/>
+              </a:ext>
+            </a:extLst>
+          </p:cNvPr>
+          <p:cNvCxnSpPr>
+            <a:cxnSpLocks/>
+          </p:cNvCxnSpPr>
+          <p:nvPr/>
+        </p:nvCxnSpPr>
+        <p:spPr>
+          <a:xfrm>
+            <a:off x="5174152" y="2863723"/>
+            <a:ext cx="1650715" cy="0"/>
+          </a:xfrm>
+          <a:prstGeom prst="straightConnector1">
+            <a:avLst/>
+          </a:prstGeom>
+          <a:ln>
+            <a:solidFill>
+              <a:schemeClr val="tx1"/>
+            </a:solidFill>
+            <a:tailEnd type="triangle"/>
+          </a:ln>
+        </p:spPr>
+        <p:style>
+          <a:lnRef idx="1">
+            <a:schemeClr val="accent1"/>
+          </a:lnRef>
+          <a:fillRef idx="0">
+            <a:schemeClr val="accent1"/>
+          </a:fillRef>
+          <a:effectRef idx="0">
+            <a:schemeClr val="accent1"/>
+          </a:effectRef>
+          <a:fontRef idx="minor">
+            <a:schemeClr val="tx1"/>
+          </a:fontRef>
+        </p:style>
+      </p:cxnSp>
+    </p:spTree>
+    <p:extLst>
+      <p:ext uri="{BB962C8B-B14F-4D97-AF65-F5344CB8AC3E}">
+        <p14:creationId xmlns:p14="http://schemas.microsoft.com/office/powerpoint/2010/main" val="357660715"/>
+      </p:ext>
+    </p:extLst>
+  </p:cSld>
+  <p:clrMapOvr>
+    <a:masterClrMapping/>
+  </p:clrMapOvr>
+</p:sld>
+</file>
+
+<file path=ppt/slides/slide9.xml><?xml version="1.0" encoding="utf-8"?>
+<p:sld xmlns:a="http://schemas.openxmlformats.org/drawingml/2006/main" xmlns:r="http://schemas.openxmlformats.org/officeDocument/2006/relationships" xmlns:p="http://schemas.openxmlformats.org/presentationml/2006/main">
+  <p:cSld>
+    <p:spTree>
+      <p:nvGrpSpPr>
+        <p:cNvPr id="1" name=""/>
+        <p:cNvGrpSpPr/>
+        <p:nvPr/>
+      </p:nvGrpSpPr>
+      <p:grpSpPr>
+        <a:xfrm>
+          <a:off x="0" y="0"/>
+          <a:ext cx="0" cy="0"/>
+          <a:chOff x="0" y="0"/>
+          <a:chExt cx="0" cy="0"/>
+        </a:xfrm>
+      </p:grpSpPr>
+      <p:grpSp>
+        <p:nvGrpSpPr>
+          <p:cNvPr id="12" name="Grupo 11">
+            <a:extLst>
+              <a:ext uri="{FF2B5EF4-FFF2-40B4-BE49-F238E27FC236}">
+                <a16:creationId xmlns:a16="http://schemas.microsoft.com/office/drawing/2014/main" id="{6831A2C3-8401-400C-BBB5-531FEADE6681}"/>
+              </a:ext>
+            </a:extLst>
+          </p:cNvPr>
+          <p:cNvGrpSpPr/>
+          <p:nvPr/>
+        </p:nvGrpSpPr>
+        <p:grpSpPr>
+          <a:xfrm>
+            <a:off x="7133028" y="4003560"/>
+            <a:ext cx="1903106" cy="1340652"/>
+            <a:chOff x="1944075" y="4318027"/>
+            <a:chExt cx="1903106" cy="1340652"/>
+          </a:xfrm>
+        </p:grpSpPr>
+        <p:pic>
+          <p:nvPicPr>
+            <p:cNvPr id="13" name="Picture 51" descr="Data Server Icon of Isometric style - Available in SVG, PNG, EPS ...">
+              <a:extLst>
+                <a:ext uri="{FF2B5EF4-FFF2-40B4-BE49-F238E27FC236}">
+                  <a16:creationId xmlns:a16="http://schemas.microsoft.com/office/drawing/2014/main" id="{9672B40E-78D1-495E-B551-EE9E8D9385C7}"/>
+                </a:ext>
+              </a:extLst>
+            </p:cNvPr>
+            <p:cNvPicPr>
+              <a:picLocks noChangeAspect="1" noChangeArrowheads="1"/>
+            </p:cNvPicPr>
+            <p:nvPr/>
+          </p:nvPicPr>
+          <p:blipFill>
+            <a:blip r:embed="rId2">
+              <a:extLst>
+                <a:ext uri="{28A0092B-C50C-407E-A947-70E740481C1C}">
+                  <a14:useLocalDpi xmlns:a14="http://schemas.microsoft.com/office/drawing/2010/main" val="0"/>
+                </a:ext>
+              </a:extLst>
+            </a:blip>
+            <a:srcRect/>
+            <a:stretch>
+              <a:fillRect/>
+            </a:stretch>
+          </p:blipFill>
+          <p:spPr bwMode="auto">
+            <a:xfrm>
+              <a:off x="2225302" y="4318027"/>
+              <a:ext cx="1340652" cy="1340652"/>
+            </a:xfrm>
+            <a:prstGeom prst="rect">
+              <a:avLst/>
+            </a:prstGeom>
+            <a:noFill/>
+            <a:extLst>
+              <a:ext uri="{909E8E84-426E-40DD-AFC4-6F175D3DCCD1}">
+                <a14:hiddenFill xmlns:a14="http://schemas.microsoft.com/office/drawing/2010/main">
+                  <a:solidFill>
+                    <a:srgbClr val="FFFFFF"/>
+                  </a:solidFill>
+                </a14:hiddenFill>
+              </a:ext>
+            </a:extLst>
+          </p:spPr>
+        </p:pic>
+        <p:pic>
+          <p:nvPicPr>
+            <p:cNvPr id="14" name="Picture 45" descr="Redmine Logo - LogoDix">
+              <a:extLst>
+                <a:ext uri="{FF2B5EF4-FFF2-40B4-BE49-F238E27FC236}">
+                  <a16:creationId xmlns:a16="http://schemas.microsoft.com/office/drawing/2014/main" id="{49C1D47D-B7CF-4CCC-96B9-2EB9C41F6952}"/>
+                </a:ext>
+              </a:extLst>
+            </p:cNvPr>
+            <p:cNvPicPr>
+              <a:picLocks noChangeAspect="1" noChangeArrowheads="1"/>
+            </p:cNvPicPr>
+            <p:nvPr/>
+          </p:nvPicPr>
+          <p:blipFill>
+            <a:blip r:embed="rId3">
+              <a:extLst>
+                <a:ext uri="{28A0092B-C50C-407E-A947-70E740481C1C}">
+                  <a14:useLocalDpi xmlns:a14="http://schemas.microsoft.com/office/drawing/2010/main" val="0"/>
+                </a:ext>
+              </a:extLst>
+            </a:blip>
+            <a:srcRect/>
+            <a:stretch>
+              <a:fillRect/>
+            </a:stretch>
+          </p:blipFill>
+          <p:spPr bwMode="auto">
+            <a:xfrm>
+              <a:off x="1944075" y="4353984"/>
+              <a:ext cx="1903106" cy="1268737"/>
+            </a:xfrm>
+            <a:prstGeom prst="rect">
+              <a:avLst/>
+            </a:prstGeom>
+            <a:noFill/>
+            <a:extLst>
+              <a:ext uri="{909E8E84-426E-40DD-AFC4-6F175D3DCCD1}">
+                <a14:hiddenFill xmlns:a14="http://schemas.microsoft.com/office/drawing/2010/main">
+                  <a:solidFill>
+                    <a:srgbClr val="FFFFFF"/>
+                  </a:solidFill>
+                </a14:hiddenFill>
+              </a:ext>
+            </a:extLst>
+          </p:spPr>
+        </p:pic>
+      </p:grpSp>
+      <p:grpSp>
+        <p:nvGrpSpPr>
+          <p:cNvPr id="15" name="Grupo 14">
+            <a:extLst>
+              <a:ext uri="{FF2B5EF4-FFF2-40B4-BE49-F238E27FC236}">
+                <a16:creationId xmlns:a16="http://schemas.microsoft.com/office/drawing/2014/main" id="{6424AD3A-2C22-48A2-8270-68DC735D5D51}"/>
+              </a:ext>
+            </a:extLst>
+          </p:cNvPr>
+          <p:cNvGrpSpPr/>
+          <p:nvPr/>
+        </p:nvGrpSpPr>
+        <p:grpSpPr>
+          <a:xfrm>
+            <a:off x="3479819" y="4003560"/>
+            <a:ext cx="1412494" cy="1340652"/>
+            <a:chOff x="3482282" y="1610584"/>
+            <a:chExt cx="1412494" cy="1340652"/>
+          </a:xfrm>
+        </p:grpSpPr>
+        <p:pic>
+          <p:nvPicPr>
+            <p:cNvPr id="16" name="Picture 51" descr="Data Server Icon of Isometric style - Available in SVG, PNG, EPS ...">
+              <a:extLst>
+                <a:ext uri="{FF2B5EF4-FFF2-40B4-BE49-F238E27FC236}">
+                  <a16:creationId xmlns:a16="http://schemas.microsoft.com/office/drawing/2014/main" id="{C3C73437-B551-463F-898F-153207096B41}"/>
+                </a:ext>
+              </a:extLst>
+            </p:cNvPr>
+            <p:cNvPicPr>
+              <a:picLocks noChangeAspect="1" noChangeArrowheads="1"/>
+            </p:cNvPicPr>
+            <p:nvPr/>
+          </p:nvPicPr>
+          <p:blipFill>
+            <a:blip r:embed="rId2">
+              <a:extLst>
+                <a:ext uri="{28A0092B-C50C-407E-A947-70E740481C1C}">
+                  <a14:useLocalDpi xmlns:a14="http://schemas.microsoft.com/office/drawing/2010/main" val="0"/>
+                </a:ext>
+              </a:extLst>
+            </a:blip>
+            <a:srcRect/>
+            <a:stretch>
+              <a:fillRect/>
+            </a:stretch>
+          </p:blipFill>
+          <p:spPr bwMode="auto">
+            <a:xfrm>
+              <a:off x="3482282" y="1610584"/>
+              <a:ext cx="1340652" cy="1340652"/>
+            </a:xfrm>
+            <a:prstGeom prst="rect">
+              <a:avLst/>
+            </a:prstGeom>
+            <a:noFill/>
+            <a:extLst>
+              <a:ext uri="{909E8E84-426E-40DD-AFC4-6F175D3DCCD1}">
+                <a14:hiddenFill xmlns:a14="http://schemas.microsoft.com/office/drawing/2010/main">
+                  <a:solidFill>
+                    <a:srgbClr val="FFFFFF"/>
+                  </a:solidFill>
+                </a14:hiddenFill>
+              </a:ext>
+            </a:extLst>
+          </p:spPr>
+        </p:pic>
+        <p:pic>
+          <p:nvPicPr>
+            <p:cNvPr id="22" name="Picture 53" descr="Interface, layout, page, ui, web, website icon">
+              <a:extLst>
+                <a:ext uri="{FF2B5EF4-FFF2-40B4-BE49-F238E27FC236}">
+                  <a16:creationId xmlns:a16="http://schemas.microsoft.com/office/drawing/2014/main" id="{CFE9E4F9-62B2-488E-97E3-AFD861206620}"/>
+                </a:ext>
+              </a:extLst>
+            </p:cNvPr>
+            <p:cNvPicPr>
+              <a:picLocks noChangeAspect="1" noChangeArrowheads="1"/>
+            </p:cNvPicPr>
+            <p:nvPr/>
+          </p:nvPicPr>
+          <p:blipFill>
+            <a:blip r:embed="rId4">
+              <a:extLst>
+                <a:ext uri="{28A0092B-C50C-407E-A947-70E740481C1C}">
+                  <a14:useLocalDpi xmlns:a14="http://schemas.microsoft.com/office/drawing/2010/main" val="0"/>
+                </a:ext>
+              </a:extLst>
+            </a:blip>
+            <a:srcRect/>
+            <a:stretch>
+              <a:fillRect/>
+            </a:stretch>
+          </p:blipFill>
+          <p:spPr bwMode="auto">
+            <a:xfrm>
+              <a:off x="3521949" y="1840567"/>
+              <a:ext cx="693077" cy="693077"/>
+            </a:xfrm>
+            <a:prstGeom prst="rect">
+              <a:avLst/>
+            </a:prstGeom>
+            <a:noFill/>
+            <a:extLst>
+              <a:ext uri="{909E8E84-426E-40DD-AFC4-6F175D3DCCD1}">
+                <a14:hiddenFill xmlns:a14="http://schemas.microsoft.com/office/drawing/2010/main">
+                  <a:solidFill>
+                    <a:srgbClr val="FFFFFF"/>
+                  </a:solidFill>
+                </a14:hiddenFill>
+              </a:ext>
+            </a:extLst>
+          </p:spPr>
+        </p:pic>
+        <p:pic>
+          <p:nvPicPr>
+            <p:cNvPr id="23" name="Picture 8">
+              <a:extLst>
+                <a:ext uri="{FF2B5EF4-FFF2-40B4-BE49-F238E27FC236}">
+                  <a16:creationId xmlns:a16="http://schemas.microsoft.com/office/drawing/2014/main" id="{2FEF1D28-67C9-4E19-951D-8B96C8D4C477}"/>
+                </a:ext>
+              </a:extLst>
+            </p:cNvPr>
+            <p:cNvPicPr>
+              <a:picLocks noChangeAspect="1" noChangeArrowheads="1"/>
+            </p:cNvPicPr>
+            <p:nvPr/>
+          </p:nvPicPr>
+          <p:blipFill>
+            <a:blip r:embed="rId5">
+              <a:extLst>
+                <a:ext uri="{28A0092B-C50C-407E-A947-70E740481C1C}">
+                  <a14:useLocalDpi xmlns:a14="http://schemas.microsoft.com/office/drawing/2010/main" val="0"/>
+                </a:ext>
+              </a:extLst>
+            </a:blip>
+            <a:srcRect/>
+            <a:stretch>
+              <a:fillRect/>
+            </a:stretch>
+          </p:blipFill>
+          <p:spPr bwMode="auto">
+            <a:xfrm>
+              <a:off x="4172533" y="2144011"/>
+              <a:ext cx="722243" cy="722243"/>
+            </a:xfrm>
+            <a:prstGeom prst="rect">
+              <a:avLst/>
+            </a:prstGeom>
+            <a:noFill/>
+            <a:extLst>
+              <a:ext uri="{909E8E84-426E-40DD-AFC4-6F175D3DCCD1}">
+                <a14:hiddenFill xmlns:a14="http://schemas.microsoft.com/office/drawing/2010/main">
+                  <a:solidFill>
+                    <a:srgbClr val="FFFFFF"/>
+                  </a:solidFill>
+                </a14:hiddenFill>
+              </a:ext>
+            </a:extLst>
+          </p:spPr>
+        </p:pic>
+      </p:grpSp>
+      <p:grpSp>
+        <p:nvGrpSpPr>
+          <p:cNvPr id="28" name="Grupo 27">
+            <a:extLst>
+              <a:ext uri="{FF2B5EF4-FFF2-40B4-BE49-F238E27FC236}">
+                <a16:creationId xmlns:a16="http://schemas.microsoft.com/office/drawing/2014/main" id="{21A52761-7B8C-4CC0-9E81-D09C9FBA21AD}"/>
+              </a:ext>
+            </a:extLst>
+          </p:cNvPr>
+          <p:cNvGrpSpPr/>
+          <p:nvPr/>
+        </p:nvGrpSpPr>
+        <p:grpSpPr>
+          <a:xfrm>
+            <a:off x="5150775" y="900087"/>
+            <a:ext cx="1572663" cy="1525318"/>
+            <a:chOff x="3428694" y="4181932"/>
+            <a:chExt cx="1572663" cy="1525318"/>
+          </a:xfrm>
+        </p:grpSpPr>
+        <p:pic>
+          <p:nvPicPr>
+            <p:cNvPr id="29" name="Picture 51" descr="Data Server Icon of Isometric style - Available in SVG, PNG, EPS ...">
+              <a:extLst>
+                <a:ext uri="{FF2B5EF4-FFF2-40B4-BE49-F238E27FC236}">
+                  <a16:creationId xmlns:a16="http://schemas.microsoft.com/office/drawing/2014/main" id="{C9268D60-74DF-4DF1-B698-74A0832B09BC}"/>
+                </a:ext>
+              </a:extLst>
+            </p:cNvPr>
+            <p:cNvPicPr>
+              <a:picLocks noChangeAspect="1" noChangeArrowheads="1"/>
+            </p:cNvPicPr>
+            <p:nvPr/>
+          </p:nvPicPr>
+          <p:blipFill>
+            <a:blip r:embed="rId2">
+              <a:extLst>
+                <a:ext uri="{28A0092B-C50C-407E-A947-70E740481C1C}">
+                  <a14:useLocalDpi xmlns:a14="http://schemas.microsoft.com/office/drawing/2010/main" val="0"/>
+                </a:ext>
+              </a:extLst>
+            </a:blip>
+            <a:srcRect/>
+            <a:stretch>
+              <a:fillRect/>
+            </a:stretch>
+          </p:blipFill>
+          <p:spPr bwMode="auto">
+            <a:xfrm>
+              <a:off x="3544700" y="4181932"/>
+              <a:ext cx="1340652" cy="1340652"/>
+            </a:xfrm>
+            <a:prstGeom prst="rect">
+              <a:avLst/>
+            </a:prstGeom>
+            <a:noFill/>
+            <a:extLst>
+              <a:ext uri="{909E8E84-426E-40DD-AFC4-6F175D3DCCD1}">
+                <a14:hiddenFill xmlns:a14="http://schemas.microsoft.com/office/drawing/2010/main">
+                  <a:solidFill>
+                    <a:srgbClr val="FFFFFF"/>
+                  </a:solidFill>
+                </a14:hiddenFill>
+              </a:ext>
+            </a:extLst>
+          </p:spPr>
+        </p:pic>
+        <p:grpSp>
+          <p:nvGrpSpPr>
+            <p:cNvPr id="30" name="Grupo 29">
+              <a:extLst>
+                <a:ext uri="{FF2B5EF4-FFF2-40B4-BE49-F238E27FC236}">
+                  <a16:creationId xmlns:a16="http://schemas.microsoft.com/office/drawing/2014/main" id="{C47B2DB0-F16B-4866-BFF7-F95F80E4F371}"/>
+                </a:ext>
+              </a:extLst>
+            </p:cNvPr>
+            <p:cNvGrpSpPr/>
+            <p:nvPr/>
+          </p:nvGrpSpPr>
+          <p:grpSpPr>
+            <a:xfrm>
+              <a:off x="3428694" y="4452118"/>
+              <a:ext cx="1572663" cy="1255132"/>
+              <a:chOff x="3428694" y="4452118"/>
+              <a:chExt cx="1572663" cy="1255132"/>
+            </a:xfrm>
+          </p:grpSpPr>
+          <p:pic>
+            <p:nvPicPr>
+              <p:cNvPr id="32" name="Picture 4">
+                <a:extLst>
+                  <a:ext uri="{FF2B5EF4-FFF2-40B4-BE49-F238E27FC236}">
+                    <a16:creationId xmlns:a16="http://schemas.microsoft.com/office/drawing/2014/main" id="{F8F660E8-967D-464D-816E-9D55EBA3FB32}"/>
+                  </a:ext>
+                </a:extLst>
+              </p:cNvPr>
+              <p:cNvPicPr>
+                <a:picLocks noChangeAspect="1" noChangeArrowheads="1"/>
+              </p:cNvPicPr>
+              <p:nvPr/>
+            </p:nvPicPr>
+            <p:blipFill>
+              <a:blip r:embed="rId6">
+                <a:extLst>
+                  <a:ext uri="{28A0092B-C50C-407E-A947-70E740481C1C}">
+                    <a14:useLocalDpi xmlns:a14="http://schemas.microsoft.com/office/drawing/2010/main" val="0"/>
+                  </a:ext>
+                </a:extLst>
+              </a:blip>
+              <a:srcRect/>
+              <a:stretch>
+                <a:fillRect/>
+              </a:stretch>
+            </p:blipFill>
+            <p:spPr bwMode="auto">
+              <a:xfrm>
+                <a:off x="4152608" y="4452118"/>
+                <a:ext cx="844334" cy="989486"/>
+              </a:xfrm>
+              <a:prstGeom prst="rect">
+                <a:avLst/>
+              </a:prstGeom>
+              <a:noFill/>
+              <a:extLst>
+                <a:ext uri="{909E8E84-426E-40DD-AFC4-6F175D3DCCD1}">
+                  <a14:hiddenFill xmlns:a14="http://schemas.microsoft.com/office/drawing/2010/main">
+                    <a:solidFill>
+                      <a:srgbClr val="FFFFFF"/>
+                    </a:solidFill>
+                  </a14:hiddenFill>
+                </a:ext>
+              </a:extLst>
+            </p:spPr>
+          </p:pic>
+          <p:sp>
+            <p:nvSpPr>
+              <p:cNvPr id="33" name="CuadroTexto 32">
+                <a:extLst>
+                  <a:ext uri="{FF2B5EF4-FFF2-40B4-BE49-F238E27FC236}">
+                    <a16:creationId xmlns:a16="http://schemas.microsoft.com/office/drawing/2014/main" id="{36D67BBA-AE18-4080-886B-8EC72C74D042}"/>
+                  </a:ext>
+                </a:extLst>
+              </p:cNvPr>
+              <p:cNvSpPr txBox="1"/>
+              <p:nvPr/>
+            </p:nvSpPr>
+            <p:spPr>
+              <a:xfrm>
+                <a:off x="3428694" y="5337918"/>
+                <a:ext cx="1572663" cy="369332"/>
+              </a:xfrm>
+              <a:prstGeom prst="rect">
+                <a:avLst/>
+              </a:prstGeom>
+              <a:noFill/>
+            </p:spPr>
+            <p:txBody>
+              <a:bodyPr wrap="square">
+                <a:spAutoFit/>
+              </a:bodyPr>
+              <a:lstStyle/>
+              <a:p>
+                <a:r>
+                  <a:rPr lang="es-AR" dirty="0" err="1"/>
+                  <a:t>Orchestrator</a:t>
+                </a:r>
+                <a:endParaRPr lang="es-AR" dirty="0"/>
+              </a:p>
+            </p:txBody>
+          </p:sp>
+        </p:grpSp>
+      </p:grpSp>
+      <p:pic>
+        <p:nvPicPr>
+          <p:cNvPr id="34" name="Picture 2" descr="Activity, control, procedure, process, system icon">
+            <a:extLst>
+              <a:ext uri="{FF2B5EF4-FFF2-40B4-BE49-F238E27FC236}">
+                <a16:creationId xmlns:a16="http://schemas.microsoft.com/office/drawing/2014/main" id="{5C9518BD-FFA0-4B4F-8BD6-2EAE610D05DB}"/>
+              </a:ext>
+            </a:extLst>
+          </p:cNvPr>
+          <p:cNvPicPr>
+            <a:picLocks noChangeAspect="1" noChangeArrowheads="1"/>
+          </p:cNvPicPr>
+          <p:nvPr/>
+        </p:nvPicPr>
+        <p:blipFill>
+          <a:blip r:embed="rId7">
+            <a:extLst>
+              <a:ext uri="{28A0092B-C50C-407E-A947-70E740481C1C}">
+                <a14:useLocalDpi xmlns:a14="http://schemas.microsoft.com/office/drawing/2010/main" val="0"/>
+              </a:ext>
+            </a:extLst>
+          </a:blip>
+          <a:srcRect/>
+          <a:stretch>
+            <a:fillRect/>
+          </a:stretch>
+        </p:blipFill>
+        <p:spPr bwMode="auto">
+          <a:xfrm>
+            <a:off x="5600588" y="3345528"/>
+            <a:ext cx="722243" cy="722243"/>
+          </a:xfrm>
+          <a:prstGeom prst="rect">
+            <a:avLst/>
+          </a:prstGeom>
+          <a:noFill/>
+          <a:extLst>
+            <a:ext uri="{909E8E84-426E-40DD-AFC4-6F175D3DCCD1}">
+              <a14:hiddenFill xmlns:a14="http://schemas.microsoft.com/office/drawing/2010/main">
+                <a:solidFill>
+                  <a:srgbClr val="FFFFFF"/>
+                </a:solidFill>
+              </a14:hiddenFill>
+            </a:ext>
+          </a:extLst>
+        </p:spPr>
+      </p:pic>
+      <p:sp>
+        <p:nvSpPr>
+          <p:cNvPr id="35" name="CuadroTexto 34">
+            <a:extLst>
+              <a:ext uri="{FF2B5EF4-FFF2-40B4-BE49-F238E27FC236}">
+                <a16:creationId xmlns:a16="http://schemas.microsoft.com/office/drawing/2014/main" id="{B730CD67-DFE8-496E-AE91-36DBDE4D55C6}"/>
+              </a:ext>
+            </a:extLst>
+          </p:cNvPr>
+          <p:cNvSpPr txBox="1"/>
+          <p:nvPr/>
+        </p:nvSpPr>
+        <p:spPr>
+          <a:xfrm>
+            <a:off x="5604645" y="4003560"/>
+            <a:ext cx="1075296" cy="369332"/>
+          </a:xfrm>
+          <a:prstGeom prst="rect">
+            <a:avLst/>
+          </a:prstGeom>
+          <a:noFill/>
+        </p:spPr>
+        <p:txBody>
+          <a:bodyPr wrap="square">
+            <a:spAutoFit/>
+          </a:bodyPr>
+          <a:lstStyle/>
+          <a:p>
+            <a:r>
+              <a:rPr lang="es-AR" dirty="0" err="1"/>
+              <a:t>Sync</a:t>
+            </a:r>
+            <a:endParaRPr lang="es-AR" dirty="0"/>
+          </a:p>
+        </p:txBody>
+      </p:sp>
+      <p:sp>
+        <p:nvSpPr>
+          <p:cNvPr id="2" name="CuadroTexto 1">
+            <a:extLst>
+              <a:ext uri="{FF2B5EF4-FFF2-40B4-BE49-F238E27FC236}">
+                <a16:creationId xmlns:a16="http://schemas.microsoft.com/office/drawing/2014/main" id="{A66D8B71-4CEB-4673-952F-E11C66B8A14D}"/>
+              </a:ext>
+            </a:extLst>
+          </p:cNvPr>
+          <p:cNvSpPr txBox="1"/>
+          <p:nvPr/>
+        </p:nvSpPr>
+        <p:spPr>
+          <a:xfrm>
+            <a:off x="7144431" y="1201081"/>
+            <a:ext cx="4080159" cy="646331"/>
+          </a:xfrm>
+          <a:prstGeom prst="rect">
+            <a:avLst/>
+          </a:prstGeom>
+          <a:noFill/>
+        </p:spPr>
+        <p:txBody>
+          <a:bodyPr wrap="square" rtlCol="0">
+            <a:spAutoFit/>
+          </a:bodyPr>
+          <a:lstStyle/>
+          <a:p>
+            <a:r>
+              <a:rPr lang="es-AR" dirty="0"/>
+              <a:t>MongoDB as a </a:t>
+            </a:r>
+            <a:r>
+              <a:rPr lang="es-AR" dirty="0" err="1"/>
+              <a:t>consolidated</a:t>
+            </a:r>
+            <a:r>
+              <a:rPr lang="es-AR" dirty="0"/>
+              <a:t> </a:t>
+            </a:r>
+            <a:r>
+              <a:rPr lang="es-AR" dirty="0" err="1"/>
+              <a:t>database</a:t>
+            </a:r>
+            <a:r>
+              <a:rPr lang="es-AR" dirty="0"/>
+              <a:t> </a:t>
+            </a:r>
+            <a:r>
+              <a:rPr lang="es-AR" dirty="0" err="1"/>
+              <a:t>with</a:t>
+            </a:r>
+            <a:r>
+              <a:rPr lang="es-AR" dirty="0"/>
+              <a:t> </a:t>
+            </a:r>
+            <a:r>
+              <a:rPr lang="es-AR" dirty="0" err="1"/>
+              <a:t>all</a:t>
+            </a:r>
+            <a:r>
+              <a:rPr lang="es-AR" dirty="0"/>
+              <a:t> </a:t>
+            </a:r>
+            <a:r>
+              <a:rPr lang="es-AR" dirty="0" err="1"/>
+              <a:t>vulnerabilities</a:t>
+            </a:r>
+            <a:r>
+              <a:rPr lang="es-AR" dirty="0"/>
+              <a:t>.</a:t>
+            </a:r>
+          </a:p>
+        </p:txBody>
+      </p:sp>
+      <p:sp>
+        <p:nvSpPr>
+          <p:cNvPr id="3" name="CuadroTexto 2">
+            <a:extLst>
+              <a:ext uri="{FF2B5EF4-FFF2-40B4-BE49-F238E27FC236}">
+                <a16:creationId xmlns:a16="http://schemas.microsoft.com/office/drawing/2014/main" id="{59176254-8619-4CB1-A183-D6AF5AD695BA}"/>
+              </a:ext>
+            </a:extLst>
+          </p:cNvPr>
+          <p:cNvSpPr txBox="1"/>
+          <p:nvPr/>
+        </p:nvSpPr>
+        <p:spPr>
+          <a:xfrm>
+            <a:off x="223537" y="3472220"/>
+            <a:ext cx="4080159" cy="646331"/>
+          </a:xfrm>
+          <a:prstGeom prst="rect">
+            <a:avLst/>
+          </a:prstGeom>
+          <a:noFill/>
+        </p:spPr>
+        <p:txBody>
+          <a:bodyPr wrap="square" rtlCol="0">
+            <a:spAutoFit/>
+          </a:bodyPr>
+          <a:lstStyle/>
+          <a:p>
+            <a:r>
+              <a:rPr lang="en-US" dirty="0"/>
+              <a:t>Elastic</a:t>
+            </a:r>
+            <a:r>
+              <a:rPr lang="es-AR" dirty="0"/>
+              <a:t> </a:t>
+            </a:r>
+            <a:r>
+              <a:rPr lang="en-US" dirty="0"/>
+              <a:t>search</a:t>
+            </a:r>
+            <a:r>
+              <a:rPr lang="es-AR" dirty="0"/>
+              <a:t> and </a:t>
+            </a:r>
+            <a:r>
+              <a:rPr lang="en-US" dirty="0"/>
+              <a:t>Redmine</a:t>
+            </a:r>
+            <a:r>
+              <a:rPr lang="es-AR" dirty="0"/>
+              <a:t> </a:t>
+            </a:r>
+            <a:r>
+              <a:rPr lang="en-US" dirty="0"/>
+              <a:t>synchronized</a:t>
+            </a:r>
+            <a:r>
+              <a:rPr lang="es-AR" dirty="0"/>
+              <a:t> </a:t>
+            </a:r>
+            <a:r>
+              <a:rPr lang="en-US" dirty="0"/>
+              <a:t>with</a:t>
+            </a:r>
+            <a:r>
+              <a:rPr lang="es-AR" dirty="0"/>
+              <a:t> MongoDB.</a:t>
+            </a:r>
+          </a:p>
+        </p:txBody>
+      </p:sp>
+    </p:spTree>
+    <p:extLst>
+      <p:ext uri="{BB962C8B-B14F-4D97-AF65-F5344CB8AC3E}">
+        <p14:creationId xmlns:p14="http://schemas.microsoft.com/office/powerpoint/2010/main" val="3805032377"/>
       </p:ext>
     </p:extLst>
   </p:cSld>

--- a/architecture.pptx
+++ b/architecture.pptx
@@ -446,7 +446,7 @@
           <a:p>
             <a:fld id="{0D9B93E0-5830-411C-ACD8-46C3646308D9}" type="datetimeFigureOut">
               <a:rPr lang="es-AR" smtClean="0"/>
-              <a:t>28/8/2020</a:t>
+              <a:t>2/9/2020</a:t>
             </a:fld>
             <a:endParaRPr lang="es-AR"/>
           </a:p>
@@ -737,7 +737,7 @@
           <a:p>
             <a:fld id="{0D9B93E0-5830-411C-ACD8-46C3646308D9}" type="datetimeFigureOut">
               <a:rPr lang="es-AR" smtClean="0"/>
-              <a:t>28/8/2020</a:t>
+              <a:t>2/9/2020</a:t>
             </a:fld>
             <a:endParaRPr lang="es-AR"/>
           </a:p>
@@ -996,7 +996,7 @@
           <a:p>
             <a:fld id="{0D9B93E0-5830-411C-ACD8-46C3646308D9}" type="datetimeFigureOut">
               <a:rPr lang="es-AR" smtClean="0"/>
-              <a:t>28/8/2020</a:t>
+              <a:t>2/9/2020</a:t>
             </a:fld>
             <a:endParaRPr lang="es-AR"/>
           </a:p>
@@ -1465,7 +1465,7 @@
           <a:p>
             <a:fld id="{0D9B93E0-5830-411C-ACD8-46C3646308D9}" type="datetimeFigureOut">
               <a:rPr lang="es-AR" smtClean="0"/>
-              <a:t>28/8/2020</a:t>
+              <a:t>2/9/2020</a:t>
             </a:fld>
             <a:endParaRPr lang="es-AR"/>
           </a:p>
@@ -1645,7 +1645,7 @@
           <a:p>
             <a:fld id="{0D9B93E0-5830-411C-ACD8-46C3646308D9}" type="datetimeFigureOut">
               <a:rPr lang="es-AR" smtClean="0"/>
-              <a:t>28/8/2020</a:t>
+              <a:t>2/9/2020</a:t>
             </a:fld>
             <a:endParaRPr lang="es-AR"/>
           </a:p>
@@ -2221,7 +2221,7 @@
           <a:p>
             <a:fld id="{0D9B93E0-5830-411C-ACD8-46C3646308D9}" type="datetimeFigureOut">
               <a:rPr lang="es-AR" smtClean="0"/>
-              <a:t>28/8/2020</a:t>
+              <a:t>2/9/2020</a:t>
             </a:fld>
             <a:endParaRPr lang="es-AR"/>
           </a:p>
@@ -2553,7 +2553,7 @@
           <a:p>
             <a:fld id="{0D9B93E0-5830-411C-ACD8-46C3646308D9}" type="datetimeFigureOut">
               <a:rPr lang="es-AR" smtClean="0"/>
-              <a:t>28/8/2020</a:t>
+              <a:t>2/9/2020</a:t>
             </a:fld>
             <a:endParaRPr lang="es-AR"/>
           </a:p>
@@ -2728,7 +2728,7 @@
           <a:p>
             <a:fld id="{0D9B93E0-5830-411C-ACD8-46C3646308D9}" type="datetimeFigureOut">
               <a:rPr lang="es-AR" smtClean="0"/>
-              <a:t>28/8/2020</a:t>
+              <a:t>2/9/2020</a:t>
             </a:fld>
             <a:endParaRPr lang="es-AR"/>
           </a:p>
@@ -2908,7 +2908,7 @@
           <a:p>
             <a:fld id="{0D9B93E0-5830-411C-ACD8-46C3646308D9}" type="datetimeFigureOut">
               <a:rPr lang="es-AR" smtClean="0"/>
-              <a:t>28/8/2020</a:t>
+              <a:t>2/9/2020</a:t>
             </a:fld>
             <a:endParaRPr lang="es-AR"/>
           </a:p>
@@ -3078,7 +3078,7 @@
           <a:p>
             <a:fld id="{0D9B93E0-5830-411C-ACD8-46C3646308D9}" type="datetimeFigureOut">
               <a:rPr lang="es-AR" smtClean="0"/>
-              <a:t>28/8/2020</a:t>
+              <a:t>2/9/2020</a:t>
             </a:fld>
             <a:endParaRPr lang="es-AR"/>
           </a:p>
@@ -3335,7 +3335,7 @@
           <a:p>
             <a:fld id="{0D9B93E0-5830-411C-ACD8-46C3646308D9}" type="datetimeFigureOut">
               <a:rPr lang="es-AR" smtClean="0"/>
-              <a:t>28/8/2020</a:t>
+              <a:t>2/9/2020</a:t>
             </a:fld>
             <a:endParaRPr lang="es-AR"/>
           </a:p>
@@ -3627,7 +3627,7 @@
           <a:p>
             <a:fld id="{0D9B93E0-5830-411C-ACD8-46C3646308D9}" type="datetimeFigureOut">
               <a:rPr lang="es-AR" smtClean="0"/>
-              <a:t>28/8/2020</a:t>
+              <a:t>2/9/2020</a:t>
             </a:fld>
             <a:endParaRPr lang="es-AR"/>
           </a:p>
@@ -4057,7 +4057,7 @@
           <a:p>
             <a:fld id="{0D9B93E0-5830-411C-ACD8-46C3646308D9}" type="datetimeFigureOut">
               <a:rPr lang="es-AR" smtClean="0"/>
-              <a:t>28/8/2020</a:t>
+              <a:t>2/9/2020</a:t>
             </a:fld>
             <a:endParaRPr lang="es-AR"/>
           </a:p>
@@ -4175,7 +4175,7 @@
           <a:p>
             <a:fld id="{0D9B93E0-5830-411C-ACD8-46C3646308D9}" type="datetimeFigureOut">
               <a:rPr lang="es-AR" smtClean="0"/>
-              <a:t>28/8/2020</a:t>
+              <a:t>2/9/2020</a:t>
             </a:fld>
             <a:endParaRPr lang="es-AR"/>
           </a:p>
@@ -4270,7 +4270,7 @@
           <a:p>
             <a:fld id="{0D9B93E0-5830-411C-ACD8-46C3646308D9}" type="datetimeFigureOut">
               <a:rPr lang="es-AR" smtClean="0"/>
-              <a:t>28/8/2020</a:t>
+              <a:t>2/9/2020</a:t>
             </a:fld>
             <a:endParaRPr lang="es-AR"/>
           </a:p>
@@ -4553,7 +4553,7 @@
           <a:p>
             <a:fld id="{0D9B93E0-5830-411C-ACD8-46C3646308D9}" type="datetimeFigureOut">
               <a:rPr lang="es-AR" smtClean="0"/>
-              <a:t>28/8/2020</a:t>
+              <a:t>2/9/2020</a:t>
             </a:fld>
             <a:endParaRPr lang="es-AR"/>
           </a:p>
@@ -4844,7 +4844,7 @@
           <a:p>
             <a:fld id="{0D9B93E0-5830-411C-ACD8-46C3646308D9}" type="datetimeFigureOut">
               <a:rPr lang="es-AR" smtClean="0"/>
-              <a:t>28/8/2020</a:t>
+              <a:t>2/9/2020</a:t>
             </a:fld>
             <a:endParaRPr lang="es-AR"/>
           </a:p>
@@ -5075,7 +5075,7 @@
           <a:p>
             <a:fld id="{0D9B93E0-5830-411C-ACD8-46C3646308D9}" type="datetimeFigureOut">
               <a:rPr lang="es-AR" smtClean="0"/>
-              <a:t>28/8/2020</a:t>
+              <a:t>2/9/2020</a:t>
             </a:fld>
             <a:endParaRPr lang="es-AR"/>
           </a:p>
@@ -8444,6 +8444,60 @@
           <a:chExt cx="0" cy="0"/>
         </a:xfrm>
       </p:grpSpPr>
+      <p:sp>
+        <p:nvSpPr>
+          <p:cNvPr id="9" name="Elipse 8">
+            <a:extLst>
+              <a:ext uri="{FF2B5EF4-FFF2-40B4-BE49-F238E27FC236}">
+                <a16:creationId xmlns:a16="http://schemas.microsoft.com/office/drawing/2014/main" id="{A53ADC08-8CC4-40C4-943E-CF3449803528}"/>
+              </a:ext>
+            </a:extLst>
+          </p:cNvPr>
+          <p:cNvSpPr/>
+          <p:nvPr/>
+        </p:nvSpPr>
+        <p:spPr>
+          <a:xfrm>
+            <a:off x="4343030" y="2768670"/>
+            <a:ext cx="2292626" cy="2292626"/>
+          </a:xfrm>
+          <a:prstGeom prst="ellipse">
+            <a:avLst/>
+          </a:prstGeom>
+          <a:noFill/>
+          <a:ln>
+            <a:solidFill>
+              <a:schemeClr val="tx1">
+                <a:lumMod val="85000"/>
+              </a:schemeClr>
+            </a:solidFill>
+          </a:ln>
+        </p:spPr>
+        <p:style>
+          <a:lnRef idx="2">
+            <a:schemeClr val="accent1">
+              <a:shade val="50000"/>
+            </a:schemeClr>
+          </a:lnRef>
+          <a:fillRef idx="1">
+            <a:schemeClr val="accent1"/>
+          </a:fillRef>
+          <a:effectRef idx="0">
+            <a:schemeClr val="accent1"/>
+          </a:effectRef>
+          <a:fontRef idx="minor">
+            <a:schemeClr val="lt1"/>
+          </a:fontRef>
+        </p:style>
+        <p:txBody>
+          <a:bodyPr rtlCol="0" anchor="ctr"/>
+          <a:lstStyle/>
+          <a:p>
+            <a:pPr algn="ctr"/>
+            <a:endParaRPr lang="es-AR"/>
+          </a:p>
+        </p:txBody>
+      </p:sp>
       <p:grpSp>
         <p:nvGrpSpPr>
           <p:cNvPr id="16" name="Grupo 15">
@@ -8596,7 +8650,7 @@
         </p:nvGrpSpPr>
         <p:grpSpPr>
           <a:xfrm>
-            <a:off x="6302286" y="4020720"/>
+            <a:off x="5768441" y="2557037"/>
             <a:ext cx="1903106" cy="1340652"/>
             <a:chOff x="1944075" y="4318027"/>
             <a:chExt cx="1903106" cy="1340652"/>
@@ -8937,7 +8991,7 @@
         </p:nvGrpSpPr>
         <p:grpSpPr>
           <a:xfrm>
-            <a:off x="7999627" y="1717555"/>
+            <a:off x="8174051" y="1566355"/>
             <a:ext cx="1239335" cy="1147031"/>
             <a:chOff x="7850946" y="4338516"/>
             <a:chExt cx="1906002" cy="1906002"/>
@@ -9143,7 +9197,7 @@
         </p:nvGrpSpPr>
         <p:grpSpPr>
           <a:xfrm>
-            <a:off x="8030083" y="516834"/>
+            <a:off x="8174051" y="94033"/>
             <a:ext cx="1239335" cy="1211025"/>
             <a:chOff x="10035407" y="4234213"/>
             <a:chExt cx="1906002" cy="2012339"/>
@@ -9495,8 +9549,8 @@
         </p:nvCxnSpPr>
         <p:spPr>
           <a:xfrm>
-            <a:off x="6494944" y="1919364"/>
-            <a:ext cx="1686978" cy="34323"/>
+            <a:off x="6494944" y="1801241"/>
+            <a:ext cx="1686978" cy="10848"/>
           </a:xfrm>
           <a:prstGeom prst="straightConnector1">
             <a:avLst/>
@@ -9537,7 +9591,7 @@
         </p:nvGrpSpPr>
         <p:grpSpPr>
           <a:xfrm>
-            <a:off x="3974741" y="4060063"/>
+            <a:off x="3706082" y="2468560"/>
             <a:ext cx="1412494" cy="1340652"/>
             <a:chOff x="3482282" y="1610584"/>
             <a:chExt cx="1412494" cy="1340652"/>
@@ -9699,7 +9753,7 @@
         </p:nvGrpSpPr>
         <p:grpSpPr>
           <a:xfrm>
-            <a:off x="5075806" y="2319271"/>
+            <a:off x="4728730" y="4535679"/>
             <a:ext cx="1572663" cy="1525318"/>
             <a:chOff x="3428694" y="4181932"/>
             <a:chExt cx="1572663" cy="1525318"/>
@@ -9886,7 +9940,7 @@
         </p:blipFill>
         <p:spPr bwMode="auto">
           <a:xfrm>
-            <a:off x="5542101" y="3804917"/>
+            <a:off x="5183397" y="3611448"/>
             <a:ext cx="722243" cy="722243"/>
           </a:xfrm>
           <a:prstGeom prst="rect">
@@ -9918,7 +9972,7 @@
         </p:nvSpPr>
         <p:spPr>
           <a:xfrm>
-            <a:off x="5546158" y="4462949"/>
+            <a:off x="5183397" y="4135743"/>
             <a:ext cx="1075296" cy="369332"/>
           </a:xfrm>
           <a:prstGeom prst="rect">
@@ -10122,10 +10176,10 @@
         </p:nvGrpSpPr>
         <p:grpSpPr>
           <a:xfrm>
-            <a:off x="3236090" y="2728770"/>
-            <a:ext cx="1340652" cy="1340652"/>
-            <a:chOff x="2470467" y="2204305"/>
-            <a:chExt cx="1340652" cy="1340652"/>
+            <a:off x="3105648" y="2664039"/>
+            <a:ext cx="1470052" cy="1460034"/>
+            <a:chOff x="2341067" y="2204305"/>
+            <a:chExt cx="1470052" cy="1460034"/>
           </a:xfrm>
         </p:grpSpPr>
         <p:pic>
@@ -10204,7 +10258,7 @@
           </p:blipFill>
           <p:spPr bwMode="auto">
             <a:xfrm>
-              <a:off x="2740073" y="2583734"/>
+              <a:off x="2341067" y="2792022"/>
               <a:ext cx="799726" cy="872317"/>
             </a:xfrm>
             <a:prstGeom prst="rect">
@@ -10496,6 +10550,100 @@
           </a:p>
         </p:txBody>
       </p:sp>
+      <p:pic>
+        <p:nvPicPr>
+          <p:cNvPr id="1034" name="Picture 10" descr="Como subir código a Github - Victor Robles | Victor Robles">
+            <a:extLst>
+              <a:ext uri="{FF2B5EF4-FFF2-40B4-BE49-F238E27FC236}">
+                <a16:creationId xmlns:a16="http://schemas.microsoft.com/office/drawing/2014/main" id="{C4956841-E598-436E-AAF0-3FCF5DA76A81}"/>
+              </a:ext>
+            </a:extLst>
+          </p:cNvPr>
+          <p:cNvPicPr>
+            <a:picLocks noChangeAspect="1" noChangeArrowheads="1"/>
+          </p:cNvPicPr>
+          <p:nvPr/>
+        </p:nvPicPr>
+        <p:blipFill>
+          <a:blip r:embed="rId5">
+            <a:extLst>
+              <a:ext uri="{28A0092B-C50C-407E-A947-70E740481C1C}">
+                <a14:useLocalDpi xmlns:a14="http://schemas.microsoft.com/office/drawing/2010/main" val="0"/>
+              </a:ext>
+            </a:extLst>
+          </a:blip>
+          <a:srcRect/>
+          <a:stretch>
+            <a:fillRect/>
+          </a:stretch>
+        </p:blipFill>
+        <p:spPr bwMode="auto">
+          <a:xfrm>
+            <a:off x="3410180" y="2570399"/>
+            <a:ext cx="965565" cy="802626"/>
+          </a:xfrm>
+          <a:prstGeom prst="rect">
+            <a:avLst/>
+          </a:prstGeom>
+          <a:noFill/>
+          <a:extLst>
+            <a:ext uri="{909E8E84-426E-40DD-AFC4-6F175D3DCCD1}">
+              <a14:hiddenFill xmlns:a14="http://schemas.microsoft.com/office/drawing/2010/main">
+                <a:solidFill>
+                  <a:srgbClr val="FFFFFF"/>
+                </a:solidFill>
+              </a14:hiddenFill>
+            </a:ext>
+          </a:extLst>
+        </p:spPr>
+      </p:pic>
+      <p:pic>
+        <p:nvPicPr>
+          <p:cNvPr id="1036" name="Picture 12" descr="How to protect Bitbucket Server from potential SHA-1 collision attack">
+            <a:extLst>
+              <a:ext uri="{FF2B5EF4-FFF2-40B4-BE49-F238E27FC236}">
+                <a16:creationId xmlns:a16="http://schemas.microsoft.com/office/drawing/2014/main" id="{42BA3169-CF08-42F5-A78C-68A975653197}"/>
+              </a:ext>
+            </a:extLst>
+          </p:cNvPr>
+          <p:cNvPicPr>
+            <a:picLocks noChangeAspect="1" noChangeArrowheads="1"/>
+          </p:cNvPicPr>
+          <p:nvPr/>
+        </p:nvPicPr>
+        <p:blipFill>
+          <a:blip r:embed="rId6">
+            <a:extLst>
+              <a:ext uri="{28A0092B-C50C-407E-A947-70E740481C1C}">
+                <a14:useLocalDpi xmlns:a14="http://schemas.microsoft.com/office/drawing/2010/main" val="0"/>
+              </a:ext>
+            </a:extLst>
+          </a:blip>
+          <a:srcRect/>
+          <a:stretch>
+            <a:fillRect/>
+          </a:stretch>
+        </p:blipFill>
+        <p:spPr bwMode="auto">
+          <a:xfrm>
+            <a:off x="3857209" y="3298202"/>
+            <a:ext cx="758976" cy="758976"/>
+          </a:xfrm>
+          <a:prstGeom prst="rect">
+            <a:avLst/>
+          </a:prstGeom>
+          <a:noFill/>
+          <a:extLst>
+            <a:ext uri="{909E8E84-426E-40DD-AFC4-6F175D3DCCD1}">
+              <a14:hiddenFill xmlns:a14="http://schemas.microsoft.com/office/drawing/2010/main">
+                <a:solidFill>
+                  <a:srgbClr val="FFFFFF"/>
+                </a:solidFill>
+              </a14:hiddenFill>
+            </a:ext>
+          </a:extLst>
+        </p:spPr>
+      </p:pic>
     </p:spTree>
     <p:extLst>
       <p:ext uri="{BB962C8B-B14F-4D97-AF65-F5344CB8AC3E}">
@@ -13090,7 +13238,7 @@
         </p:nvGrpSpPr>
         <p:grpSpPr>
           <a:xfrm>
-            <a:off x="3476415" y="2109750"/>
+            <a:off x="3205521" y="2783166"/>
             <a:ext cx="1572663" cy="1525318"/>
             <a:chOff x="3428694" y="4181932"/>
             <a:chExt cx="1572663" cy="1525318"/>
@@ -13262,7 +13410,7 @@
         </p:nvGrpSpPr>
         <p:grpSpPr>
           <a:xfrm>
-            <a:off x="6620338" y="2204353"/>
+            <a:off x="6614346" y="1712700"/>
             <a:ext cx="1903106" cy="1340652"/>
             <a:chOff x="1944075" y="4318027"/>
             <a:chExt cx="1903106" cy="1340652"/>
@@ -13450,6 +13598,260 @@
           </a:fontRef>
         </p:style>
       </p:cxnSp>
+      <p:cxnSp>
+        <p:nvCxnSpPr>
+          <p:cNvPr id="12" name="Conector recto de flecha 11">
+            <a:extLst>
+              <a:ext uri="{FF2B5EF4-FFF2-40B4-BE49-F238E27FC236}">
+                <a16:creationId xmlns:a16="http://schemas.microsoft.com/office/drawing/2014/main" id="{618F849D-54CE-44F0-A7F2-8DD6D445F49F}"/>
+              </a:ext>
+            </a:extLst>
+          </p:cNvPr>
+          <p:cNvCxnSpPr>
+            <a:cxnSpLocks/>
+          </p:cNvCxnSpPr>
+          <p:nvPr/>
+        </p:nvCxnSpPr>
+        <p:spPr>
+          <a:xfrm>
+            <a:off x="5250850" y="4603724"/>
+            <a:ext cx="1650715" cy="0"/>
+          </a:xfrm>
+          <a:prstGeom prst="straightConnector1">
+            <a:avLst/>
+          </a:prstGeom>
+          <a:ln>
+            <a:solidFill>
+              <a:schemeClr val="tx1"/>
+            </a:solidFill>
+            <a:tailEnd type="triangle"/>
+          </a:ln>
+        </p:spPr>
+        <p:style>
+          <a:lnRef idx="1">
+            <a:schemeClr val="accent1"/>
+          </a:lnRef>
+          <a:fillRef idx="0">
+            <a:schemeClr val="accent1"/>
+          </a:fillRef>
+          <a:effectRef idx="0">
+            <a:schemeClr val="accent1"/>
+          </a:effectRef>
+          <a:fontRef idx="minor">
+            <a:schemeClr val="tx1"/>
+          </a:fontRef>
+        </p:style>
+      </p:cxnSp>
+      <p:grpSp>
+        <p:nvGrpSpPr>
+          <p:cNvPr id="13" name="Grupo 12">
+            <a:extLst>
+              <a:ext uri="{FF2B5EF4-FFF2-40B4-BE49-F238E27FC236}">
+                <a16:creationId xmlns:a16="http://schemas.microsoft.com/office/drawing/2014/main" id="{4D2BA890-4994-4141-B76A-4BDA3BDD5B2D}"/>
+              </a:ext>
+            </a:extLst>
+          </p:cNvPr>
+          <p:cNvGrpSpPr/>
+          <p:nvPr/>
+        </p:nvGrpSpPr>
+        <p:grpSpPr>
+          <a:xfrm>
+            <a:off x="7104958" y="3558709"/>
+            <a:ext cx="1412494" cy="1340652"/>
+            <a:chOff x="3482282" y="1610584"/>
+            <a:chExt cx="1412494" cy="1340652"/>
+          </a:xfrm>
+        </p:grpSpPr>
+        <p:pic>
+          <p:nvPicPr>
+            <p:cNvPr id="14" name="Picture 51" descr="Data Server Icon of Isometric style - Available in SVG, PNG, EPS ...">
+              <a:extLst>
+                <a:ext uri="{FF2B5EF4-FFF2-40B4-BE49-F238E27FC236}">
+                  <a16:creationId xmlns:a16="http://schemas.microsoft.com/office/drawing/2014/main" id="{D1906C9B-87BF-4C8B-8F41-9F6D95B660D2}"/>
+                </a:ext>
+              </a:extLst>
+            </p:cNvPr>
+            <p:cNvPicPr>
+              <a:picLocks noChangeAspect="1" noChangeArrowheads="1"/>
+            </p:cNvPicPr>
+            <p:nvPr/>
+          </p:nvPicPr>
+          <p:blipFill>
+            <a:blip r:embed="rId2">
+              <a:extLst>
+                <a:ext uri="{28A0092B-C50C-407E-A947-70E740481C1C}">
+                  <a14:useLocalDpi xmlns:a14="http://schemas.microsoft.com/office/drawing/2010/main" val="0"/>
+                </a:ext>
+              </a:extLst>
+            </a:blip>
+            <a:srcRect/>
+            <a:stretch>
+              <a:fillRect/>
+            </a:stretch>
+          </p:blipFill>
+          <p:spPr bwMode="auto">
+            <a:xfrm>
+              <a:off x="3482282" y="1610584"/>
+              <a:ext cx="1340652" cy="1340652"/>
+            </a:xfrm>
+            <a:prstGeom prst="rect">
+              <a:avLst/>
+            </a:prstGeom>
+            <a:noFill/>
+            <a:extLst>
+              <a:ext uri="{909E8E84-426E-40DD-AFC4-6F175D3DCCD1}">
+                <a14:hiddenFill xmlns:a14="http://schemas.microsoft.com/office/drawing/2010/main">
+                  <a:solidFill>
+                    <a:srgbClr val="FFFFFF"/>
+                  </a:solidFill>
+                </a14:hiddenFill>
+              </a:ext>
+            </a:extLst>
+          </p:spPr>
+        </p:pic>
+        <p:pic>
+          <p:nvPicPr>
+            <p:cNvPr id="15" name="Picture 53" descr="Interface, layout, page, ui, web, website icon">
+              <a:extLst>
+                <a:ext uri="{FF2B5EF4-FFF2-40B4-BE49-F238E27FC236}">
+                  <a16:creationId xmlns:a16="http://schemas.microsoft.com/office/drawing/2014/main" id="{98F72440-DCB1-49B5-B2BA-D318E8A7A3D2}"/>
+                </a:ext>
+              </a:extLst>
+            </p:cNvPr>
+            <p:cNvPicPr>
+              <a:picLocks noChangeAspect="1" noChangeArrowheads="1"/>
+            </p:cNvPicPr>
+            <p:nvPr/>
+          </p:nvPicPr>
+          <p:blipFill>
+            <a:blip r:embed="rId5">
+              <a:extLst>
+                <a:ext uri="{28A0092B-C50C-407E-A947-70E740481C1C}">
+                  <a14:useLocalDpi xmlns:a14="http://schemas.microsoft.com/office/drawing/2010/main" val="0"/>
+                </a:ext>
+              </a:extLst>
+            </a:blip>
+            <a:srcRect/>
+            <a:stretch>
+              <a:fillRect/>
+            </a:stretch>
+          </p:blipFill>
+          <p:spPr bwMode="auto">
+            <a:xfrm>
+              <a:off x="3521949" y="1840567"/>
+              <a:ext cx="693077" cy="693077"/>
+            </a:xfrm>
+            <a:prstGeom prst="rect">
+              <a:avLst/>
+            </a:prstGeom>
+            <a:noFill/>
+            <a:extLst>
+              <a:ext uri="{909E8E84-426E-40DD-AFC4-6F175D3DCCD1}">
+                <a14:hiddenFill xmlns:a14="http://schemas.microsoft.com/office/drawing/2010/main">
+                  <a:solidFill>
+                    <a:srgbClr val="FFFFFF"/>
+                  </a:solidFill>
+                </a14:hiddenFill>
+              </a:ext>
+            </a:extLst>
+          </p:spPr>
+        </p:pic>
+        <p:pic>
+          <p:nvPicPr>
+            <p:cNvPr id="16" name="Picture 8">
+              <a:extLst>
+                <a:ext uri="{FF2B5EF4-FFF2-40B4-BE49-F238E27FC236}">
+                  <a16:creationId xmlns:a16="http://schemas.microsoft.com/office/drawing/2014/main" id="{7CA07274-C58F-4759-A2A9-60C6E4BA13C6}"/>
+                </a:ext>
+              </a:extLst>
+            </p:cNvPr>
+            <p:cNvPicPr>
+              <a:picLocks noChangeAspect="1" noChangeArrowheads="1"/>
+            </p:cNvPicPr>
+            <p:nvPr/>
+          </p:nvPicPr>
+          <p:blipFill>
+            <a:blip r:embed="rId6">
+              <a:extLst>
+                <a:ext uri="{28A0092B-C50C-407E-A947-70E740481C1C}">
+                  <a14:useLocalDpi xmlns:a14="http://schemas.microsoft.com/office/drawing/2010/main" val="0"/>
+                </a:ext>
+              </a:extLst>
+            </a:blip>
+            <a:srcRect/>
+            <a:stretch>
+              <a:fillRect/>
+            </a:stretch>
+          </p:blipFill>
+          <p:spPr bwMode="auto">
+            <a:xfrm>
+              <a:off x="4172533" y="2144011"/>
+              <a:ext cx="722243" cy="722243"/>
+            </a:xfrm>
+            <a:prstGeom prst="rect">
+              <a:avLst/>
+            </a:prstGeom>
+            <a:noFill/>
+            <a:extLst>
+              <a:ext uri="{909E8E84-426E-40DD-AFC4-6F175D3DCCD1}">
+                <a14:hiddenFill xmlns:a14="http://schemas.microsoft.com/office/drawing/2010/main">
+                  <a:solidFill>
+                    <a:srgbClr val="FFFFFF"/>
+                  </a:solidFill>
+                </a14:hiddenFill>
+              </a:ext>
+            </a:extLst>
+          </p:spPr>
+        </p:pic>
+      </p:grpSp>
+      <p:sp>
+        <p:nvSpPr>
+          <p:cNvPr id="2" name="CuadroTexto 1">
+            <a:extLst>
+              <a:ext uri="{FF2B5EF4-FFF2-40B4-BE49-F238E27FC236}">
+                <a16:creationId xmlns:a16="http://schemas.microsoft.com/office/drawing/2014/main" id="{E641457A-A43A-4C0A-8C90-0E0BC9001476}"/>
+              </a:ext>
+            </a:extLst>
+          </p:cNvPr>
+          <p:cNvSpPr txBox="1"/>
+          <p:nvPr/>
+        </p:nvSpPr>
+        <p:spPr>
+          <a:xfrm>
+            <a:off x="5123310" y="3692527"/>
+            <a:ext cx="1910038" cy="369332"/>
+          </a:xfrm>
+          <a:prstGeom prst="rect">
+            <a:avLst/>
+          </a:prstGeom>
+          <a:noFill/>
+        </p:spPr>
+        <p:txBody>
+          <a:bodyPr wrap="square" rtlCol="0">
+            <a:spAutoFit/>
+          </a:bodyPr>
+          <a:lstStyle/>
+          <a:p>
+            <a:r>
+              <a:rPr lang="es-AR" dirty="0"/>
+              <a:t>2. </a:t>
+            </a:r>
+            <a:r>
+              <a:rPr lang="es-AR" dirty="0" err="1"/>
+              <a:t>Feed</a:t>
+            </a:r>
+            <a:r>
+              <a:rPr lang="es-AR" dirty="0"/>
+              <a:t> </a:t>
+            </a:r>
+            <a:r>
+              <a:rPr lang="es-AR" dirty="0" err="1"/>
+              <a:t>Elastic</a:t>
+            </a:r>
+            <a:endParaRPr lang="es-AR" dirty="0"/>
+          </a:p>
+        </p:txBody>
+      </p:sp>
     </p:spTree>
     <p:extLst>
       <p:ext uri="{BB962C8B-B14F-4D97-AF65-F5344CB8AC3E}">
